--- a/reports/Natural Disasters.pptx
+++ b/reports/Natural Disasters.pptx
@@ -719,7 +719,16 @@
           <a:bodyPr/>
           <a:lstStyle/>
           <a:p>
-            <a:endParaRPr lang="en-US" dirty="0"/>
+            <a:r>
+              <a:rPr lang="en-US" dirty="0"/>
+              <a:t>Found list of natural disasters on Wikipedia that showed depth and size of natural disaster</a:t>
+            </a:r>
+          </a:p>
+          <a:p>
+            <a:r>
+              <a:rPr lang="en-US" dirty="0"/>
+              <a:t>Cross Referenced those with agencies that participated</a:t>
+            </a:r>
           </a:p>
         </p:txBody>
       </p:sp>
@@ -740,7 +749,7 @@
           <a:p>
             <a:fld id="{02818732-FA64-4F57-8EE6-57AA70E1F1E0}" type="slidenum">
               <a:rPr lang="en-ZA" smtClean="0"/>
-              <a:t>3</a:t>
+              <a:t>2</a:t>
             </a:fld>
             <a:endParaRPr lang="en-ZA" dirty="0"/>
           </a:p>
@@ -749,7 +758,91 @@
     </p:spTree>
     <p:extLst>
       <p:ext uri="{BB962C8B-B14F-4D97-AF65-F5344CB8AC3E}">
-        <p14:creationId xmlns:p14="http://schemas.microsoft.com/office/powerpoint/2010/main" val="927328075"/>
+        <p14:creationId xmlns:p14="http://schemas.microsoft.com/office/powerpoint/2010/main" val="2113552666"/>
+      </p:ext>
+    </p:extLst>
+  </p:cSld>
+  <p:clrMapOvr>
+    <a:masterClrMapping/>
+  </p:clrMapOvr>
+</p:notes>
+</file>
+
+<file path=ppt/notesSlides/notesSlide10.xml><?xml version="1.0" encoding="utf-8"?>
+<p:notes xmlns:a="http://schemas.openxmlformats.org/drawingml/2006/main" xmlns:r="http://schemas.openxmlformats.org/officeDocument/2006/relationships" xmlns:p="http://schemas.openxmlformats.org/presentationml/2006/main">
+  <p:cSld>
+    <p:spTree>
+      <p:nvGrpSpPr>
+        <p:cNvPr id="1" name=""/>
+        <p:cNvGrpSpPr/>
+        <p:nvPr/>
+      </p:nvGrpSpPr>
+      <p:grpSpPr>
+        <a:xfrm>
+          <a:off x="0" y="0"/>
+          <a:ext cx="0" cy="0"/>
+          <a:chOff x="0" y="0"/>
+          <a:chExt cx="0" cy="0"/>
+        </a:xfrm>
+      </p:grpSpPr>
+      <p:sp>
+        <p:nvSpPr>
+          <p:cNvPr id="2" name="Slide Image Placeholder 1"/>
+          <p:cNvSpPr>
+            <a:spLocks noGrp="1" noRot="1" noChangeAspect="1"/>
+          </p:cNvSpPr>
+          <p:nvPr>
+            <p:ph type="sldImg"/>
+          </p:nvPr>
+        </p:nvSpPr>
+        <p:spPr/>
+      </p:sp>
+      <p:sp>
+        <p:nvSpPr>
+          <p:cNvPr id="3" name="Notes Placeholder 2"/>
+          <p:cNvSpPr>
+            <a:spLocks noGrp="1"/>
+          </p:cNvSpPr>
+          <p:nvPr>
+            <p:ph type="body" idx="1"/>
+          </p:nvPr>
+        </p:nvSpPr>
+        <p:spPr/>
+        <p:txBody>
+          <a:bodyPr/>
+          <a:lstStyle/>
+          <a:p>
+            <a:endParaRPr lang="en-US" dirty="0"/>
+          </a:p>
+        </p:txBody>
+      </p:sp>
+      <p:sp>
+        <p:nvSpPr>
+          <p:cNvPr id="4" name="Slide Number Placeholder 3"/>
+          <p:cNvSpPr>
+            <a:spLocks noGrp="1"/>
+          </p:cNvSpPr>
+          <p:nvPr>
+            <p:ph type="sldNum" sz="quarter" idx="5"/>
+          </p:nvPr>
+        </p:nvSpPr>
+        <p:spPr/>
+        <p:txBody>
+          <a:bodyPr/>
+          <a:lstStyle/>
+          <a:p>
+            <a:fld id="{02818732-FA64-4F57-8EE6-57AA70E1F1E0}" type="slidenum">
+              <a:rPr lang="en-ZA" smtClean="0"/>
+              <a:t>16</a:t>
+            </a:fld>
+            <a:endParaRPr lang="en-ZA" dirty="0"/>
+          </a:p>
+        </p:txBody>
+      </p:sp>
+    </p:spTree>
+    <p:extLst>
+      <p:ext uri="{BB962C8B-B14F-4D97-AF65-F5344CB8AC3E}">
+        <p14:creationId xmlns:p14="http://schemas.microsoft.com/office/powerpoint/2010/main" val="1525977494"/>
       </p:ext>
     </p:extLst>
   </p:cSld>
@@ -824,7 +917,7 @@
           <a:p>
             <a:fld id="{02818732-FA64-4F57-8EE6-57AA70E1F1E0}" type="slidenum">
               <a:rPr lang="en-ZA" smtClean="0"/>
-              <a:t>6</a:t>
+              <a:t>3</a:t>
             </a:fld>
             <a:endParaRPr lang="en-ZA" dirty="0"/>
           </a:p>
@@ -833,7 +926,7 @@
     </p:spTree>
     <p:extLst>
       <p:ext uri="{BB962C8B-B14F-4D97-AF65-F5344CB8AC3E}">
-        <p14:creationId xmlns:p14="http://schemas.microsoft.com/office/powerpoint/2010/main" val="1158573916"/>
+        <p14:creationId xmlns:p14="http://schemas.microsoft.com/office/powerpoint/2010/main" val="927328075"/>
       </p:ext>
     </p:extLst>
   </p:cSld>
@@ -908,7 +1001,7 @@
           <a:p>
             <a:fld id="{02818732-FA64-4F57-8EE6-57AA70E1F1E0}" type="slidenum">
               <a:rPr lang="en-ZA" smtClean="0"/>
-              <a:t>7</a:t>
+              <a:t>6</a:t>
             </a:fld>
             <a:endParaRPr lang="en-ZA" dirty="0"/>
           </a:p>
@@ -917,7 +1010,7 @@
     </p:spTree>
     <p:extLst>
       <p:ext uri="{BB962C8B-B14F-4D97-AF65-F5344CB8AC3E}">
-        <p14:creationId xmlns:p14="http://schemas.microsoft.com/office/powerpoint/2010/main" val="1948528590"/>
+        <p14:creationId xmlns:p14="http://schemas.microsoft.com/office/powerpoint/2010/main" val="1158573916"/>
       </p:ext>
     </p:extLst>
   </p:cSld>
@@ -992,7 +1085,7 @@
           <a:p>
             <a:fld id="{02818732-FA64-4F57-8EE6-57AA70E1F1E0}" type="slidenum">
               <a:rPr lang="en-ZA" smtClean="0"/>
-              <a:t>8</a:t>
+              <a:t>7</a:t>
             </a:fld>
             <a:endParaRPr lang="en-ZA" dirty="0"/>
           </a:p>
@@ -1001,7 +1094,7 @@
     </p:spTree>
     <p:extLst>
       <p:ext uri="{BB962C8B-B14F-4D97-AF65-F5344CB8AC3E}">
-        <p14:creationId xmlns:p14="http://schemas.microsoft.com/office/powerpoint/2010/main" val="1834817366"/>
+        <p14:creationId xmlns:p14="http://schemas.microsoft.com/office/powerpoint/2010/main" val="1948528590"/>
       </p:ext>
     </p:extLst>
   </p:cSld>
@@ -1055,58 +1148,6 @@
           <a:bodyPr/>
           <a:lstStyle/>
           <a:p>
-            <a:r>
-              <a:rPr lang="en-US" dirty="0"/>
-              <a:t> Where did data come from?</a:t>
-            </a:r>
-          </a:p>
-          <a:p>
-            <a:pPr lvl="1"/>
-            <a:r>
-              <a:rPr lang="en-US" dirty="0"/>
-              <a:t>Both data (population estimate for Galveston city and Louisa county) came from Census Data API.</a:t>
-            </a:r>
-          </a:p>
-          <a:p>
-            <a:r>
-              <a:rPr lang="en-US" dirty="0"/>
-              <a:t>How much start with?</a:t>
-            </a:r>
-          </a:p>
-          <a:p>
-            <a:pPr lvl="1"/>
-            <a:r>
-              <a:rPr lang="en-US" dirty="0"/>
-              <a:t>Pulling Census data was pretty straight forward process with a few issues; thus, we had obtained exactly what we needed. The websites contained information on how to pull exact data and reference to variables. The variables we have gather are: Population estimate, Geographic name, Place based on FIPS codes, Dates, and States.</a:t>
-            </a:r>
-          </a:p>
-          <a:p>
-            <a:r>
-              <a:rPr lang="en-US" dirty="0"/>
-              <a:t>How much removed? Why?</a:t>
-            </a:r>
-          </a:p>
-          <a:p>
-            <a:pPr lvl="1"/>
-            <a:r>
-              <a:rPr lang="en-US" dirty="0"/>
-              <a:t>After further processing the data, we have removed some variables such as State and County because that information was provided in different columns.</a:t>
-            </a:r>
-          </a:p>
-          <a:p>
-            <a:r>
-              <a:rPr lang="en-US" dirty="0"/>
-              <a:t>What is left?</a:t>
-            </a:r>
-          </a:p>
-          <a:p>
-            <a:pPr lvl="1"/>
-            <a:r>
-              <a:rPr lang="en-US" dirty="0"/>
-              <a:t>We have left the only columns we needed to graph our plots such as Population, County/City, State, and Year.</a:t>
-            </a:r>
-          </a:p>
-          <a:p>
             <a:endParaRPr lang="en-US" dirty="0"/>
           </a:p>
         </p:txBody>
@@ -1128,7 +1169,7 @@
           <a:p>
             <a:fld id="{02818732-FA64-4F57-8EE6-57AA70E1F1E0}" type="slidenum">
               <a:rPr lang="en-ZA" smtClean="0"/>
-              <a:t>9</a:t>
+              <a:t>8</a:t>
             </a:fld>
             <a:endParaRPr lang="en-ZA" dirty="0"/>
           </a:p>
@@ -1137,7 +1178,7 @@
     </p:spTree>
     <p:extLst>
       <p:ext uri="{BB962C8B-B14F-4D97-AF65-F5344CB8AC3E}">
-        <p14:creationId xmlns:p14="http://schemas.microsoft.com/office/powerpoint/2010/main" val="108527476"/>
+        <p14:creationId xmlns:p14="http://schemas.microsoft.com/office/powerpoint/2010/main" val="1834817366"/>
       </p:ext>
     </p:extLst>
   </p:cSld>
@@ -1191,6 +1232,58 @@
           <a:bodyPr/>
           <a:lstStyle/>
           <a:p>
+            <a:r>
+              <a:rPr lang="en-US" dirty="0"/>
+              <a:t> Where did data come from?</a:t>
+            </a:r>
+          </a:p>
+          <a:p>
+            <a:pPr lvl="1"/>
+            <a:r>
+              <a:rPr lang="en-US" dirty="0"/>
+              <a:t>Both data (population estimate for Galveston city and Louisa county) came from Census Data API.</a:t>
+            </a:r>
+          </a:p>
+          <a:p>
+            <a:r>
+              <a:rPr lang="en-US" dirty="0"/>
+              <a:t>How much start with?</a:t>
+            </a:r>
+          </a:p>
+          <a:p>
+            <a:pPr lvl="1"/>
+            <a:r>
+              <a:rPr lang="en-US" dirty="0"/>
+              <a:t>Pulling Census data was pretty straight forward process with a few issues; thus, we had obtained exactly what we needed. The websites contained information on how to pull exact data and reference to variables. The variables we have gather are: Population estimate, Geographic name, Place based on FIPS codes, Dates, and States.</a:t>
+            </a:r>
+          </a:p>
+          <a:p>
+            <a:r>
+              <a:rPr lang="en-US" dirty="0"/>
+              <a:t>How much removed? Why?</a:t>
+            </a:r>
+          </a:p>
+          <a:p>
+            <a:pPr lvl="1"/>
+            <a:r>
+              <a:rPr lang="en-US" dirty="0"/>
+              <a:t>After further processing the data, we have removed some variables such as State and County because that information was provided in different columns.</a:t>
+            </a:r>
+          </a:p>
+          <a:p>
+            <a:r>
+              <a:rPr lang="en-US" dirty="0"/>
+              <a:t>What is left?</a:t>
+            </a:r>
+          </a:p>
+          <a:p>
+            <a:pPr lvl="1"/>
+            <a:r>
+              <a:rPr lang="en-US" dirty="0"/>
+              <a:t>We have left the only columns we needed to graph our plots such as Population, County/City, State, and Year.</a:t>
+            </a:r>
+          </a:p>
+          <a:p>
             <a:endParaRPr lang="en-US" dirty="0"/>
           </a:p>
         </p:txBody>
@@ -1212,7 +1305,7 @@
           <a:p>
             <a:fld id="{02818732-FA64-4F57-8EE6-57AA70E1F1E0}" type="slidenum">
               <a:rPr lang="en-ZA" smtClean="0"/>
-              <a:t>10</a:t>
+              <a:t>9</a:t>
             </a:fld>
             <a:endParaRPr lang="en-ZA" dirty="0"/>
           </a:p>
@@ -1221,7 +1314,7 @@
     </p:spTree>
     <p:extLst>
       <p:ext uri="{BB962C8B-B14F-4D97-AF65-F5344CB8AC3E}">
-        <p14:creationId xmlns:p14="http://schemas.microsoft.com/office/powerpoint/2010/main" val="3571454821"/>
+        <p14:creationId xmlns:p14="http://schemas.microsoft.com/office/powerpoint/2010/main" val="108527476"/>
       </p:ext>
     </p:extLst>
   </p:cSld>
@@ -1275,43 +1368,7 @@
           <a:bodyPr/>
           <a:lstStyle/>
           <a:p>
-            <a:r>
-              <a:rPr lang="en-US" dirty="0"/>
-              <a:t>1. Where Did The Data Come From?</a:t>
-            </a:r>
-          </a:p>
-          <a:p>
-            <a:pPr lvl="1"/>
-            <a:r>
-              <a:rPr lang="en-US" dirty="0"/>
-              <a:t>The data for the median household income (Louisa County, VA and Galveston, TX) were obtained through the Census data website using an API key.</a:t>
-            </a:r>
-          </a:p>
-          <a:p>
-            <a:r>
-              <a:rPr lang="en-US" dirty="0"/>
-              <a:t>2. How much data to start with?</a:t>
-            </a:r>
-          </a:p>
-          <a:p>
-            <a:pPr lvl="1"/>
-            <a:r>
-              <a:rPr lang="en-US" dirty="0"/>
-              <a:t>I was able to access data on the county, state, dates, median household income, median household income margins of error.</a:t>
-            </a:r>
-          </a:p>
-          <a:p>
-            <a:r>
-              <a:rPr lang="en-US" dirty="0"/>
-              <a:t>3.How much was removed, and how much is left?</a:t>
-            </a:r>
-          </a:p>
-          <a:p>
-            <a:pPr lvl="1"/>
-            <a:r>
-              <a:rPr lang="en-US" dirty="0"/>
-              <a:t>I removed State and County data as that was already located on the chart, leaving only the incomes, dates, and location.</a:t>
-            </a:r>
+            <a:endParaRPr lang="en-US" dirty="0"/>
           </a:p>
         </p:txBody>
       </p:sp>
@@ -1332,7 +1389,7 @@
           <a:p>
             <a:fld id="{02818732-FA64-4F57-8EE6-57AA70E1F1E0}" type="slidenum">
               <a:rPr lang="en-ZA" smtClean="0"/>
-              <a:t>11</a:t>
+              <a:t>10</a:t>
             </a:fld>
             <a:endParaRPr lang="en-ZA" dirty="0"/>
           </a:p>
@@ -1341,7 +1398,7 @@
     </p:spTree>
     <p:extLst>
       <p:ext uri="{BB962C8B-B14F-4D97-AF65-F5344CB8AC3E}">
-        <p14:creationId xmlns:p14="http://schemas.microsoft.com/office/powerpoint/2010/main" val="1249847587"/>
+        <p14:creationId xmlns:p14="http://schemas.microsoft.com/office/powerpoint/2010/main" val="3571454821"/>
       </p:ext>
     </p:extLst>
   </p:cSld>
@@ -1395,7 +1452,43 @@
           <a:bodyPr/>
           <a:lstStyle/>
           <a:p>
-            <a:endParaRPr lang="en-US" dirty="0"/>
+            <a:r>
+              <a:rPr lang="en-US" dirty="0"/>
+              <a:t>1. Where Did The Data Come From?</a:t>
+            </a:r>
+          </a:p>
+          <a:p>
+            <a:pPr lvl="1"/>
+            <a:r>
+              <a:rPr lang="en-US" dirty="0"/>
+              <a:t>The data for the median household income (Louisa County, VA and Galveston, TX) were obtained through the Census data website using an API key.</a:t>
+            </a:r>
+          </a:p>
+          <a:p>
+            <a:r>
+              <a:rPr lang="en-US" dirty="0"/>
+              <a:t>2. How much data to start with?</a:t>
+            </a:r>
+          </a:p>
+          <a:p>
+            <a:pPr lvl="1"/>
+            <a:r>
+              <a:rPr lang="en-US" dirty="0"/>
+              <a:t>I was able to access data on the county, state, dates, median household income, median household income margins of error.</a:t>
+            </a:r>
+          </a:p>
+          <a:p>
+            <a:r>
+              <a:rPr lang="en-US" dirty="0"/>
+              <a:t>3.How much was removed, and how much is left?</a:t>
+            </a:r>
+          </a:p>
+          <a:p>
+            <a:pPr lvl="1"/>
+            <a:r>
+              <a:rPr lang="en-US" dirty="0"/>
+              <a:t>I removed State and County data as that was already located on the chart, leaving only the incomes, dates, and location.</a:t>
+            </a:r>
           </a:p>
         </p:txBody>
       </p:sp>
@@ -1416,7 +1509,7 @@
           <a:p>
             <a:fld id="{02818732-FA64-4F57-8EE6-57AA70E1F1E0}" type="slidenum">
               <a:rPr lang="en-ZA" smtClean="0"/>
-              <a:t>12</a:t>
+              <a:t>11</a:t>
             </a:fld>
             <a:endParaRPr lang="en-ZA" dirty="0"/>
           </a:p>
@@ -1425,7 +1518,7 @@
     </p:spTree>
     <p:extLst>
       <p:ext uri="{BB962C8B-B14F-4D97-AF65-F5344CB8AC3E}">
-        <p14:creationId xmlns:p14="http://schemas.microsoft.com/office/powerpoint/2010/main" val="3047952387"/>
+        <p14:creationId xmlns:p14="http://schemas.microsoft.com/office/powerpoint/2010/main" val="1249847587"/>
       </p:ext>
     </p:extLst>
   </p:cSld>
@@ -1500,7 +1593,7 @@
           <a:p>
             <a:fld id="{02818732-FA64-4F57-8EE6-57AA70E1F1E0}" type="slidenum">
               <a:rPr lang="en-ZA" smtClean="0"/>
-              <a:t>16</a:t>
+              <a:t>12</a:t>
             </a:fld>
             <a:endParaRPr lang="en-ZA" dirty="0"/>
           </a:p>
@@ -1509,7 +1602,7 @@
     </p:spTree>
     <p:extLst>
       <p:ext uri="{BB962C8B-B14F-4D97-AF65-F5344CB8AC3E}">
-        <p14:creationId xmlns:p14="http://schemas.microsoft.com/office/powerpoint/2010/main" val="1525977494"/>
+        <p14:creationId xmlns:p14="http://schemas.microsoft.com/office/powerpoint/2010/main" val="3047952387"/>
       </p:ext>
     </p:extLst>
   </p:cSld>
@@ -24065,6 +24158,13 @@
             </a:r>
           </a:p>
           <a:p>
+            <a:pPr lvl="2"/>
+            <a:r>
+              <a:rPr lang="en-US" sz="3000" dirty="0"/>
+              <a:t>Galveston, TX and Louisa County</a:t>
+            </a:r>
+          </a:p>
+          <a:p>
             <a:pPr lvl="1"/>
             <a:r>
               <a:rPr lang="en-US" sz="3200" dirty="0"/>
@@ -24265,7 +24365,7 @@
             <a:pPr lvl="1"/>
             <a:r>
               <a:rPr lang="en-US" sz="2000" dirty="0"/>
-              <a:t>TX agencies</a:t>
+              <a:t>TX agencies in 2008</a:t>
             </a:r>
           </a:p>
           <a:p>
@@ -24301,7 +24401,7 @@
             <a:pPr lvl="1"/>
             <a:r>
               <a:rPr lang="en-US" sz="2000" dirty="0"/>
-              <a:t>VA agencies</a:t>
+              <a:t>VA agencies in 2011</a:t>
             </a:r>
           </a:p>
           <a:p>
@@ -24357,7 +24457,7 @@
             <a:pPr lvl="2"/>
             <a:r>
               <a:rPr lang="en-US" sz="2000" dirty="0"/>
-              <a:t>Louisa County – Earthquake 2011</a:t>
+              <a:t>Louisa County – East Coast Earthquake 2011</a:t>
             </a:r>
           </a:p>
         </p:txBody>
@@ -24470,8 +24570,8 @@
         </p:blipFill>
         <p:spPr>
           <a:xfrm>
-            <a:off x="8061525" y="1272208"/>
-            <a:ext cx="3143250" cy="2933700"/>
+            <a:off x="9406867" y="163899"/>
+            <a:ext cx="2271195" cy="2119782"/>
           </a:xfrm>
           <a:prstGeom prst="rect">
             <a:avLst/>
@@ -25489,7 +25589,7 @@
         <p:spPr>
           <a:xfrm>
             <a:off x="432000" y="1345907"/>
-            <a:ext cx="11218532" cy="4660183"/>
+            <a:ext cx="11218532" cy="5232839"/>
           </a:xfrm>
         </p:spPr>
         <p:txBody>
@@ -25542,14 +25642,50 @@
             </a:r>
           </a:p>
           <a:p>
-            <a:r>
-              <a:rPr lang="en-US" sz="4800" dirty="0"/>
-              <a:t>NEED FINDINGS</a:t>
-            </a:r>
-          </a:p>
-          <a:p>
             <a:pPr lvl="1"/>
-            <a:endParaRPr lang="en-US" sz="1800" dirty="0"/>
+            <a:r>
+              <a:rPr lang="en-US" sz="2000" dirty="0"/>
+              <a:t>Galveston </a:t>
+            </a:r>
+          </a:p>
+          <a:p>
+            <a:pPr lvl="2"/>
+            <a:r>
+              <a:rPr lang="en-US" sz="1800" dirty="0"/>
+              <a:t>Population 2006 approx. 52,000</a:t>
+            </a:r>
+          </a:p>
+          <a:p>
+            <a:pPr lvl="2"/>
+            <a:r>
+              <a:rPr lang="en-US" sz="1800" dirty="0"/>
+              <a:t>Population in 2008 dropped to 48,500.</a:t>
+            </a:r>
+          </a:p>
+          <a:p>
+            <a:pPr lvl="2"/>
+            <a:r>
+              <a:rPr lang="en-US" sz="1800" dirty="0"/>
+              <a:t>By 2011, the population was approx. 47k and then in 2012 population began to regulate</a:t>
+            </a:r>
+          </a:p>
+          <a:p>
+            <a:pPr lvl="1"/>
+            <a:r>
+              <a:rPr lang="en-US" sz="2000" dirty="0"/>
+              <a:t>Virginia</a:t>
+            </a:r>
+          </a:p>
+          <a:p>
+            <a:pPr lvl="2"/>
+            <a:r>
+              <a:rPr lang="en-US" sz="1800" dirty="0"/>
+              <a:t>Population was unaffected and continued to rise although there seemed to be a slight plateau in 2011</a:t>
+            </a:r>
+          </a:p>
+          <a:p>
+            <a:pPr lvl="2"/>
+            <a:endParaRPr lang="en-US" sz="700" dirty="0"/>
           </a:p>
         </p:txBody>
       </p:sp>
@@ -25662,7 +25798,7 @@
         </p:blipFill>
         <p:spPr>
           <a:xfrm>
-            <a:off x="432000" y="4693140"/>
+            <a:off x="8298618" y="0"/>
             <a:ext cx="3648075" cy="1438275"/>
           </a:xfrm>
           <a:prstGeom prst="rect">

--- a/reports/Natural Disasters.pptx
+++ b/reports/Natural Disasters.pptx
@@ -5,28 +5,26 @@
     <p:sldMasterId id="2147483648" r:id="rId1"/>
   </p:sldMasterIdLst>
   <p:notesMasterIdLst>
-    <p:notesMasterId r:id="rId18"/>
+    <p:notesMasterId r:id="rId16"/>
   </p:notesMasterIdLst>
   <p:handoutMasterIdLst>
-    <p:handoutMasterId r:id="rId19"/>
+    <p:handoutMasterId r:id="rId17"/>
   </p:handoutMasterIdLst>
   <p:sldIdLst>
     <p:sldId id="256" r:id="rId2"/>
     <p:sldId id="291" r:id="rId3"/>
     <p:sldId id="292" r:id="rId4"/>
-    <p:sldId id="297" r:id="rId5"/>
-    <p:sldId id="298" r:id="rId6"/>
-    <p:sldId id="293" r:id="rId7"/>
-    <p:sldId id="299" r:id="rId8"/>
-    <p:sldId id="301" r:id="rId9"/>
-    <p:sldId id="295" r:id="rId10"/>
-    <p:sldId id="300" r:id="rId11"/>
-    <p:sldId id="294" r:id="rId12"/>
-    <p:sldId id="302" r:id="rId13"/>
-    <p:sldId id="278" r:id="rId14"/>
-    <p:sldId id="303" r:id="rId15"/>
-    <p:sldId id="281" r:id="rId16"/>
-    <p:sldId id="282" r:id="rId17"/>
+    <p:sldId id="293" r:id="rId5"/>
+    <p:sldId id="299" r:id="rId6"/>
+    <p:sldId id="301" r:id="rId7"/>
+    <p:sldId id="295" r:id="rId8"/>
+    <p:sldId id="300" r:id="rId9"/>
+    <p:sldId id="294" r:id="rId10"/>
+    <p:sldId id="302" r:id="rId11"/>
+    <p:sldId id="278" r:id="rId12"/>
+    <p:sldId id="303" r:id="rId13"/>
+    <p:sldId id="281" r:id="rId14"/>
+    <p:sldId id="282" r:id="rId15"/>
   </p:sldIdLst>
   <p:sldSz cx="12192000" cy="6858000"/>
   <p:notesSz cx="6858000" cy="9144000"/>
@@ -134,6 +132,2109 @@
     </p:ext>
   </p:extLst>
 </p:presentation>
+</file>
+
+<file path=ppt/charts/chart1.xml><?xml version="1.0" encoding="utf-8"?>
+<c:chartSpace xmlns:c="http://schemas.openxmlformats.org/drawingml/2006/chart" xmlns:a="http://schemas.openxmlformats.org/drawingml/2006/main" xmlns:r="http://schemas.openxmlformats.org/officeDocument/2006/relationships" xmlns:c16r2="http://schemas.microsoft.com/office/drawing/2015/06/chart">
+  <c:date1904 val="0"/>
+  <c:lang val="en-US"/>
+  <c:roundedCorners val="0"/>
+  <mc:AlternateContent xmlns:mc="http://schemas.openxmlformats.org/markup-compatibility/2006">
+    <mc:Choice xmlns:c14="http://schemas.microsoft.com/office/drawing/2007/8/2/chart" Requires="c14">
+      <c14:style val="102"/>
+    </mc:Choice>
+    <mc:Fallback>
+      <c:style val="2"/>
+    </mc:Fallback>
+  </mc:AlternateContent>
+  <c:chart>
+    <c:title>
+      <c:tx>
+        <c:rich>
+          <a:bodyPr rot="0" spcFirstLastPara="1" vertOverflow="ellipsis" vert="horz" wrap="square" anchor="ctr" anchorCtr="1"/>
+          <a:lstStyle/>
+          <a:p>
+            <a:pPr>
+              <a:defRPr sz="1400" b="0" i="0" u="none" strike="noStrike" kern="1200" spc="0" baseline="0">
+                <a:solidFill>
+                  <a:schemeClr val="tx1">
+                    <a:lumMod val="65000"/>
+                    <a:lumOff val="35000"/>
+                  </a:schemeClr>
+                </a:solidFill>
+                <a:latin typeface="+mn-lt"/>
+                <a:ea typeface="+mn-ea"/>
+                <a:cs typeface="+mn-cs"/>
+              </a:defRPr>
+            </a:pPr>
+            <a:r>
+              <a:rPr lang="en-US"/>
+              <a:t>Median Household Income - Louisa County</a:t>
+            </a:r>
+          </a:p>
+        </c:rich>
+      </c:tx>
+      <c:overlay val="0"/>
+      <c:spPr>
+        <a:noFill/>
+        <a:ln>
+          <a:noFill/>
+        </a:ln>
+        <a:effectLst/>
+      </c:spPr>
+      <c:txPr>
+        <a:bodyPr rot="0" spcFirstLastPara="1" vertOverflow="ellipsis" vert="horz" wrap="square" anchor="ctr" anchorCtr="1"/>
+        <a:lstStyle/>
+        <a:p>
+          <a:pPr>
+            <a:defRPr sz="1400" b="0" i="0" u="none" strike="noStrike" kern="1200" spc="0" baseline="0">
+              <a:solidFill>
+                <a:schemeClr val="tx1">
+                  <a:lumMod val="65000"/>
+                  <a:lumOff val="35000"/>
+                </a:schemeClr>
+              </a:solidFill>
+              <a:latin typeface="+mn-lt"/>
+              <a:ea typeface="+mn-ea"/>
+              <a:cs typeface="+mn-cs"/>
+            </a:defRPr>
+          </a:pPr>
+          <a:endParaRPr lang="en-US"/>
+        </a:p>
+      </c:txPr>
+    </c:title>
+    <c:autoTitleDeleted val="0"/>
+    <c:plotArea>
+      <c:layout/>
+      <c:barChart>
+        <c:barDir val="col"/>
+        <c:grouping val="clustered"/>
+        <c:varyColors val="0"/>
+        <c:ser>
+          <c:idx val="0"/>
+          <c:order val="0"/>
+          <c:tx>
+            <c:strRef>
+              <c:f>'MHI_Louisa_County w bar cht'!$B$2</c:f>
+              <c:strCache>
+                <c:ptCount val="1"/>
+                <c:pt idx="0">
+                  <c:v>MHI</c:v>
+                </c:pt>
+              </c:strCache>
+            </c:strRef>
+          </c:tx>
+          <c:spPr>
+            <a:solidFill>
+              <a:schemeClr val="accent1"/>
+            </a:solidFill>
+            <a:ln>
+              <a:noFill/>
+            </a:ln>
+            <a:effectLst/>
+          </c:spPr>
+          <c:invertIfNegative val="0"/>
+          <c:dLbls>
+            <c:dLbl>
+              <c:idx val="7"/>
+              <c:layout>
+                <c:manualLayout>
+                  <c:x val="-1.3939711516023754E-2"/>
+                  <c:y val="-4.6296296296296294E-2"/>
+                </c:manualLayout>
+              </c:layout>
+              <c:showLegendKey val="0"/>
+              <c:showVal val="1"/>
+              <c:showCatName val="1"/>
+              <c:showSerName val="0"/>
+              <c:showPercent val="0"/>
+              <c:showBubbleSize val="0"/>
+              <c:extLst>
+                <c:ext xmlns:c15="http://schemas.microsoft.com/office/drawing/2012/chart" uri="{CE6537A1-D6FC-4f65-9D91-7224C49458BB}"/>
+                <c:ext xmlns:c16="http://schemas.microsoft.com/office/drawing/2014/chart" uri="{C3380CC4-5D6E-409C-BE32-E72D297353CC}">
+                  <c16:uniqueId val="{00000000-BA51-4DAC-8FD0-95C954D708A0}"/>
+                </c:ext>
+              </c:extLst>
+            </c:dLbl>
+            <c:spPr>
+              <a:noFill/>
+              <a:ln>
+                <a:noFill/>
+              </a:ln>
+              <a:effectLst/>
+            </c:spPr>
+            <c:txPr>
+              <a:bodyPr rot="0" spcFirstLastPara="1" vertOverflow="ellipsis" vert="horz" wrap="square" lIns="38100" tIns="19050" rIns="38100" bIns="19050" anchor="ctr" anchorCtr="1">
+                <a:spAutoFit/>
+              </a:bodyPr>
+              <a:lstStyle/>
+              <a:p>
+                <a:pPr>
+                  <a:defRPr sz="900" b="0" i="0" u="none" strike="noStrike" kern="1200" baseline="0">
+                    <a:solidFill>
+                      <a:schemeClr val="tx1">
+                        <a:lumMod val="75000"/>
+                        <a:lumOff val="25000"/>
+                      </a:schemeClr>
+                    </a:solidFill>
+                    <a:latin typeface="+mn-lt"/>
+                    <a:ea typeface="+mn-ea"/>
+                    <a:cs typeface="+mn-cs"/>
+                  </a:defRPr>
+                </a:pPr>
+                <a:endParaRPr lang="en-US"/>
+              </a:p>
+            </c:txPr>
+            <c:showLegendKey val="0"/>
+            <c:showVal val="0"/>
+            <c:showCatName val="0"/>
+            <c:showSerName val="0"/>
+            <c:showPercent val="0"/>
+            <c:showBubbleSize val="0"/>
+            <c:extLst>
+              <c:ext xmlns:c15="http://schemas.microsoft.com/office/drawing/2012/chart" uri="{CE6537A1-D6FC-4f65-9D91-7224C49458BB}">
+                <c15:showLeaderLines val="1"/>
+                <c15:leaderLines>
+                  <c:spPr>
+                    <a:ln w="9525" cap="flat" cmpd="sng" algn="ctr">
+                      <a:solidFill>
+                        <a:schemeClr val="tx1">
+                          <a:lumMod val="35000"/>
+                          <a:lumOff val="65000"/>
+                        </a:schemeClr>
+                      </a:solidFill>
+                      <a:round/>
+                    </a:ln>
+                    <a:effectLst/>
+                  </c:spPr>
+                </c15:leaderLines>
+              </c:ext>
+            </c:extLst>
+          </c:dLbls>
+          <c:trendline>
+            <c:spPr>
+              <a:ln w="19050" cap="rnd">
+                <a:solidFill>
+                  <a:schemeClr val="accent1"/>
+                </a:solidFill>
+                <a:prstDash val="sysDot"/>
+              </a:ln>
+              <a:effectLst/>
+            </c:spPr>
+            <c:trendlineType val="linear"/>
+            <c:dispRSqr val="0"/>
+            <c:dispEq val="1"/>
+            <c:trendlineLbl>
+              <c:layout>
+                <c:manualLayout>
+                  <c:x val="1.3549874795424023E-2"/>
+                  <c:y val="-0.12767825896762905"/>
+                </c:manualLayout>
+              </c:layout>
+              <c:numFmt formatCode="General" sourceLinked="0"/>
+              <c:spPr>
+                <a:noFill/>
+                <a:ln>
+                  <a:noFill/>
+                </a:ln>
+                <a:effectLst/>
+              </c:spPr>
+              <c:txPr>
+                <a:bodyPr rot="0" spcFirstLastPara="1" vertOverflow="ellipsis" vert="horz" wrap="square" anchor="ctr" anchorCtr="1"/>
+                <a:lstStyle/>
+                <a:p>
+                  <a:pPr>
+                    <a:defRPr sz="900" b="0" i="0" u="none" strike="noStrike" kern="1200" baseline="0">
+                      <a:solidFill>
+                        <a:schemeClr val="tx1">
+                          <a:lumMod val="65000"/>
+                          <a:lumOff val="35000"/>
+                        </a:schemeClr>
+                      </a:solidFill>
+                      <a:latin typeface="+mn-lt"/>
+                      <a:ea typeface="+mn-ea"/>
+                      <a:cs typeface="+mn-cs"/>
+                    </a:defRPr>
+                  </a:pPr>
+                  <a:endParaRPr lang="en-US"/>
+                </a:p>
+              </c:txPr>
+            </c:trendlineLbl>
+          </c:trendline>
+          <c:cat>
+            <c:numRef>
+              <c:f>'MHI_Louisa_County w bar cht'!$A$3:$A$14</c:f>
+              <c:numCache>
+                <c:formatCode>General</c:formatCode>
+                <c:ptCount val="12"/>
+                <c:pt idx="0">
+                  <c:v>2004</c:v>
+                </c:pt>
+                <c:pt idx="1">
+                  <c:v>2005</c:v>
+                </c:pt>
+                <c:pt idx="2">
+                  <c:v>2006</c:v>
+                </c:pt>
+                <c:pt idx="3">
+                  <c:v>2007</c:v>
+                </c:pt>
+                <c:pt idx="4">
+                  <c:v>2008</c:v>
+                </c:pt>
+                <c:pt idx="5">
+                  <c:v>2009</c:v>
+                </c:pt>
+                <c:pt idx="6">
+                  <c:v>2010</c:v>
+                </c:pt>
+                <c:pt idx="7">
+                  <c:v>2011</c:v>
+                </c:pt>
+                <c:pt idx="8">
+                  <c:v>2012</c:v>
+                </c:pt>
+                <c:pt idx="9">
+                  <c:v>2013</c:v>
+                </c:pt>
+                <c:pt idx="10">
+                  <c:v>2014</c:v>
+                </c:pt>
+                <c:pt idx="11">
+                  <c:v>2015</c:v>
+                </c:pt>
+              </c:numCache>
+            </c:numRef>
+          </c:cat>
+          <c:val>
+            <c:numRef>
+              <c:f>'MHI_Louisa_County w bar cht'!$B$3:$B$14</c:f>
+              <c:numCache>
+                <c:formatCode>_("$"* #,##0.00_);_("$"* \(#,##0.00\);_("$"* "-"??_);_(@_)</c:formatCode>
+                <c:ptCount val="12"/>
+                <c:pt idx="0">
+                  <c:v>44726</c:v>
+                </c:pt>
+                <c:pt idx="1">
+                  <c:v>44788</c:v>
+                </c:pt>
+                <c:pt idx="2">
+                  <c:v>48086</c:v>
+                </c:pt>
+                <c:pt idx="3">
+                  <c:v>52514</c:v>
+                </c:pt>
+                <c:pt idx="4">
+                  <c:v>54777</c:v>
+                </c:pt>
+                <c:pt idx="5">
+                  <c:v>52396</c:v>
+                </c:pt>
+                <c:pt idx="6">
+                  <c:v>50101</c:v>
+                </c:pt>
+                <c:pt idx="7">
+                  <c:v>53267</c:v>
+                </c:pt>
+                <c:pt idx="8">
+                  <c:v>54836</c:v>
+                </c:pt>
+                <c:pt idx="9">
+                  <c:v>53170</c:v>
+                </c:pt>
+                <c:pt idx="10">
+                  <c:v>60121</c:v>
+                </c:pt>
+                <c:pt idx="11">
+                  <c:v>57015</c:v>
+                </c:pt>
+              </c:numCache>
+            </c:numRef>
+          </c:val>
+          <c:extLst>
+            <c:ext xmlns:c16="http://schemas.microsoft.com/office/drawing/2014/chart" uri="{C3380CC4-5D6E-409C-BE32-E72D297353CC}">
+              <c16:uniqueId val="{00000002-BA51-4DAC-8FD0-95C954D708A0}"/>
+            </c:ext>
+          </c:extLst>
+        </c:ser>
+        <c:dLbls>
+          <c:showLegendKey val="0"/>
+          <c:showVal val="0"/>
+          <c:showCatName val="0"/>
+          <c:showSerName val="0"/>
+          <c:showPercent val="0"/>
+          <c:showBubbleSize val="0"/>
+        </c:dLbls>
+        <c:gapWidth val="150"/>
+        <c:axId val="386774736"/>
+        <c:axId val="386775392"/>
+      </c:barChart>
+      <c:catAx>
+        <c:axId val="386774736"/>
+        <c:scaling>
+          <c:orientation val="minMax"/>
+        </c:scaling>
+        <c:delete val="0"/>
+        <c:axPos val="b"/>
+        <c:majorGridlines>
+          <c:spPr>
+            <a:ln w="9525" cap="flat" cmpd="sng" algn="ctr">
+              <a:solidFill>
+                <a:schemeClr val="tx1">
+                  <a:lumMod val="15000"/>
+                  <a:lumOff val="85000"/>
+                </a:schemeClr>
+              </a:solidFill>
+              <a:round/>
+            </a:ln>
+            <a:effectLst/>
+          </c:spPr>
+        </c:majorGridlines>
+        <c:numFmt formatCode="General" sourceLinked="1"/>
+        <c:majorTickMark val="none"/>
+        <c:minorTickMark val="none"/>
+        <c:tickLblPos val="nextTo"/>
+        <c:spPr>
+          <a:noFill/>
+          <a:ln w="9525" cap="flat" cmpd="sng" algn="ctr">
+            <a:solidFill>
+              <a:schemeClr val="tx1">
+                <a:lumMod val="25000"/>
+                <a:lumOff val="75000"/>
+              </a:schemeClr>
+            </a:solidFill>
+            <a:round/>
+          </a:ln>
+          <a:effectLst/>
+        </c:spPr>
+        <c:txPr>
+          <a:bodyPr rot="-60000000" spcFirstLastPara="1" vertOverflow="ellipsis" vert="horz" wrap="square" anchor="ctr" anchorCtr="1"/>
+          <a:lstStyle/>
+          <a:p>
+            <a:pPr>
+              <a:defRPr sz="900" b="0" i="0" u="none" strike="noStrike" kern="1200" baseline="0">
+                <a:solidFill>
+                  <a:schemeClr val="tx1">
+                    <a:lumMod val="65000"/>
+                    <a:lumOff val="35000"/>
+                  </a:schemeClr>
+                </a:solidFill>
+                <a:latin typeface="+mn-lt"/>
+                <a:ea typeface="+mn-ea"/>
+                <a:cs typeface="+mn-cs"/>
+              </a:defRPr>
+            </a:pPr>
+            <a:endParaRPr lang="en-US"/>
+          </a:p>
+        </c:txPr>
+        <c:crossAx val="386775392"/>
+        <c:crosses val="autoZero"/>
+        <c:auto val="1"/>
+        <c:lblAlgn val="ctr"/>
+        <c:lblOffset val="100"/>
+        <c:noMultiLvlLbl val="0"/>
+      </c:catAx>
+      <c:valAx>
+        <c:axId val="386775392"/>
+        <c:scaling>
+          <c:orientation val="minMax"/>
+          <c:min val="40000"/>
+        </c:scaling>
+        <c:delete val="0"/>
+        <c:axPos val="l"/>
+        <c:majorGridlines>
+          <c:spPr>
+            <a:ln w="9525" cap="flat" cmpd="sng" algn="ctr">
+              <a:solidFill>
+                <a:schemeClr val="tx1">
+                  <a:lumMod val="15000"/>
+                  <a:lumOff val="85000"/>
+                </a:schemeClr>
+              </a:solidFill>
+              <a:round/>
+            </a:ln>
+            <a:effectLst/>
+          </c:spPr>
+        </c:majorGridlines>
+        <c:numFmt formatCode="_(&quot;$&quot;* #,##0.00_);_(&quot;$&quot;* \(#,##0.00\);_(&quot;$&quot;* &quot;-&quot;??_);_(@_)" sourceLinked="1"/>
+        <c:majorTickMark val="none"/>
+        <c:minorTickMark val="none"/>
+        <c:tickLblPos val="nextTo"/>
+        <c:spPr>
+          <a:noFill/>
+          <a:ln w="9525" cap="flat" cmpd="sng" algn="ctr">
+            <a:solidFill>
+              <a:schemeClr val="tx1">
+                <a:lumMod val="25000"/>
+                <a:lumOff val="75000"/>
+              </a:schemeClr>
+            </a:solidFill>
+            <a:round/>
+          </a:ln>
+          <a:effectLst/>
+        </c:spPr>
+        <c:txPr>
+          <a:bodyPr rot="-60000000" spcFirstLastPara="1" vertOverflow="ellipsis" vert="horz" wrap="square" anchor="ctr" anchorCtr="1"/>
+          <a:lstStyle/>
+          <a:p>
+            <a:pPr>
+              <a:defRPr sz="900" b="0" i="0" u="none" strike="noStrike" kern="1200" baseline="0">
+                <a:solidFill>
+                  <a:schemeClr val="tx1">
+                    <a:lumMod val="65000"/>
+                    <a:lumOff val="35000"/>
+                  </a:schemeClr>
+                </a:solidFill>
+                <a:latin typeface="+mn-lt"/>
+                <a:ea typeface="+mn-ea"/>
+                <a:cs typeface="+mn-cs"/>
+              </a:defRPr>
+            </a:pPr>
+            <a:endParaRPr lang="en-US"/>
+          </a:p>
+        </c:txPr>
+        <c:crossAx val="386774736"/>
+        <c:crosses val="autoZero"/>
+        <c:crossBetween val="between"/>
+      </c:valAx>
+      <c:spPr>
+        <a:noFill/>
+        <a:ln>
+          <a:noFill/>
+        </a:ln>
+        <a:effectLst/>
+      </c:spPr>
+    </c:plotArea>
+    <c:plotVisOnly val="1"/>
+    <c:dispBlanksAs val="gap"/>
+    <c:showDLblsOverMax val="0"/>
+  </c:chart>
+  <c:spPr>
+    <a:noFill/>
+    <a:ln>
+      <a:noFill/>
+    </a:ln>
+    <a:effectLst/>
+  </c:spPr>
+  <c:txPr>
+    <a:bodyPr/>
+    <a:lstStyle/>
+    <a:p>
+      <a:pPr>
+        <a:defRPr/>
+      </a:pPr>
+      <a:endParaRPr lang="en-US"/>
+    </a:p>
+  </c:txPr>
+  <c:externalData r:id="rId3">
+    <c:autoUpdate val="0"/>
+  </c:externalData>
+</c:chartSpace>
+</file>
+
+<file path=ppt/charts/chart2.xml><?xml version="1.0" encoding="utf-8"?>
+<c:chartSpace xmlns:c="http://schemas.openxmlformats.org/drawingml/2006/chart" xmlns:a="http://schemas.openxmlformats.org/drawingml/2006/main" xmlns:r="http://schemas.openxmlformats.org/officeDocument/2006/relationships" xmlns:c16r2="http://schemas.microsoft.com/office/drawing/2015/06/chart">
+  <c:date1904 val="0"/>
+  <c:lang val="en-US"/>
+  <c:roundedCorners val="0"/>
+  <mc:AlternateContent xmlns:mc="http://schemas.openxmlformats.org/markup-compatibility/2006">
+    <mc:Choice xmlns:c14="http://schemas.microsoft.com/office/drawing/2007/8/2/chart" Requires="c14">
+      <c14:style val="102"/>
+    </mc:Choice>
+    <mc:Fallback>
+      <c:style val="2"/>
+    </mc:Fallback>
+  </mc:AlternateContent>
+  <c:chart>
+    <c:title>
+      <c:tx>
+        <c:rich>
+          <a:bodyPr rot="0" spcFirstLastPara="1" vertOverflow="ellipsis" vert="horz" wrap="square" anchor="ctr" anchorCtr="1"/>
+          <a:lstStyle/>
+          <a:p>
+            <a:pPr>
+              <a:defRPr sz="1400" b="0" i="0" u="none" strike="noStrike" kern="1200" spc="0" baseline="0">
+                <a:solidFill>
+                  <a:schemeClr val="tx1">
+                    <a:lumMod val="65000"/>
+                    <a:lumOff val="35000"/>
+                  </a:schemeClr>
+                </a:solidFill>
+                <a:latin typeface="+mn-lt"/>
+                <a:ea typeface="+mn-ea"/>
+                <a:cs typeface="+mn-cs"/>
+              </a:defRPr>
+            </a:pPr>
+            <a:r>
+              <a:rPr lang="en-US"/>
+              <a:t>Median Household Income - Galveston County</a:t>
+            </a:r>
+          </a:p>
+        </c:rich>
+      </c:tx>
+      <c:overlay val="0"/>
+      <c:spPr>
+        <a:noFill/>
+        <a:ln>
+          <a:noFill/>
+        </a:ln>
+        <a:effectLst/>
+      </c:spPr>
+      <c:txPr>
+        <a:bodyPr rot="0" spcFirstLastPara="1" vertOverflow="ellipsis" vert="horz" wrap="square" anchor="ctr" anchorCtr="1"/>
+        <a:lstStyle/>
+        <a:p>
+          <a:pPr>
+            <a:defRPr sz="1400" b="0" i="0" u="none" strike="noStrike" kern="1200" spc="0" baseline="0">
+              <a:solidFill>
+                <a:schemeClr val="tx1">
+                  <a:lumMod val="65000"/>
+                  <a:lumOff val="35000"/>
+                </a:schemeClr>
+              </a:solidFill>
+              <a:latin typeface="+mn-lt"/>
+              <a:ea typeface="+mn-ea"/>
+              <a:cs typeface="+mn-cs"/>
+            </a:defRPr>
+          </a:pPr>
+          <a:endParaRPr lang="en-US"/>
+        </a:p>
+      </c:txPr>
+    </c:title>
+    <c:autoTitleDeleted val="0"/>
+    <c:plotArea>
+      <c:layout/>
+      <c:barChart>
+        <c:barDir val="col"/>
+        <c:grouping val="clustered"/>
+        <c:varyColors val="0"/>
+        <c:ser>
+          <c:idx val="0"/>
+          <c:order val="0"/>
+          <c:tx>
+            <c:strRef>
+              <c:f>'MHI_Galves_County w bar cht'!$B$2</c:f>
+              <c:strCache>
+                <c:ptCount val="1"/>
+                <c:pt idx="0">
+                  <c:v> MHI </c:v>
+                </c:pt>
+              </c:strCache>
+            </c:strRef>
+          </c:tx>
+          <c:spPr>
+            <a:solidFill>
+              <a:schemeClr val="accent1"/>
+            </a:solidFill>
+            <a:ln>
+              <a:noFill/>
+            </a:ln>
+            <a:effectLst/>
+          </c:spPr>
+          <c:invertIfNegative val="0"/>
+          <c:dLbls>
+            <c:dLbl>
+              <c:idx val="4"/>
+              <c:dLblPos val="outEnd"/>
+              <c:showLegendKey val="0"/>
+              <c:showVal val="1"/>
+              <c:showCatName val="1"/>
+              <c:showSerName val="0"/>
+              <c:showPercent val="0"/>
+              <c:showBubbleSize val="0"/>
+              <c:extLst>
+                <c:ext xmlns:c15="http://schemas.microsoft.com/office/drawing/2012/chart" uri="{CE6537A1-D6FC-4f65-9D91-7224C49458BB}"/>
+                <c:ext xmlns:c16="http://schemas.microsoft.com/office/drawing/2014/chart" uri="{C3380CC4-5D6E-409C-BE32-E72D297353CC}">
+                  <c16:uniqueId val="{00000000-EB47-4847-B169-B42FAE204A6A}"/>
+                </c:ext>
+              </c:extLst>
+            </c:dLbl>
+            <c:spPr>
+              <a:noFill/>
+              <a:ln>
+                <a:noFill/>
+              </a:ln>
+              <a:effectLst/>
+            </c:spPr>
+            <c:txPr>
+              <a:bodyPr rot="0" spcFirstLastPara="1" vertOverflow="ellipsis" vert="horz" wrap="square" lIns="38100" tIns="19050" rIns="38100" bIns="19050" anchor="ctr" anchorCtr="1">
+                <a:spAutoFit/>
+              </a:bodyPr>
+              <a:lstStyle/>
+              <a:p>
+                <a:pPr>
+                  <a:defRPr sz="900" b="0" i="0" u="none" strike="noStrike" kern="1200" baseline="0">
+                    <a:solidFill>
+                      <a:schemeClr val="tx1">
+                        <a:lumMod val="75000"/>
+                        <a:lumOff val="25000"/>
+                      </a:schemeClr>
+                    </a:solidFill>
+                    <a:latin typeface="+mn-lt"/>
+                    <a:ea typeface="+mn-ea"/>
+                    <a:cs typeface="+mn-cs"/>
+                  </a:defRPr>
+                </a:pPr>
+                <a:endParaRPr lang="en-US"/>
+              </a:p>
+            </c:txPr>
+            <c:showLegendKey val="0"/>
+            <c:showVal val="0"/>
+            <c:showCatName val="0"/>
+            <c:showSerName val="0"/>
+            <c:showPercent val="0"/>
+            <c:showBubbleSize val="0"/>
+            <c:extLst>
+              <c:ext xmlns:c15="http://schemas.microsoft.com/office/drawing/2012/chart" uri="{CE6537A1-D6FC-4f65-9D91-7224C49458BB}">
+                <c15:showLeaderLines val="1"/>
+                <c15:leaderLines>
+                  <c:spPr>
+                    <a:ln w="9525" cap="flat" cmpd="sng" algn="ctr">
+                      <a:solidFill>
+                        <a:schemeClr val="tx1">
+                          <a:lumMod val="35000"/>
+                          <a:lumOff val="65000"/>
+                        </a:schemeClr>
+                      </a:solidFill>
+                      <a:round/>
+                    </a:ln>
+                    <a:effectLst/>
+                  </c:spPr>
+                </c15:leaderLines>
+              </c:ext>
+            </c:extLst>
+          </c:dLbls>
+          <c:trendline>
+            <c:spPr>
+              <a:ln w="19050" cap="rnd">
+                <a:solidFill>
+                  <a:schemeClr val="accent1"/>
+                </a:solidFill>
+                <a:prstDash val="sysDot"/>
+              </a:ln>
+              <a:effectLst/>
+            </c:spPr>
+            <c:trendlineType val="linear"/>
+            <c:dispRSqr val="1"/>
+            <c:dispEq val="1"/>
+            <c:trendlineLbl>
+              <c:layout>
+                <c:manualLayout>
+                  <c:x val="-5.7614194223628797E-2"/>
+                  <c:y val="-5.3670895304753573E-2"/>
+                </c:manualLayout>
+              </c:layout>
+              <c:numFmt formatCode="General" sourceLinked="0"/>
+              <c:spPr>
+                <a:noFill/>
+                <a:ln>
+                  <a:noFill/>
+                </a:ln>
+                <a:effectLst/>
+              </c:spPr>
+              <c:txPr>
+                <a:bodyPr rot="0" spcFirstLastPara="1" vertOverflow="ellipsis" vert="horz" wrap="square" anchor="ctr" anchorCtr="1"/>
+                <a:lstStyle/>
+                <a:p>
+                  <a:pPr>
+                    <a:defRPr sz="900" b="0" i="0" u="none" strike="noStrike" kern="1200" baseline="0">
+                      <a:solidFill>
+                        <a:schemeClr val="tx1">
+                          <a:lumMod val="65000"/>
+                          <a:lumOff val="35000"/>
+                        </a:schemeClr>
+                      </a:solidFill>
+                      <a:latin typeface="+mn-lt"/>
+                      <a:ea typeface="+mn-ea"/>
+                      <a:cs typeface="+mn-cs"/>
+                    </a:defRPr>
+                  </a:pPr>
+                  <a:endParaRPr lang="en-US"/>
+                </a:p>
+              </c:txPr>
+            </c:trendlineLbl>
+          </c:trendline>
+          <c:cat>
+            <c:numRef>
+              <c:f>'MHI_Galves_County w bar cht'!$A$3:$A$14</c:f>
+              <c:numCache>
+                <c:formatCode>General</c:formatCode>
+                <c:ptCount val="12"/>
+                <c:pt idx="0">
+                  <c:v>2004</c:v>
+                </c:pt>
+                <c:pt idx="1">
+                  <c:v>2005</c:v>
+                </c:pt>
+                <c:pt idx="2">
+                  <c:v>2006</c:v>
+                </c:pt>
+                <c:pt idx="3">
+                  <c:v>2007</c:v>
+                </c:pt>
+                <c:pt idx="4">
+                  <c:v>2008</c:v>
+                </c:pt>
+                <c:pt idx="5">
+                  <c:v>2009</c:v>
+                </c:pt>
+                <c:pt idx="6">
+                  <c:v>2010</c:v>
+                </c:pt>
+                <c:pt idx="7">
+                  <c:v>2011</c:v>
+                </c:pt>
+                <c:pt idx="8">
+                  <c:v>2012</c:v>
+                </c:pt>
+                <c:pt idx="9">
+                  <c:v>2013</c:v>
+                </c:pt>
+                <c:pt idx="10">
+                  <c:v>2014</c:v>
+                </c:pt>
+                <c:pt idx="11">
+                  <c:v>2015</c:v>
+                </c:pt>
+              </c:numCache>
+            </c:numRef>
+          </c:cat>
+          <c:val>
+            <c:numRef>
+              <c:f>'MHI_Galves_County w bar cht'!$B$3:$B$14</c:f>
+              <c:numCache>
+                <c:formatCode>_("$"* #,##0.00_);_("$"* \(#,##0.00\);_("$"* "-"??_);_(@_)</c:formatCode>
+                <c:ptCount val="12"/>
+                <c:pt idx="0">
+                  <c:v>45735</c:v>
+                </c:pt>
+                <c:pt idx="1">
+                  <c:v>46012</c:v>
+                </c:pt>
+                <c:pt idx="2">
+                  <c:v>52176</c:v>
+                </c:pt>
+                <c:pt idx="3">
+                  <c:v>52392</c:v>
+                </c:pt>
+                <c:pt idx="4">
+                  <c:v>57950</c:v>
+                </c:pt>
+                <c:pt idx="5">
+                  <c:v>55883</c:v>
+                </c:pt>
+                <c:pt idx="6">
+                  <c:v>57124</c:v>
+                </c:pt>
+                <c:pt idx="7">
+                  <c:v>58106</c:v>
+                </c:pt>
+                <c:pt idx="8">
+                  <c:v>59588</c:v>
+                </c:pt>
+                <c:pt idx="9">
+                  <c:v>60210</c:v>
+                </c:pt>
+                <c:pt idx="10">
+                  <c:v>58333</c:v>
+                </c:pt>
+                <c:pt idx="11">
+                  <c:v>66173</c:v>
+                </c:pt>
+              </c:numCache>
+            </c:numRef>
+          </c:val>
+          <c:extLst>
+            <c:ext xmlns:c16="http://schemas.microsoft.com/office/drawing/2014/chart" uri="{C3380CC4-5D6E-409C-BE32-E72D297353CC}">
+              <c16:uniqueId val="{00000002-EB47-4847-B169-B42FAE204A6A}"/>
+            </c:ext>
+          </c:extLst>
+        </c:ser>
+        <c:dLbls>
+          <c:showLegendKey val="0"/>
+          <c:showVal val="0"/>
+          <c:showCatName val="0"/>
+          <c:showSerName val="0"/>
+          <c:showPercent val="0"/>
+          <c:showBubbleSize val="0"/>
+        </c:dLbls>
+        <c:gapWidth val="150"/>
+        <c:axId val="386774736"/>
+        <c:axId val="386775392"/>
+      </c:barChart>
+      <c:catAx>
+        <c:axId val="386774736"/>
+        <c:scaling>
+          <c:orientation val="minMax"/>
+        </c:scaling>
+        <c:delete val="0"/>
+        <c:axPos val="b"/>
+        <c:majorGridlines>
+          <c:spPr>
+            <a:ln w="9525" cap="flat" cmpd="sng" algn="ctr">
+              <a:solidFill>
+                <a:schemeClr val="tx1">
+                  <a:lumMod val="15000"/>
+                  <a:lumOff val="85000"/>
+                </a:schemeClr>
+              </a:solidFill>
+              <a:round/>
+            </a:ln>
+            <a:effectLst/>
+          </c:spPr>
+        </c:majorGridlines>
+        <c:numFmt formatCode="General" sourceLinked="1"/>
+        <c:majorTickMark val="none"/>
+        <c:minorTickMark val="none"/>
+        <c:tickLblPos val="nextTo"/>
+        <c:spPr>
+          <a:noFill/>
+          <a:ln w="9525" cap="flat" cmpd="sng" algn="ctr">
+            <a:solidFill>
+              <a:schemeClr val="tx1">
+                <a:lumMod val="25000"/>
+                <a:lumOff val="75000"/>
+              </a:schemeClr>
+            </a:solidFill>
+            <a:round/>
+          </a:ln>
+          <a:effectLst/>
+        </c:spPr>
+        <c:txPr>
+          <a:bodyPr rot="-60000000" spcFirstLastPara="1" vertOverflow="ellipsis" vert="horz" wrap="square" anchor="ctr" anchorCtr="1"/>
+          <a:lstStyle/>
+          <a:p>
+            <a:pPr>
+              <a:defRPr sz="900" b="0" i="0" u="none" strike="noStrike" kern="1200" baseline="0">
+                <a:solidFill>
+                  <a:schemeClr val="tx1">
+                    <a:lumMod val="65000"/>
+                    <a:lumOff val="35000"/>
+                  </a:schemeClr>
+                </a:solidFill>
+                <a:latin typeface="+mn-lt"/>
+                <a:ea typeface="+mn-ea"/>
+                <a:cs typeface="+mn-cs"/>
+              </a:defRPr>
+            </a:pPr>
+            <a:endParaRPr lang="en-US"/>
+          </a:p>
+        </c:txPr>
+        <c:crossAx val="386775392"/>
+        <c:crosses val="autoZero"/>
+        <c:auto val="1"/>
+        <c:lblAlgn val="ctr"/>
+        <c:lblOffset val="100"/>
+        <c:noMultiLvlLbl val="0"/>
+      </c:catAx>
+      <c:valAx>
+        <c:axId val="386775392"/>
+        <c:scaling>
+          <c:orientation val="minMax"/>
+          <c:min val="40000"/>
+        </c:scaling>
+        <c:delete val="0"/>
+        <c:axPos val="l"/>
+        <c:majorGridlines>
+          <c:spPr>
+            <a:ln w="9525" cap="flat" cmpd="sng" algn="ctr">
+              <a:solidFill>
+                <a:schemeClr val="tx1">
+                  <a:lumMod val="15000"/>
+                  <a:lumOff val="85000"/>
+                </a:schemeClr>
+              </a:solidFill>
+              <a:round/>
+            </a:ln>
+            <a:effectLst/>
+          </c:spPr>
+        </c:majorGridlines>
+        <c:numFmt formatCode="_(&quot;$&quot;* #,##0.00_);_(&quot;$&quot;* \(#,##0.00\);_(&quot;$&quot;* &quot;-&quot;??_);_(@_)" sourceLinked="1"/>
+        <c:majorTickMark val="none"/>
+        <c:minorTickMark val="none"/>
+        <c:tickLblPos val="nextTo"/>
+        <c:spPr>
+          <a:noFill/>
+          <a:ln w="9525" cap="flat" cmpd="sng" algn="ctr">
+            <a:solidFill>
+              <a:schemeClr val="tx1">
+                <a:lumMod val="25000"/>
+                <a:lumOff val="75000"/>
+              </a:schemeClr>
+            </a:solidFill>
+            <a:round/>
+          </a:ln>
+          <a:effectLst/>
+        </c:spPr>
+        <c:txPr>
+          <a:bodyPr rot="-60000000" spcFirstLastPara="1" vertOverflow="ellipsis" vert="horz" wrap="square" anchor="ctr" anchorCtr="1"/>
+          <a:lstStyle/>
+          <a:p>
+            <a:pPr>
+              <a:defRPr sz="900" b="0" i="0" u="none" strike="noStrike" kern="1200" baseline="0">
+                <a:solidFill>
+                  <a:schemeClr val="tx1">
+                    <a:lumMod val="65000"/>
+                    <a:lumOff val="35000"/>
+                  </a:schemeClr>
+                </a:solidFill>
+                <a:latin typeface="+mn-lt"/>
+                <a:ea typeface="+mn-ea"/>
+                <a:cs typeface="+mn-cs"/>
+              </a:defRPr>
+            </a:pPr>
+            <a:endParaRPr lang="en-US"/>
+          </a:p>
+        </c:txPr>
+        <c:crossAx val="386774736"/>
+        <c:crosses val="autoZero"/>
+        <c:crossBetween val="between"/>
+      </c:valAx>
+      <c:spPr>
+        <a:noFill/>
+        <a:ln>
+          <a:noFill/>
+        </a:ln>
+        <a:effectLst/>
+      </c:spPr>
+    </c:plotArea>
+    <c:plotVisOnly val="1"/>
+    <c:dispBlanksAs val="gap"/>
+    <c:showDLblsOverMax val="0"/>
+  </c:chart>
+  <c:spPr>
+    <a:noFill/>
+    <a:ln>
+      <a:noFill/>
+    </a:ln>
+    <a:effectLst/>
+  </c:spPr>
+  <c:txPr>
+    <a:bodyPr/>
+    <a:lstStyle/>
+    <a:p>
+      <a:pPr>
+        <a:defRPr/>
+      </a:pPr>
+      <a:endParaRPr lang="en-US"/>
+    </a:p>
+  </c:txPr>
+  <c:externalData r:id="rId3">
+    <c:autoUpdate val="0"/>
+  </c:externalData>
+</c:chartSpace>
+</file>
+
+<file path=ppt/charts/colors1.xml><?xml version="1.0" encoding="utf-8"?>
+<cs:colorStyle xmlns:cs="http://schemas.microsoft.com/office/drawing/2012/chartStyle" xmlns:a="http://schemas.openxmlformats.org/drawingml/2006/main" meth="cycle" id="10">
+  <a:schemeClr val="accent1"/>
+  <a:schemeClr val="accent2"/>
+  <a:schemeClr val="accent3"/>
+  <a:schemeClr val="accent4"/>
+  <a:schemeClr val="accent5"/>
+  <a:schemeClr val="accent6"/>
+  <cs:variation/>
+  <cs:variation>
+    <a:lumMod val="60000"/>
+  </cs:variation>
+  <cs:variation>
+    <a:lumMod val="80000"/>
+    <a:lumOff val="20000"/>
+  </cs:variation>
+  <cs:variation>
+    <a:lumMod val="80000"/>
+  </cs:variation>
+  <cs:variation>
+    <a:lumMod val="60000"/>
+    <a:lumOff val="40000"/>
+  </cs:variation>
+  <cs:variation>
+    <a:lumMod val="50000"/>
+  </cs:variation>
+  <cs:variation>
+    <a:lumMod val="70000"/>
+    <a:lumOff val="30000"/>
+  </cs:variation>
+  <cs:variation>
+    <a:lumMod val="70000"/>
+  </cs:variation>
+  <cs:variation>
+    <a:lumMod val="50000"/>
+    <a:lumOff val="50000"/>
+  </cs:variation>
+</cs:colorStyle>
+</file>
+
+<file path=ppt/charts/colors2.xml><?xml version="1.0" encoding="utf-8"?>
+<cs:colorStyle xmlns:cs="http://schemas.microsoft.com/office/drawing/2012/chartStyle" xmlns:a="http://schemas.openxmlformats.org/drawingml/2006/main" meth="cycle" id="10">
+  <a:schemeClr val="accent1"/>
+  <a:schemeClr val="accent2"/>
+  <a:schemeClr val="accent3"/>
+  <a:schemeClr val="accent4"/>
+  <a:schemeClr val="accent5"/>
+  <a:schemeClr val="accent6"/>
+  <cs:variation/>
+  <cs:variation>
+    <a:lumMod val="60000"/>
+  </cs:variation>
+  <cs:variation>
+    <a:lumMod val="80000"/>
+    <a:lumOff val="20000"/>
+  </cs:variation>
+  <cs:variation>
+    <a:lumMod val="80000"/>
+  </cs:variation>
+  <cs:variation>
+    <a:lumMod val="60000"/>
+    <a:lumOff val="40000"/>
+  </cs:variation>
+  <cs:variation>
+    <a:lumMod val="50000"/>
+  </cs:variation>
+  <cs:variation>
+    <a:lumMod val="70000"/>
+    <a:lumOff val="30000"/>
+  </cs:variation>
+  <cs:variation>
+    <a:lumMod val="70000"/>
+  </cs:variation>
+  <cs:variation>
+    <a:lumMod val="50000"/>
+    <a:lumOff val="50000"/>
+  </cs:variation>
+</cs:colorStyle>
+</file>
+
+<file path=ppt/charts/style1.xml><?xml version="1.0" encoding="utf-8"?>
+<cs:chartStyle xmlns:cs="http://schemas.microsoft.com/office/drawing/2012/chartStyle" xmlns:a="http://schemas.openxmlformats.org/drawingml/2006/main" id="240">
+  <cs:axisTitle>
+    <cs:lnRef idx="0"/>
+    <cs:fillRef idx="0"/>
+    <cs:effectRef idx="0"/>
+    <cs:fontRef idx="minor">
+      <a:schemeClr val="tx1">
+        <a:lumMod val="65000"/>
+        <a:lumOff val="35000"/>
+      </a:schemeClr>
+    </cs:fontRef>
+    <cs:defRPr sz="1000" kern="1200"/>
+  </cs:axisTitle>
+  <cs:categoryAxis>
+    <cs:lnRef idx="0"/>
+    <cs:fillRef idx="0"/>
+    <cs:effectRef idx="0"/>
+    <cs:fontRef idx="minor">
+      <a:schemeClr val="tx1">
+        <a:lumMod val="65000"/>
+        <a:lumOff val="35000"/>
+      </a:schemeClr>
+    </cs:fontRef>
+    <cs:spPr>
+      <a:ln w="9525" cap="flat" cmpd="sng" algn="ctr">
+        <a:solidFill>
+          <a:schemeClr val="tx1">
+            <a:lumMod val="25000"/>
+            <a:lumOff val="75000"/>
+          </a:schemeClr>
+        </a:solidFill>
+        <a:round/>
+      </a:ln>
+    </cs:spPr>
+    <cs:defRPr sz="900" kern="1200"/>
+  </cs:categoryAxis>
+  <cs:chartArea mods="allowNoFillOverride allowNoLineOverride">
+    <cs:lnRef idx="0"/>
+    <cs:fillRef idx="0"/>
+    <cs:effectRef idx="0"/>
+    <cs:fontRef idx="minor">
+      <a:schemeClr val="tx1"/>
+    </cs:fontRef>
+    <cs:spPr>
+      <a:solidFill>
+        <a:schemeClr val="bg1"/>
+      </a:solidFill>
+      <a:ln w="9525" cap="flat" cmpd="sng" algn="ctr">
+        <a:solidFill>
+          <a:schemeClr val="tx1">
+            <a:lumMod val="15000"/>
+            <a:lumOff val="85000"/>
+          </a:schemeClr>
+        </a:solidFill>
+        <a:round/>
+      </a:ln>
+    </cs:spPr>
+    <cs:defRPr sz="1000" kern="1200"/>
+  </cs:chartArea>
+  <cs:dataLabel>
+    <cs:lnRef idx="0"/>
+    <cs:fillRef idx="0"/>
+    <cs:effectRef idx="0"/>
+    <cs:fontRef idx="minor">
+      <a:schemeClr val="tx1">
+        <a:lumMod val="75000"/>
+        <a:lumOff val="25000"/>
+      </a:schemeClr>
+    </cs:fontRef>
+    <cs:defRPr sz="900" kern="1200"/>
+  </cs:dataLabel>
+  <cs:dataLabelCallout>
+    <cs:lnRef idx="0"/>
+    <cs:fillRef idx="0"/>
+    <cs:effectRef idx="0"/>
+    <cs:fontRef idx="minor">
+      <a:schemeClr val="dk1">
+        <a:lumMod val="65000"/>
+        <a:lumOff val="35000"/>
+      </a:schemeClr>
+    </cs:fontRef>
+    <cs:spPr>
+      <a:solidFill>
+        <a:schemeClr val="lt1"/>
+      </a:solidFill>
+      <a:ln>
+        <a:solidFill>
+          <a:schemeClr val="dk1">
+            <a:lumMod val="25000"/>
+            <a:lumOff val="75000"/>
+          </a:schemeClr>
+        </a:solidFill>
+      </a:ln>
+    </cs:spPr>
+    <cs:defRPr sz="900" kern="1200"/>
+    <cs:bodyPr rot="0" spcFirstLastPara="1" vertOverflow="clip" horzOverflow="clip" vert="horz" wrap="square" lIns="36576" tIns="18288" rIns="36576" bIns="18288" anchor="ctr" anchorCtr="1">
+      <a:spAutoFit/>
+    </cs:bodyPr>
+  </cs:dataLabelCallout>
+  <cs:dataPoint>
+    <cs:lnRef idx="0"/>
+    <cs:fillRef idx="1">
+      <cs:styleClr val="auto"/>
+    </cs:fillRef>
+    <cs:effectRef idx="0"/>
+    <cs:fontRef idx="minor">
+      <a:schemeClr val="tx1"/>
+    </cs:fontRef>
+  </cs:dataPoint>
+  <cs:dataPoint3D>
+    <cs:lnRef idx="0"/>
+    <cs:fillRef idx="1">
+      <cs:styleClr val="auto"/>
+    </cs:fillRef>
+    <cs:effectRef idx="0"/>
+    <cs:fontRef idx="minor">
+      <a:schemeClr val="tx1"/>
+    </cs:fontRef>
+  </cs:dataPoint3D>
+  <cs:dataPointLine>
+    <cs:lnRef idx="0">
+      <cs:styleClr val="auto"/>
+    </cs:lnRef>
+    <cs:fillRef idx="1"/>
+    <cs:effectRef idx="0"/>
+    <cs:fontRef idx="minor">
+      <a:schemeClr val="tx1"/>
+    </cs:fontRef>
+    <cs:spPr>
+      <a:ln w="19050" cap="rnd">
+        <a:solidFill>
+          <a:schemeClr val="phClr"/>
+        </a:solidFill>
+        <a:round/>
+      </a:ln>
+    </cs:spPr>
+  </cs:dataPointLine>
+  <cs:dataPointMarker>
+    <cs:lnRef idx="0">
+      <cs:styleClr val="auto"/>
+    </cs:lnRef>
+    <cs:fillRef idx="1">
+      <cs:styleClr val="auto"/>
+    </cs:fillRef>
+    <cs:effectRef idx="0"/>
+    <cs:fontRef idx="minor">
+      <a:schemeClr val="tx1"/>
+    </cs:fontRef>
+    <cs:spPr>
+      <a:ln w="9525">
+        <a:solidFill>
+          <a:schemeClr val="phClr"/>
+        </a:solidFill>
+      </a:ln>
+    </cs:spPr>
+  </cs:dataPointMarker>
+  <cs:dataPointMarkerLayout symbol="circle" size="5"/>
+  <cs:dataPointWireframe>
+    <cs:lnRef idx="0">
+      <cs:styleClr val="auto"/>
+    </cs:lnRef>
+    <cs:fillRef idx="0"/>
+    <cs:effectRef idx="0"/>
+    <cs:fontRef idx="minor">
+      <a:schemeClr val="dk1"/>
+    </cs:fontRef>
+    <cs:spPr>
+      <a:ln w="9525" cap="rnd">
+        <a:solidFill>
+          <a:schemeClr val="phClr"/>
+        </a:solidFill>
+        <a:round/>
+      </a:ln>
+    </cs:spPr>
+  </cs:dataPointWireframe>
+  <cs:dataTable>
+    <cs:lnRef idx="0"/>
+    <cs:fillRef idx="0"/>
+    <cs:effectRef idx="0"/>
+    <cs:fontRef idx="minor">
+      <a:schemeClr val="tx1">
+        <a:lumMod val="65000"/>
+        <a:lumOff val="35000"/>
+      </a:schemeClr>
+    </cs:fontRef>
+    <cs:spPr>
+      <a:noFill/>
+      <a:ln w="9525" cap="flat" cmpd="sng" algn="ctr">
+        <a:solidFill>
+          <a:schemeClr val="tx1">
+            <a:lumMod val="15000"/>
+            <a:lumOff val="85000"/>
+          </a:schemeClr>
+        </a:solidFill>
+        <a:round/>
+      </a:ln>
+    </cs:spPr>
+    <cs:defRPr sz="900" kern="1200"/>
+  </cs:dataTable>
+  <cs:downBar>
+    <cs:lnRef idx="0"/>
+    <cs:fillRef idx="0"/>
+    <cs:effectRef idx="0"/>
+    <cs:fontRef idx="minor">
+      <a:schemeClr val="tx1"/>
+    </cs:fontRef>
+    <cs:spPr>
+      <a:solidFill>
+        <a:schemeClr val="dk1">
+          <a:lumMod val="75000"/>
+          <a:lumOff val="25000"/>
+        </a:schemeClr>
+      </a:solidFill>
+      <a:ln w="9525" cap="flat" cmpd="sng" algn="ctr">
+        <a:solidFill>
+          <a:schemeClr val="tx1">
+            <a:lumMod val="65000"/>
+            <a:lumOff val="35000"/>
+          </a:schemeClr>
+        </a:solidFill>
+        <a:round/>
+      </a:ln>
+    </cs:spPr>
+  </cs:downBar>
+  <cs:dropLine>
+    <cs:lnRef idx="0"/>
+    <cs:fillRef idx="0"/>
+    <cs:effectRef idx="0"/>
+    <cs:fontRef idx="minor">
+      <a:schemeClr val="tx1"/>
+    </cs:fontRef>
+    <cs:spPr>
+      <a:ln w="9525" cap="flat" cmpd="sng" algn="ctr">
+        <a:solidFill>
+          <a:schemeClr val="tx1">
+            <a:lumMod val="35000"/>
+            <a:lumOff val="65000"/>
+          </a:schemeClr>
+        </a:solidFill>
+        <a:round/>
+      </a:ln>
+    </cs:spPr>
+  </cs:dropLine>
+  <cs:errorBar>
+    <cs:lnRef idx="0"/>
+    <cs:fillRef idx="0"/>
+    <cs:effectRef idx="0"/>
+    <cs:fontRef idx="minor">
+      <a:schemeClr val="tx1"/>
+    </cs:fontRef>
+    <cs:spPr>
+      <a:ln w="9525" cap="flat" cmpd="sng" algn="ctr">
+        <a:solidFill>
+          <a:schemeClr val="tx1">
+            <a:lumMod val="65000"/>
+            <a:lumOff val="35000"/>
+          </a:schemeClr>
+        </a:solidFill>
+        <a:round/>
+      </a:ln>
+    </cs:spPr>
+  </cs:errorBar>
+  <cs:floor>
+    <cs:lnRef idx="0"/>
+    <cs:fillRef idx="0"/>
+    <cs:effectRef idx="0"/>
+    <cs:fontRef idx="minor">
+      <a:schemeClr val="tx1"/>
+    </cs:fontRef>
+    <cs:spPr>
+      <a:noFill/>
+      <a:ln>
+        <a:noFill/>
+      </a:ln>
+    </cs:spPr>
+  </cs:floor>
+  <cs:gridlineMajor>
+    <cs:lnRef idx="0"/>
+    <cs:fillRef idx="0"/>
+    <cs:effectRef idx="0"/>
+    <cs:fontRef idx="minor">
+      <a:schemeClr val="tx1"/>
+    </cs:fontRef>
+    <cs:spPr>
+      <a:ln w="9525" cap="flat" cmpd="sng" algn="ctr">
+        <a:solidFill>
+          <a:schemeClr val="tx1">
+            <a:lumMod val="15000"/>
+            <a:lumOff val="85000"/>
+          </a:schemeClr>
+        </a:solidFill>
+        <a:round/>
+      </a:ln>
+    </cs:spPr>
+  </cs:gridlineMajor>
+  <cs:gridlineMinor>
+    <cs:lnRef idx="0"/>
+    <cs:fillRef idx="0"/>
+    <cs:effectRef idx="0"/>
+    <cs:fontRef idx="minor">
+      <a:schemeClr val="tx1"/>
+    </cs:fontRef>
+    <cs:spPr>
+      <a:ln w="9525" cap="flat" cmpd="sng" algn="ctr">
+        <a:solidFill>
+          <a:schemeClr val="tx1">
+            <a:lumMod val="5000"/>
+            <a:lumOff val="95000"/>
+          </a:schemeClr>
+        </a:solidFill>
+        <a:round/>
+      </a:ln>
+    </cs:spPr>
+  </cs:gridlineMinor>
+  <cs:hiLoLine>
+    <cs:lnRef idx="0"/>
+    <cs:fillRef idx="0"/>
+    <cs:effectRef idx="0"/>
+    <cs:fontRef idx="minor">
+      <a:schemeClr val="tx1"/>
+    </cs:fontRef>
+    <cs:spPr>
+      <a:ln w="9525" cap="flat" cmpd="sng" algn="ctr">
+        <a:solidFill>
+          <a:schemeClr val="tx1">
+            <a:lumMod val="50000"/>
+            <a:lumOff val="50000"/>
+          </a:schemeClr>
+        </a:solidFill>
+        <a:round/>
+      </a:ln>
+    </cs:spPr>
+  </cs:hiLoLine>
+  <cs:leaderLine>
+    <cs:lnRef idx="0"/>
+    <cs:fillRef idx="0"/>
+    <cs:effectRef idx="0"/>
+    <cs:fontRef idx="minor">
+      <a:schemeClr val="tx1"/>
+    </cs:fontRef>
+    <cs:spPr>
+      <a:ln w="9525" cap="flat" cmpd="sng" algn="ctr">
+        <a:solidFill>
+          <a:schemeClr val="tx1">
+            <a:lumMod val="35000"/>
+            <a:lumOff val="65000"/>
+          </a:schemeClr>
+        </a:solidFill>
+        <a:round/>
+      </a:ln>
+    </cs:spPr>
+  </cs:leaderLine>
+  <cs:legend>
+    <cs:lnRef idx="0"/>
+    <cs:fillRef idx="0"/>
+    <cs:effectRef idx="0"/>
+    <cs:fontRef idx="minor">
+      <a:schemeClr val="tx1">
+        <a:lumMod val="65000"/>
+        <a:lumOff val="35000"/>
+      </a:schemeClr>
+    </cs:fontRef>
+    <cs:defRPr sz="900" kern="1200"/>
+  </cs:legend>
+  <cs:plotArea mods="allowNoFillOverride allowNoLineOverride">
+    <cs:lnRef idx="0"/>
+    <cs:fillRef idx="0"/>
+    <cs:effectRef idx="0"/>
+    <cs:fontRef idx="minor">
+      <a:schemeClr val="tx1"/>
+    </cs:fontRef>
+  </cs:plotArea>
+  <cs:plotArea3D mods="allowNoFillOverride allowNoLineOverride">
+    <cs:lnRef idx="0"/>
+    <cs:fillRef idx="0"/>
+    <cs:effectRef idx="0"/>
+    <cs:fontRef idx="minor">
+      <a:schemeClr val="tx1"/>
+    </cs:fontRef>
+  </cs:plotArea3D>
+  <cs:seriesAxis>
+    <cs:lnRef idx="0"/>
+    <cs:fillRef idx="0"/>
+    <cs:effectRef idx="0"/>
+    <cs:fontRef idx="minor">
+      <a:schemeClr val="tx1">
+        <a:lumMod val="65000"/>
+        <a:lumOff val="35000"/>
+      </a:schemeClr>
+    </cs:fontRef>
+    <cs:defRPr sz="900" kern="1200"/>
+  </cs:seriesAxis>
+  <cs:seriesLine>
+    <cs:lnRef idx="0"/>
+    <cs:fillRef idx="0"/>
+    <cs:effectRef idx="0"/>
+    <cs:fontRef idx="minor">
+      <a:schemeClr val="tx1"/>
+    </cs:fontRef>
+    <cs:spPr>
+      <a:ln w="9525" cap="flat" cmpd="sng" algn="ctr">
+        <a:solidFill>
+          <a:schemeClr val="tx1">
+            <a:lumMod val="35000"/>
+            <a:lumOff val="65000"/>
+          </a:schemeClr>
+        </a:solidFill>
+        <a:round/>
+      </a:ln>
+    </cs:spPr>
+  </cs:seriesLine>
+  <cs:title>
+    <cs:lnRef idx="0"/>
+    <cs:fillRef idx="0"/>
+    <cs:effectRef idx="0"/>
+    <cs:fontRef idx="minor">
+      <a:schemeClr val="tx1">
+        <a:lumMod val="65000"/>
+        <a:lumOff val="35000"/>
+      </a:schemeClr>
+    </cs:fontRef>
+    <cs:defRPr sz="1400" b="0" kern="1200" spc="0" baseline="0"/>
+  </cs:title>
+  <cs:trendline>
+    <cs:lnRef idx="0">
+      <cs:styleClr val="auto"/>
+    </cs:lnRef>
+    <cs:fillRef idx="0"/>
+    <cs:effectRef idx="0"/>
+    <cs:fontRef idx="minor">
+      <a:schemeClr val="tx1"/>
+    </cs:fontRef>
+    <cs:spPr>
+      <a:ln w="19050" cap="rnd">
+        <a:solidFill>
+          <a:schemeClr val="phClr"/>
+        </a:solidFill>
+        <a:prstDash val="sysDot"/>
+      </a:ln>
+    </cs:spPr>
+  </cs:trendline>
+  <cs:trendlineLabel>
+    <cs:lnRef idx="0"/>
+    <cs:fillRef idx="0"/>
+    <cs:effectRef idx="0"/>
+    <cs:fontRef idx="minor">
+      <a:schemeClr val="tx1">
+        <a:lumMod val="65000"/>
+        <a:lumOff val="35000"/>
+      </a:schemeClr>
+    </cs:fontRef>
+    <cs:defRPr sz="900" kern="1200"/>
+  </cs:trendlineLabel>
+  <cs:upBar>
+    <cs:lnRef idx="0"/>
+    <cs:fillRef idx="0"/>
+    <cs:effectRef idx="0"/>
+    <cs:fontRef idx="minor">
+      <a:schemeClr val="tx1"/>
+    </cs:fontRef>
+    <cs:spPr>
+      <a:solidFill>
+        <a:schemeClr val="lt1"/>
+      </a:solidFill>
+      <a:ln w="9525" cap="flat" cmpd="sng" algn="ctr">
+        <a:solidFill>
+          <a:schemeClr val="tx1">
+            <a:lumMod val="65000"/>
+            <a:lumOff val="35000"/>
+          </a:schemeClr>
+        </a:solidFill>
+        <a:round/>
+      </a:ln>
+    </cs:spPr>
+  </cs:upBar>
+  <cs:valueAxis>
+    <cs:lnRef idx="0"/>
+    <cs:fillRef idx="0"/>
+    <cs:effectRef idx="0"/>
+    <cs:fontRef idx="minor">
+      <a:schemeClr val="tx1">
+        <a:lumMod val="65000"/>
+        <a:lumOff val="35000"/>
+      </a:schemeClr>
+    </cs:fontRef>
+    <cs:spPr>
+      <a:ln w="9525" cap="flat" cmpd="sng" algn="ctr">
+        <a:solidFill>
+          <a:schemeClr val="tx1">
+            <a:lumMod val="25000"/>
+            <a:lumOff val="75000"/>
+          </a:schemeClr>
+        </a:solidFill>
+        <a:round/>
+      </a:ln>
+    </cs:spPr>
+    <cs:defRPr sz="900" kern="1200"/>
+  </cs:valueAxis>
+  <cs:wall>
+    <cs:lnRef idx="0"/>
+    <cs:fillRef idx="0"/>
+    <cs:effectRef idx="0"/>
+    <cs:fontRef idx="minor">
+      <a:schemeClr val="tx1"/>
+    </cs:fontRef>
+    <cs:spPr>
+      <a:noFill/>
+      <a:ln>
+        <a:noFill/>
+      </a:ln>
+    </cs:spPr>
+  </cs:wall>
+</cs:chartStyle>
+</file>
+
+<file path=ppt/charts/style2.xml><?xml version="1.0" encoding="utf-8"?>
+<cs:chartStyle xmlns:cs="http://schemas.microsoft.com/office/drawing/2012/chartStyle" xmlns:a="http://schemas.openxmlformats.org/drawingml/2006/main" id="240">
+  <cs:axisTitle>
+    <cs:lnRef idx="0"/>
+    <cs:fillRef idx="0"/>
+    <cs:effectRef idx="0"/>
+    <cs:fontRef idx="minor">
+      <a:schemeClr val="tx1">
+        <a:lumMod val="65000"/>
+        <a:lumOff val="35000"/>
+      </a:schemeClr>
+    </cs:fontRef>
+    <cs:defRPr sz="1000" kern="1200"/>
+  </cs:axisTitle>
+  <cs:categoryAxis>
+    <cs:lnRef idx="0"/>
+    <cs:fillRef idx="0"/>
+    <cs:effectRef idx="0"/>
+    <cs:fontRef idx="minor">
+      <a:schemeClr val="tx1">
+        <a:lumMod val="65000"/>
+        <a:lumOff val="35000"/>
+      </a:schemeClr>
+    </cs:fontRef>
+    <cs:spPr>
+      <a:ln w="9525" cap="flat" cmpd="sng" algn="ctr">
+        <a:solidFill>
+          <a:schemeClr val="tx1">
+            <a:lumMod val="25000"/>
+            <a:lumOff val="75000"/>
+          </a:schemeClr>
+        </a:solidFill>
+        <a:round/>
+      </a:ln>
+    </cs:spPr>
+    <cs:defRPr sz="900" kern="1200"/>
+  </cs:categoryAxis>
+  <cs:chartArea mods="allowNoFillOverride allowNoLineOverride">
+    <cs:lnRef idx="0"/>
+    <cs:fillRef idx="0"/>
+    <cs:effectRef idx="0"/>
+    <cs:fontRef idx="minor">
+      <a:schemeClr val="tx1"/>
+    </cs:fontRef>
+    <cs:spPr>
+      <a:solidFill>
+        <a:schemeClr val="bg1"/>
+      </a:solidFill>
+      <a:ln w="9525" cap="flat" cmpd="sng" algn="ctr">
+        <a:solidFill>
+          <a:schemeClr val="tx1">
+            <a:lumMod val="15000"/>
+            <a:lumOff val="85000"/>
+          </a:schemeClr>
+        </a:solidFill>
+        <a:round/>
+      </a:ln>
+    </cs:spPr>
+    <cs:defRPr sz="1000" kern="1200"/>
+  </cs:chartArea>
+  <cs:dataLabel>
+    <cs:lnRef idx="0"/>
+    <cs:fillRef idx="0"/>
+    <cs:effectRef idx="0"/>
+    <cs:fontRef idx="minor">
+      <a:schemeClr val="tx1">
+        <a:lumMod val="75000"/>
+        <a:lumOff val="25000"/>
+      </a:schemeClr>
+    </cs:fontRef>
+    <cs:defRPr sz="900" kern="1200"/>
+  </cs:dataLabel>
+  <cs:dataLabelCallout>
+    <cs:lnRef idx="0"/>
+    <cs:fillRef idx="0"/>
+    <cs:effectRef idx="0"/>
+    <cs:fontRef idx="minor">
+      <a:schemeClr val="dk1">
+        <a:lumMod val="65000"/>
+        <a:lumOff val="35000"/>
+      </a:schemeClr>
+    </cs:fontRef>
+    <cs:spPr>
+      <a:solidFill>
+        <a:schemeClr val="lt1"/>
+      </a:solidFill>
+      <a:ln>
+        <a:solidFill>
+          <a:schemeClr val="dk1">
+            <a:lumMod val="25000"/>
+            <a:lumOff val="75000"/>
+          </a:schemeClr>
+        </a:solidFill>
+      </a:ln>
+    </cs:spPr>
+    <cs:defRPr sz="900" kern="1200"/>
+    <cs:bodyPr rot="0" spcFirstLastPara="1" vertOverflow="clip" horzOverflow="clip" vert="horz" wrap="square" lIns="36576" tIns="18288" rIns="36576" bIns="18288" anchor="ctr" anchorCtr="1">
+      <a:spAutoFit/>
+    </cs:bodyPr>
+  </cs:dataLabelCallout>
+  <cs:dataPoint>
+    <cs:lnRef idx="0"/>
+    <cs:fillRef idx="1">
+      <cs:styleClr val="auto"/>
+    </cs:fillRef>
+    <cs:effectRef idx="0"/>
+    <cs:fontRef idx="minor">
+      <a:schemeClr val="tx1"/>
+    </cs:fontRef>
+  </cs:dataPoint>
+  <cs:dataPoint3D>
+    <cs:lnRef idx="0"/>
+    <cs:fillRef idx="1">
+      <cs:styleClr val="auto"/>
+    </cs:fillRef>
+    <cs:effectRef idx="0"/>
+    <cs:fontRef idx="minor">
+      <a:schemeClr val="tx1"/>
+    </cs:fontRef>
+  </cs:dataPoint3D>
+  <cs:dataPointLine>
+    <cs:lnRef idx="0">
+      <cs:styleClr val="auto"/>
+    </cs:lnRef>
+    <cs:fillRef idx="1"/>
+    <cs:effectRef idx="0"/>
+    <cs:fontRef idx="minor">
+      <a:schemeClr val="tx1"/>
+    </cs:fontRef>
+    <cs:spPr>
+      <a:ln w="19050" cap="rnd">
+        <a:solidFill>
+          <a:schemeClr val="phClr"/>
+        </a:solidFill>
+        <a:round/>
+      </a:ln>
+    </cs:spPr>
+  </cs:dataPointLine>
+  <cs:dataPointMarker>
+    <cs:lnRef idx="0">
+      <cs:styleClr val="auto"/>
+    </cs:lnRef>
+    <cs:fillRef idx="1">
+      <cs:styleClr val="auto"/>
+    </cs:fillRef>
+    <cs:effectRef idx="0"/>
+    <cs:fontRef idx="minor">
+      <a:schemeClr val="tx1"/>
+    </cs:fontRef>
+    <cs:spPr>
+      <a:ln w="9525">
+        <a:solidFill>
+          <a:schemeClr val="phClr"/>
+        </a:solidFill>
+      </a:ln>
+    </cs:spPr>
+  </cs:dataPointMarker>
+  <cs:dataPointMarkerLayout symbol="circle" size="5"/>
+  <cs:dataPointWireframe>
+    <cs:lnRef idx="0">
+      <cs:styleClr val="auto"/>
+    </cs:lnRef>
+    <cs:fillRef idx="0"/>
+    <cs:effectRef idx="0"/>
+    <cs:fontRef idx="minor">
+      <a:schemeClr val="dk1"/>
+    </cs:fontRef>
+    <cs:spPr>
+      <a:ln w="9525" cap="rnd">
+        <a:solidFill>
+          <a:schemeClr val="phClr"/>
+        </a:solidFill>
+        <a:round/>
+      </a:ln>
+    </cs:spPr>
+  </cs:dataPointWireframe>
+  <cs:dataTable>
+    <cs:lnRef idx="0"/>
+    <cs:fillRef idx="0"/>
+    <cs:effectRef idx="0"/>
+    <cs:fontRef idx="minor">
+      <a:schemeClr val="tx1">
+        <a:lumMod val="65000"/>
+        <a:lumOff val="35000"/>
+      </a:schemeClr>
+    </cs:fontRef>
+    <cs:spPr>
+      <a:noFill/>
+      <a:ln w="9525" cap="flat" cmpd="sng" algn="ctr">
+        <a:solidFill>
+          <a:schemeClr val="tx1">
+            <a:lumMod val="15000"/>
+            <a:lumOff val="85000"/>
+          </a:schemeClr>
+        </a:solidFill>
+        <a:round/>
+      </a:ln>
+    </cs:spPr>
+    <cs:defRPr sz="900" kern="1200"/>
+  </cs:dataTable>
+  <cs:downBar>
+    <cs:lnRef idx="0"/>
+    <cs:fillRef idx="0"/>
+    <cs:effectRef idx="0"/>
+    <cs:fontRef idx="minor">
+      <a:schemeClr val="tx1"/>
+    </cs:fontRef>
+    <cs:spPr>
+      <a:solidFill>
+        <a:schemeClr val="dk1">
+          <a:lumMod val="75000"/>
+          <a:lumOff val="25000"/>
+        </a:schemeClr>
+      </a:solidFill>
+      <a:ln w="9525" cap="flat" cmpd="sng" algn="ctr">
+        <a:solidFill>
+          <a:schemeClr val="tx1">
+            <a:lumMod val="65000"/>
+            <a:lumOff val="35000"/>
+          </a:schemeClr>
+        </a:solidFill>
+        <a:round/>
+      </a:ln>
+    </cs:spPr>
+  </cs:downBar>
+  <cs:dropLine>
+    <cs:lnRef idx="0"/>
+    <cs:fillRef idx="0"/>
+    <cs:effectRef idx="0"/>
+    <cs:fontRef idx="minor">
+      <a:schemeClr val="tx1"/>
+    </cs:fontRef>
+    <cs:spPr>
+      <a:ln w="9525" cap="flat" cmpd="sng" algn="ctr">
+        <a:solidFill>
+          <a:schemeClr val="tx1">
+            <a:lumMod val="35000"/>
+            <a:lumOff val="65000"/>
+          </a:schemeClr>
+        </a:solidFill>
+        <a:round/>
+      </a:ln>
+    </cs:spPr>
+  </cs:dropLine>
+  <cs:errorBar>
+    <cs:lnRef idx="0"/>
+    <cs:fillRef idx="0"/>
+    <cs:effectRef idx="0"/>
+    <cs:fontRef idx="minor">
+      <a:schemeClr val="tx1"/>
+    </cs:fontRef>
+    <cs:spPr>
+      <a:ln w="9525" cap="flat" cmpd="sng" algn="ctr">
+        <a:solidFill>
+          <a:schemeClr val="tx1">
+            <a:lumMod val="65000"/>
+            <a:lumOff val="35000"/>
+          </a:schemeClr>
+        </a:solidFill>
+        <a:round/>
+      </a:ln>
+    </cs:spPr>
+  </cs:errorBar>
+  <cs:floor>
+    <cs:lnRef idx="0"/>
+    <cs:fillRef idx="0"/>
+    <cs:effectRef idx="0"/>
+    <cs:fontRef idx="minor">
+      <a:schemeClr val="tx1"/>
+    </cs:fontRef>
+    <cs:spPr>
+      <a:noFill/>
+      <a:ln>
+        <a:noFill/>
+      </a:ln>
+    </cs:spPr>
+  </cs:floor>
+  <cs:gridlineMajor>
+    <cs:lnRef idx="0"/>
+    <cs:fillRef idx="0"/>
+    <cs:effectRef idx="0"/>
+    <cs:fontRef idx="minor">
+      <a:schemeClr val="tx1"/>
+    </cs:fontRef>
+    <cs:spPr>
+      <a:ln w="9525" cap="flat" cmpd="sng" algn="ctr">
+        <a:solidFill>
+          <a:schemeClr val="tx1">
+            <a:lumMod val="15000"/>
+            <a:lumOff val="85000"/>
+          </a:schemeClr>
+        </a:solidFill>
+        <a:round/>
+      </a:ln>
+    </cs:spPr>
+  </cs:gridlineMajor>
+  <cs:gridlineMinor>
+    <cs:lnRef idx="0"/>
+    <cs:fillRef idx="0"/>
+    <cs:effectRef idx="0"/>
+    <cs:fontRef idx="minor">
+      <a:schemeClr val="tx1"/>
+    </cs:fontRef>
+    <cs:spPr>
+      <a:ln w="9525" cap="flat" cmpd="sng" algn="ctr">
+        <a:solidFill>
+          <a:schemeClr val="tx1">
+            <a:lumMod val="5000"/>
+            <a:lumOff val="95000"/>
+          </a:schemeClr>
+        </a:solidFill>
+        <a:round/>
+      </a:ln>
+    </cs:spPr>
+  </cs:gridlineMinor>
+  <cs:hiLoLine>
+    <cs:lnRef idx="0"/>
+    <cs:fillRef idx="0"/>
+    <cs:effectRef idx="0"/>
+    <cs:fontRef idx="minor">
+      <a:schemeClr val="tx1"/>
+    </cs:fontRef>
+    <cs:spPr>
+      <a:ln w="9525" cap="flat" cmpd="sng" algn="ctr">
+        <a:solidFill>
+          <a:schemeClr val="tx1">
+            <a:lumMod val="50000"/>
+            <a:lumOff val="50000"/>
+          </a:schemeClr>
+        </a:solidFill>
+        <a:round/>
+      </a:ln>
+    </cs:spPr>
+  </cs:hiLoLine>
+  <cs:leaderLine>
+    <cs:lnRef idx="0"/>
+    <cs:fillRef idx="0"/>
+    <cs:effectRef idx="0"/>
+    <cs:fontRef idx="minor">
+      <a:schemeClr val="tx1"/>
+    </cs:fontRef>
+    <cs:spPr>
+      <a:ln w="9525" cap="flat" cmpd="sng" algn="ctr">
+        <a:solidFill>
+          <a:schemeClr val="tx1">
+            <a:lumMod val="35000"/>
+            <a:lumOff val="65000"/>
+          </a:schemeClr>
+        </a:solidFill>
+        <a:round/>
+      </a:ln>
+    </cs:spPr>
+  </cs:leaderLine>
+  <cs:legend>
+    <cs:lnRef idx="0"/>
+    <cs:fillRef idx="0"/>
+    <cs:effectRef idx="0"/>
+    <cs:fontRef idx="minor">
+      <a:schemeClr val="tx1">
+        <a:lumMod val="65000"/>
+        <a:lumOff val="35000"/>
+      </a:schemeClr>
+    </cs:fontRef>
+    <cs:defRPr sz="900" kern="1200"/>
+  </cs:legend>
+  <cs:plotArea mods="allowNoFillOverride allowNoLineOverride">
+    <cs:lnRef idx="0"/>
+    <cs:fillRef idx="0"/>
+    <cs:effectRef idx="0"/>
+    <cs:fontRef idx="minor">
+      <a:schemeClr val="tx1"/>
+    </cs:fontRef>
+  </cs:plotArea>
+  <cs:plotArea3D mods="allowNoFillOverride allowNoLineOverride">
+    <cs:lnRef idx="0"/>
+    <cs:fillRef idx="0"/>
+    <cs:effectRef idx="0"/>
+    <cs:fontRef idx="minor">
+      <a:schemeClr val="tx1"/>
+    </cs:fontRef>
+  </cs:plotArea3D>
+  <cs:seriesAxis>
+    <cs:lnRef idx="0"/>
+    <cs:fillRef idx="0"/>
+    <cs:effectRef idx="0"/>
+    <cs:fontRef idx="minor">
+      <a:schemeClr val="tx1">
+        <a:lumMod val="65000"/>
+        <a:lumOff val="35000"/>
+      </a:schemeClr>
+    </cs:fontRef>
+    <cs:defRPr sz="900" kern="1200"/>
+  </cs:seriesAxis>
+  <cs:seriesLine>
+    <cs:lnRef idx="0"/>
+    <cs:fillRef idx="0"/>
+    <cs:effectRef idx="0"/>
+    <cs:fontRef idx="minor">
+      <a:schemeClr val="tx1"/>
+    </cs:fontRef>
+    <cs:spPr>
+      <a:ln w="9525" cap="flat" cmpd="sng" algn="ctr">
+        <a:solidFill>
+          <a:schemeClr val="tx1">
+            <a:lumMod val="35000"/>
+            <a:lumOff val="65000"/>
+          </a:schemeClr>
+        </a:solidFill>
+        <a:round/>
+      </a:ln>
+    </cs:spPr>
+  </cs:seriesLine>
+  <cs:title>
+    <cs:lnRef idx="0"/>
+    <cs:fillRef idx="0"/>
+    <cs:effectRef idx="0"/>
+    <cs:fontRef idx="minor">
+      <a:schemeClr val="tx1">
+        <a:lumMod val="65000"/>
+        <a:lumOff val="35000"/>
+      </a:schemeClr>
+    </cs:fontRef>
+    <cs:defRPr sz="1400" b="0" kern="1200" spc="0" baseline="0"/>
+  </cs:title>
+  <cs:trendline>
+    <cs:lnRef idx="0">
+      <cs:styleClr val="auto"/>
+    </cs:lnRef>
+    <cs:fillRef idx="0"/>
+    <cs:effectRef idx="0"/>
+    <cs:fontRef idx="minor">
+      <a:schemeClr val="tx1"/>
+    </cs:fontRef>
+    <cs:spPr>
+      <a:ln w="19050" cap="rnd">
+        <a:solidFill>
+          <a:schemeClr val="phClr"/>
+        </a:solidFill>
+        <a:prstDash val="sysDot"/>
+      </a:ln>
+    </cs:spPr>
+  </cs:trendline>
+  <cs:trendlineLabel>
+    <cs:lnRef idx="0"/>
+    <cs:fillRef idx="0"/>
+    <cs:effectRef idx="0"/>
+    <cs:fontRef idx="minor">
+      <a:schemeClr val="tx1">
+        <a:lumMod val="65000"/>
+        <a:lumOff val="35000"/>
+      </a:schemeClr>
+    </cs:fontRef>
+    <cs:defRPr sz="900" kern="1200"/>
+  </cs:trendlineLabel>
+  <cs:upBar>
+    <cs:lnRef idx="0"/>
+    <cs:fillRef idx="0"/>
+    <cs:effectRef idx="0"/>
+    <cs:fontRef idx="minor">
+      <a:schemeClr val="tx1"/>
+    </cs:fontRef>
+    <cs:spPr>
+      <a:solidFill>
+        <a:schemeClr val="lt1"/>
+      </a:solidFill>
+      <a:ln w="9525" cap="flat" cmpd="sng" algn="ctr">
+        <a:solidFill>
+          <a:schemeClr val="tx1">
+            <a:lumMod val="65000"/>
+            <a:lumOff val="35000"/>
+          </a:schemeClr>
+        </a:solidFill>
+        <a:round/>
+      </a:ln>
+    </cs:spPr>
+  </cs:upBar>
+  <cs:valueAxis>
+    <cs:lnRef idx="0"/>
+    <cs:fillRef idx="0"/>
+    <cs:effectRef idx="0"/>
+    <cs:fontRef idx="minor">
+      <a:schemeClr val="tx1">
+        <a:lumMod val="65000"/>
+        <a:lumOff val="35000"/>
+      </a:schemeClr>
+    </cs:fontRef>
+    <cs:spPr>
+      <a:ln w="9525" cap="flat" cmpd="sng" algn="ctr">
+        <a:solidFill>
+          <a:schemeClr val="tx1">
+            <a:lumMod val="25000"/>
+            <a:lumOff val="75000"/>
+          </a:schemeClr>
+        </a:solidFill>
+        <a:round/>
+      </a:ln>
+    </cs:spPr>
+    <cs:defRPr sz="900" kern="1200"/>
+  </cs:valueAxis>
+  <cs:wall>
+    <cs:lnRef idx="0"/>
+    <cs:fillRef idx="0"/>
+    <cs:effectRef idx="0"/>
+    <cs:fontRef idx="minor">
+      <a:schemeClr val="tx1"/>
+    </cs:fontRef>
+    <cs:spPr>
+      <a:noFill/>
+      <a:ln>
+        <a:noFill/>
+      </a:ln>
+    </cs:spPr>
+  </cs:wall>
+</cs:chartStyle>
 </file>
 
 <file path=ppt/handoutMasters/handoutMaster1.xml><?xml version="1.0" encoding="utf-8"?>
@@ -833,7 +2934,7 @@
           <a:p>
             <a:fld id="{02818732-FA64-4F57-8EE6-57AA70E1F1E0}" type="slidenum">
               <a:rPr lang="en-ZA" smtClean="0"/>
-              <a:t>16</a:t>
+              <a:t>14</a:t>
             </a:fld>
             <a:endParaRPr lang="en-ZA" dirty="0"/>
           </a:p>
@@ -1001,7 +3102,7 @@
           <a:p>
             <a:fld id="{02818732-FA64-4F57-8EE6-57AA70E1F1E0}" type="slidenum">
               <a:rPr lang="en-ZA" smtClean="0"/>
-              <a:t>6</a:t>
+              <a:t>4</a:t>
             </a:fld>
             <a:endParaRPr lang="en-ZA" dirty="0"/>
           </a:p>
@@ -1085,7 +3186,7 @@
           <a:p>
             <a:fld id="{02818732-FA64-4F57-8EE6-57AA70E1F1E0}" type="slidenum">
               <a:rPr lang="en-ZA" smtClean="0"/>
-              <a:t>7</a:t>
+              <a:t>5</a:t>
             </a:fld>
             <a:endParaRPr lang="en-ZA" dirty="0"/>
           </a:p>
@@ -1169,7 +3270,7 @@
           <a:p>
             <a:fld id="{02818732-FA64-4F57-8EE6-57AA70E1F1E0}" type="slidenum">
               <a:rPr lang="en-ZA" smtClean="0"/>
-              <a:t>8</a:t>
+              <a:t>6</a:t>
             </a:fld>
             <a:endParaRPr lang="en-ZA" dirty="0"/>
           </a:p>
@@ -1305,7 +3406,7 @@
           <a:p>
             <a:fld id="{02818732-FA64-4F57-8EE6-57AA70E1F1E0}" type="slidenum">
               <a:rPr lang="en-ZA" smtClean="0"/>
-              <a:t>9</a:t>
+              <a:t>7</a:t>
             </a:fld>
             <a:endParaRPr lang="en-ZA" dirty="0"/>
           </a:p>
@@ -1389,7 +3490,7 @@
           <a:p>
             <a:fld id="{02818732-FA64-4F57-8EE6-57AA70E1F1E0}" type="slidenum">
               <a:rPr lang="en-ZA" smtClean="0"/>
-              <a:t>10</a:t>
+              <a:t>8</a:t>
             </a:fld>
             <a:endParaRPr lang="en-ZA" dirty="0"/>
           </a:p>
@@ -1490,6 +3591,22 @@
               <a:t>I removed State and County data as that was already located on the chart, leaving only the incomes, dates, and location.</a:t>
             </a:r>
           </a:p>
+          <a:p>
+            <a:pPr lvl="1"/>
+            <a:endParaRPr lang="en-US" sz="1200" dirty="0"/>
+          </a:p>
+          <a:p>
+            <a:pPr lvl="1"/>
+            <a:r>
+              <a:rPr lang="en-US" sz="1200" dirty="0"/>
+              <a:t>The median household income in Galveston, Texas following Hurricane Ike went well above the expected trend for the following years up until 2015. As For Louisa County, VA the median household income stayed relatively stagnant in the year following and increased slightly until 2015.as for*</a:t>
+            </a:r>
+            <a:endParaRPr lang="en-US" sz="800" dirty="0"/>
+          </a:p>
+          <a:p>
+            <a:pPr lvl="1"/>
+            <a:endParaRPr lang="en-US" dirty="0"/>
+          </a:p>
         </p:txBody>
       </p:sp>
       <p:sp>
@@ -1509,7 +3626,7 @@
           <a:p>
             <a:fld id="{02818732-FA64-4F57-8EE6-57AA70E1F1E0}" type="slidenum">
               <a:rPr lang="en-ZA" smtClean="0"/>
-              <a:t>11</a:t>
+              <a:t>9</a:t>
             </a:fld>
             <a:endParaRPr lang="en-ZA" dirty="0"/>
           </a:p>
@@ -1593,7 +3710,7 @@
           <a:p>
             <a:fld id="{02818732-FA64-4F57-8EE6-57AA70E1F1E0}" type="slidenum">
               <a:rPr lang="en-ZA" smtClean="0"/>
-              <a:t>12</a:t>
+              <a:t>10</a:t>
             </a:fld>
             <a:endParaRPr lang="en-ZA" dirty="0"/>
           </a:p>
@@ -22575,21 +24692,106 @@
           <a:chExt cx="0" cy="0"/>
         </a:xfrm>
       </p:grpSpPr>
+      <p:sp>
+        <p:nvSpPr>
+          <p:cNvPr id="3" name="Slide Number Placeholder 2">
+            <a:extLst>
+              <a:ext uri="{FF2B5EF4-FFF2-40B4-BE49-F238E27FC236}">
+                <a16:creationId xmlns:a16="http://schemas.microsoft.com/office/drawing/2014/main" id="{E6E438A9-7A49-4873-87AA-B00C0DE2FD1C}"/>
+              </a:ext>
+            </a:extLst>
+          </p:cNvPr>
+          <p:cNvSpPr>
+            <a:spLocks noGrp="1"/>
+          </p:cNvSpPr>
+          <p:nvPr>
+            <p:ph type="sldNum" sz="quarter" idx="11"/>
+          </p:nvPr>
+        </p:nvSpPr>
+        <p:spPr/>
+        <p:txBody>
+          <a:bodyPr/>
+          <a:lstStyle/>
+          <a:p>
+            <a:fld id="{19B51A1E-902D-48AF-9020-955120F399B6}" type="slidenum">
+              <a:rPr lang="en-ZA" smtClean="0"/>
+              <a:pPr/>
+              <a:t>10</a:t>
+            </a:fld>
+            <a:endParaRPr lang="en-ZA" dirty="0"/>
+          </a:p>
+        </p:txBody>
+      </p:sp>
+      <p:sp>
+        <p:nvSpPr>
+          <p:cNvPr id="4" name="Footer Placeholder 3">
+            <a:extLst>
+              <a:ext uri="{FF2B5EF4-FFF2-40B4-BE49-F238E27FC236}">
+                <a16:creationId xmlns:a16="http://schemas.microsoft.com/office/drawing/2014/main" id="{50D6945F-BD17-45B9-989C-DD613DFA6427}"/>
+              </a:ext>
+            </a:extLst>
+          </p:cNvPr>
+          <p:cNvSpPr>
+            <a:spLocks noGrp="1"/>
+          </p:cNvSpPr>
+          <p:nvPr>
+            <p:ph type="ftr" sz="quarter" idx="12"/>
+          </p:nvPr>
+        </p:nvSpPr>
+        <p:spPr/>
+        <p:txBody>
+          <a:bodyPr/>
+          <a:lstStyle/>
+          <a:p>
+            <a:r>
+              <a:rPr lang="en-ZA"/>
+              <a:t>Add a footer</a:t>
+            </a:r>
+            <a:endParaRPr lang="en-ZA" dirty="0"/>
+          </a:p>
+        </p:txBody>
+      </p:sp>
+      <p:sp>
+        <p:nvSpPr>
+          <p:cNvPr id="5" name="Title 4">
+            <a:extLst>
+              <a:ext uri="{FF2B5EF4-FFF2-40B4-BE49-F238E27FC236}">
+                <a16:creationId xmlns:a16="http://schemas.microsoft.com/office/drawing/2014/main" id="{76A3CA81-7A6C-47BC-8D67-926B325F8336}"/>
+              </a:ext>
+            </a:extLst>
+          </p:cNvPr>
+          <p:cNvSpPr>
+            <a:spLocks noGrp="1"/>
+          </p:cNvSpPr>
+          <p:nvPr>
+            <p:ph type="title"/>
+          </p:nvPr>
+        </p:nvSpPr>
+        <p:spPr/>
+        <p:txBody>
+          <a:bodyPr/>
+          <a:lstStyle/>
+          <a:p>
+            <a:r>
+              <a:rPr lang="en-US" dirty="0"/>
+              <a:t>Income Changes 2004 - 2015</a:t>
+            </a:r>
+          </a:p>
+        </p:txBody>
+      </p:sp>
       <p:pic>
         <p:nvPicPr>
-          <p:cNvPr id="8" name="Content Placeholder 7">
-            <a:extLst>
-              <a:ext uri="{FF2B5EF4-FFF2-40B4-BE49-F238E27FC236}">
-                <a16:creationId xmlns:a16="http://schemas.microsoft.com/office/drawing/2014/main" id="{6F512A9D-89DE-4721-9BD2-79480743D464}"/>
+          <p:cNvPr id="12" name="Picture 11">
+            <a:extLst>
+              <a:ext uri="{FF2B5EF4-FFF2-40B4-BE49-F238E27FC236}">
+                <a16:creationId xmlns:a16="http://schemas.microsoft.com/office/drawing/2014/main" id="{66ACE0A7-7116-4683-92EA-AEB7FE1C0EBE}"/>
               </a:ext>
             </a:extLst>
           </p:cNvPr>
           <p:cNvPicPr>
-            <a:picLocks noGrp="1" noChangeAspect="1"/>
+            <a:picLocks noChangeAspect="1"/>
           </p:cNvPicPr>
-          <p:nvPr>
-            <p:ph idx="1"/>
-          </p:nvPr>
+          <p:nvPr/>
         </p:nvPicPr>
         <p:blipFill>
           <a:blip r:embed="rId3"/>
@@ -22599,162 +24801,78 @@
         </p:blipFill>
         <p:spPr>
           <a:xfrm>
-            <a:off x="6096000" y="1599783"/>
-            <a:ext cx="5487650" cy="3658433"/>
-          </a:xfrm>
-        </p:spPr>
-      </p:pic>
-      <p:sp>
-        <p:nvSpPr>
-          <p:cNvPr id="3" name="Slide Number Placeholder 2">
-            <a:extLst>
-              <a:ext uri="{FF2B5EF4-FFF2-40B4-BE49-F238E27FC236}">
-                <a16:creationId xmlns:a16="http://schemas.microsoft.com/office/drawing/2014/main" id="{E6E438A9-7A49-4873-87AA-B00C0DE2FD1C}"/>
-              </a:ext>
-            </a:extLst>
-          </p:cNvPr>
-          <p:cNvSpPr>
-            <a:spLocks noGrp="1"/>
-          </p:cNvSpPr>
-          <p:nvPr>
-            <p:ph type="sldNum" sz="quarter" idx="11"/>
-          </p:nvPr>
-        </p:nvSpPr>
-        <p:spPr/>
-        <p:txBody>
-          <a:bodyPr/>
-          <a:lstStyle/>
-          <a:p>
-            <a:fld id="{19B51A1E-902D-48AF-9020-955120F399B6}" type="slidenum">
-              <a:rPr lang="en-ZA" smtClean="0"/>
-              <a:pPr/>
-              <a:t>10</a:t>
-            </a:fld>
-            <a:endParaRPr lang="en-ZA" dirty="0"/>
-          </a:p>
-        </p:txBody>
-      </p:sp>
-      <p:sp>
-        <p:nvSpPr>
-          <p:cNvPr id="4" name="Footer Placeholder 3">
-            <a:extLst>
-              <a:ext uri="{FF2B5EF4-FFF2-40B4-BE49-F238E27FC236}">
-                <a16:creationId xmlns:a16="http://schemas.microsoft.com/office/drawing/2014/main" id="{50D6945F-BD17-45B9-989C-DD613DFA6427}"/>
-              </a:ext>
-            </a:extLst>
-          </p:cNvPr>
-          <p:cNvSpPr>
-            <a:spLocks noGrp="1"/>
-          </p:cNvSpPr>
-          <p:nvPr>
-            <p:ph type="ftr" sz="quarter" idx="12"/>
-          </p:nvPr>
-        </p:nvSpPr>
-        <p:spPr/>
-        <p:txBody>
-          <a:bodyPr/>
-          <a:lstStyle/>
-          <a:p>
-            <a:r>
-              <a:rPr lang="en-ZA"/>
-              <a:t>Add a footer</a:t>
-            </a:r>
-            <a:endParaRPr lang="en-ZA" dirty="0"/>
-          </a:p>
-        </p:txBody>
-      </p:sp>
-      <p:sp>
-        <p:nvSpPr>
-          <p:cNvPr id="5" name="Title 4">
-            <a:extLst>
-              <a:ext uri="{FF2B5EF4-FFF2-40B4-BE49-F238E27FC236}">
-                <a16:creationId xmlns:a16="http://schemas.microsoft.com/office/drawing/2014/main" id="{76A3CA81-7A6C-47BC-8D67-926B325F8336}"/>
-              </a:ext>
-            </a:extLst>
-          </p:cNvPr>
-          <p:cNvSpPr>
-            <a:spLocks noGrp="1"/>
-          </p:cNvSpPr>
-          <p:nvPr>
-            <p:ph type="title"/>
-          </p:nvPr>
-        </p:nvSpPr>
-        <p:spPr/>
-        <p:txBody>
-          <a:bodyPr/>
-          <a:lstStyle/>
-          <a:p>
-            <a:r>
-              <a:rPr lang="en-US" dirty="0"/>
-              <a:t>Population Changes 2004 - 2015</a:t>
-            </a:r>
-          </a:p>
-        </p:txBody>
-      </p:sp>
-      <p:pic>
-        <p:nvPicPr>
-          <p:cNvPr id="10" name="Picture 9">
-            <a:extLst>
-              <a:ext uri="{FF2B5EF4-FFF2-40B4-BE49-F238E27FC236}">
-                <a16:creationId xmlns:a16="http://schemas.microsoft.com/office/drawing/2014/main" id="{013F1C41-7B34-4773-8AD5-36F14417DCF3}"/>
-              </a:ext>
-            </a:extLst>
-          </p:cNvPr>
-          <p:cNvPicPr>
-            <a:picLocks noChangeAspect="1"/>
-          </p:cNvPicPr>
-          <p:nvPr/>
-        </p:nvPicPr>
-        <p:blipFill>
-          <a:blip r:embed="rId4"/>
-          <a:stretch>
-            <a:fillRect/>
-          </a:stretch>
-        </p:blipFill>
-        <p:spPr>
-          <a:xfrm>
-            <a:off x="608350" y="1599783"/>
-            <a:ext cx="5487650" cy="3658433"/>
+            <a:off x="432000" y="5049722"/>
+            <a:ext cx="3824425" cy="1438275"/>
           </a:xfrm>
           <a:prstGeom prst="rect">
             <a:avLst/>
           </a:prstGeom>
         </p:spPr>
       </p:pic>
-      <p:pic>
-        <p:nvPicPr>
-          <p:cNvPr id="12" name="Picture 11">
-            <a:extLst>
-              <a:ext uri="{FF2B5EF4-FFF2-40B4-BE49-F238E27FC236}">
-                <a16:creationId xmlns:a16="http://schemas.microsoft.com/office/drawing/2014/main" id="{66ACE0A7-7116-4683-92EA-AEB7FE1C0EBE}"/>
-              </a:ext>
-            </a:extLst>
-          </p:cNvPr>
-          <p:cNvPicPr>
-            <a:picLocks noChangeAspect="1"/>
-          </p:cNvPicPr>
-          <p:nvPr/>
-        </p:nvPicPr>
-        <p:blipFill>
-          <a:blip r:embed="rId5"/>
-          <a:stretch>
-            <a:fillRect/>
-          </a:stretch>
-        </p:blipFill>
-        <p:spPr>
-          <a:xfrm>
-            <a:off x="608350" y="5049722"/>
-            <a:ext cx="3648075" cy="1438275"/>
-          </a:xfrm>
-          <a:prstGeom prst="rect">
-            <a:avLst/>
-          </a:prstGeom>
-        </p:spPr>
-      </p:pic>
+      <p:graphicFrame>
+        <p:nvGraphicFramePr>
+          <p:cNvPr id="11" name="Chart 10">
+            <a:extLst>
+              <a:ext uri="{FF2B5EF4-FFF2-40B4-BE49-F238E27FC236}">
+                <a16:creationId xmlns:a16="http://schemas.microsoft.com/office/drawing/2014/main" id="{99E14BEF-31D3-4136-BA88-71069B95D1ED}"/>
+              </a:ext>
+            </a:extLst>
+          </p:cNvPr>
+          <p:cNvGraphicFramePr>
+            <a:graphicFrameLocks/>
+          </p:cNvGraphicFramePr>
+          <p:nvPr>
+            <p:extLst>
+              <p:ext uri="{D42A27DB-BD31-4B8C-83A1-F6EECF244321}">
+                <p14:modId xmlns:p14="http://schemas.microsoft.com/office/powerpoint/2010/main" val="2102269419"/>
+              </p:ext>
+            </p:extLst>
+          </p:nvPr>
+        </p:nvGraphicFramePr>
+        <p:xfrm>
+          <a:off x="6096000" y="1417320"/>
+          <a:ext cx="5108775" cy="3505200"/>
+        </p:xfrm>
+        <a:graphic>
+          <a:graphicData uri="http://schemas.openxmlformats.org/drawingml/2006/chart">
+            <c:chart xmlns:c="http://schemas.openxmlformats.org/drawingml/2006/chart" xmlns:r="http://schemas.openxmlformats.org/officeDocument/2006/relationships" r:id="rId4"/>
+          </a:graphicData>
+        </a:graphic>
+      </p:graphicFrame>
+      <p:graphicFrame>
+        <p:nvGraphicFramePr>
+          <p:cNvPr id="13" name="Chart 12">
+            <a:extLst>
+              <a:ext uri="{FF2B5EF4-FFF2-40B4-BE49-F238E27FC236}">
+                <a16:creationId xmlns:a16="http://schemas.microsoft.com/office/drawing/2014/main" id="{B8877203-0EDD-43D0-974B-F28576D38468}"/>
+              </a:ext>
+            </a:extLst>
+          </p:cNvPr>
+          <p:cNvGraphicFramePr>
+            <a:graphicFrameLocks/>
+          </p:cNvGraphicFramePr>
+          <p:nvPr>
+            <p:extLst>
+              <p:ext uri="{D42A27DB-BD31-4B8C-83A1-F6EECF244321}">
+                <p14:modId xmlns:p14="http://schemas.microsoft.com/office/powerpoint/2010/main" val="3939603229"/>
+              </p:ext>
+            </p:extLst>
+          </p:nvPr>
+        </p:nvGraphicFramePr>
+        <p:xfrm>
+          <a:off x="432000" y="932798"/>
+          <a:ext cx="5081190" cy="3989722"/>
+        </p:xfrm>
+        <a:graphic>
+          <a:graphicData uri="http://schemas.openxmlformats.org/drawingml/2006/chart">
+            <c:chart xmlns:c="http://schemas.openxmlformats.org/drawingml/2006/chart" xmlns:r="http://schemas.openxmlformats.org/officeDocument/2006/relationships" r:id="rId5"/>
+          </a:graphicData>
+        </a:graphic>
+      </p:graphicFrame>
     </p:spTree>
     <p:extLst>
       <p:ext uri="{BB962C8B-B14F-4D97-AF65-F5344CB8AC3E}">
-        <p14:creationId xmlns:p14="http://schemas.microsoft.com/office/powerpoint/2010/main" val="2150049938"/>
+        <p14:creationId xmlns:p14="http://schemas.microsoft.com/office/powerpoint/2010/main" val="447612022"/>
       </p:ext>
     </p:extLst>
   </p:cSld>
@@ -22783,18 +24901,18 @@
       </p:grpSpPr>
       <p:sp>
         <p:nvSpPr>
-          <p:cNvPr id="2" name="Content Placeholder 1">
-            <a:extLst>
-              <a:ext uri="{FF2B5EF4-FFF2-40B4-BE49-F238E27FC236}">
-                <a16:creationId xmlns:a16="http://schemas.microsoft.com/office/drawing/2014/main" id="{73416882-5670-4C40-A366-8D841513824D}"/>
-              </a:ext>
-            </a:extLst>
-          </p:cNvPr>
-          <p:cNvSpPr>
-            <a:spLocks noGrp="1"/>
-          </p:cNvSpPr>
-          <p:nvPr>
-            <p:ph idx="1"/>
+          <p:cNvPr id="5" name="Footer Placeholder 4">
+            <a:extLst>
+              <a:ext uri="{FF2B5EF4-FFF2-40B4-BE49-F238E27FC236}">
+                <a16:creationId xmlns:a16="http://schemas.microsoft.com/office/drawing/2014/main" id="{798981C9-C6B7-494A-8742-2D006C95F934}"/>
+              </a:ext>
+            </a:extLst>
+          </p:cNvPr>
+          <p:cNvSpPr>
+            <a:spLocks noGrp="1"/>
+          </p:cNvSpPr>
+          <p:nvPr>
+            <p:ph type="ftr" sz="quarter" idx="12"/>
           </p:nvPr>
         </p:nvSpPr>
         <p:spPr/>
@@ -22803,61 +24921,18 @@
           <a:lstStyle/>
           <a:p>
             <a:r>
-              <a:rPr lang="en-US" sz="2000" dirty="0"/>
-              <a:t>Source</a:t>
-            </a:r>
-          </a:p>
-          <a:p>
-            <a:pPr lvl="1"/>
-            <a:r>
-              <a:rPr lang="en-US" sz="2000" dirty="0"/>
-              <a:t>Census data website using an API key.</a:t>
-            </a:r>
-          </a:p>
-          <a:p>
-            <a:r>
-              <a:rPr lang="en-US" sz="2000" dirty="0"/>
-              <a:t>Analysis</a:t>
-            </a:r>
-          </a:p>
-          <a:p>
-            <a:pPr lvl="1"/>
-            <a:r>
-              <a:rPr lang="en-US" sz="2000" dirty="0"/>
-              <a:t>Accessed data on the county, state, dates, median household income and median household income margins of error.</a:t>
-            </a:r>
-          </a:p>
-          <a:p>
-            <a:pPr lvl="1"/>
-            <a:r>
-              <a:rPr lang="en-US" sz="2000" dirty="0"/>
-              <a:t>State and County were removed as that was already located on the chart, leaving only the incomes, dates, and location.</a:t>
-            </a:r>
-          </a:p>
-          <a:p>
-            <a:r>
-              <a:rPr lang="en-US" sz="2000" dirty="0"/>
-              <a:t>Findings</a:t>
-            </a:r>
-          </a:p>
-          <a:p>
-            <a:r>
-              <a:rPr lang="en-US" sz="6600" dirty="0"/>
-              <a:t>NEED FINDINGS</a:t>
-            </a:r>
-          </a:p>
-          <a:p>
-            <a:pPr lvl="1"/>
-            <a:endParaRPr lang="en-US" sz="3000" dirty="0"/>
-          </a:p>
-        </p:txBody>
-      </p:sp>
-      <p:sp>
-        <p:nvSpPr>
-          <p:cNvPr id="3" name="Slide Number Placeholder 2">
-            <a:extLst>
-              <a:ext uri="{FF2B5EF4-FFF2-40B4-BE49-F238E27FC236}">
-                <a16:creationId xmlns:a16="http://schemas.microsoft.com/office/drawing/2014/main" id="{E6E438A9-7A49-4873-87AA-B00C0DE2FD1C}"/>
+              <a:rPr lang="en-ZA" dirty="0"/>
+              <a:t>Add a footer</a:t>
+            </a:r>
+          </a:p>
+        </p:txBody>
+      </p:sp>
+      <p:sp>
+        <p:nvSpPr>
+          <p:cNvPr id="4" name="Slide Number Placeholder 3">
+            <a:extLst>
+              <a:ext uri="{FF2B5EF4-FFF2-40B4-BE49-F238E27FC236}">
+                <a16:creationId xmlns:a16="http://schemas.microsoft.com/office/drawing/2014/main" id="{903F83A2-B38E-4405-A418-8BC7C1D25B8A}"/>
               </a:ext>
             </a:extLst>
           </p:cNvPr>
@@ -22882,69 +24957,42 @@
           </a:p>
         </p:txBody>
       </p:sp>
-      <p:sp>
-        <p:nvSpPr>
-          <p:cNvPr id="4" name="Footer Placeholder 3">
-            <a:extLst>
-              <a:ext uri="{FF2B5EF4-FFF2-40B4-BE49-F238E27FC236}">
-                <a16:creationId xmlns:a16="http://schemas.microsoft.com/office/drawing/2014/main" id="{50D6945F-BD17-45B9-989C-DD613DFA6427}"/>
-              </a:ext>
-            </a:extLst>
-          </p:cNvPr>
-          <p:cNvSpPr>
-            <a:spLocks noGrp="1"/>
-          </p:cNvSpPr>
-          <p:nvPr>
-            <p:ph type="ftr" sz="quarter" idx="12"/>
-          </p:nvPr>
-        </p:nvSpPr>
-        <p:spPr/>
-        <p:txBody>
-          <a:bodyPr/>
-          <a:lstStyle/>
-          <a:p>
-            <a:r>
-              <a:rPr lang="en-ZA"/>
-              <a:t>Add a footer</a:t>
-            </a:r>
-            <a:endParaRPr lang="en-ZA" dirty="0"/>
-          </a:p>
-        </p:txBody>
-      </p:sp>
-      <p:sp>
-        <p:nvSpPr>
-          <p:cNvPr id="5" name="Title 4">
-            <a:extLst>
-              <a:ext uri="{FF2B5EF4-FFF2-40B4-BE49-F238E27FC236}">
-                <a16:creationId xmlns:a16="http://schemas.microsoft.com/office/drawing/2014/main" id="{76A3CA81-7A6C-47BC-8D67-926B325F8336}"/>
-              </a:ext>
-            </a:extLst>
-          </p:cNvPr>
-          <p:cNvSpPr>
-            <a:spLocks noGrp="1"/>
-          </p:cNvSpPr>
-          <p:nvPr>
-            <p:ph type="title"/>
-          </p:nvPr>
-        </p:nvSpPr>
-        <p:spPr/>
-        <p:txBody>
-          <a:bodyPr/>
-          <a:lstStyle/>
-          <a:p>
-            <a:r>
-              <a:rPr lang="en-US" dirty="0"/>
-              <a:t>Median Household Income</a:t>
-            </a:r>
-          </a:p>
-        </p:txBody>
-      </p:sp>
       <p:pic>
         <p:nvPicPr>
-          <p:cNvPr id="6" name="Picture 5">
-            <a:extLst>
-              <a:ext uri="{FF2B5EF4-FFF2-40B4-BE49-F238E27FC236}">
-                <a16:creationId xmlns:a16="http://schemas.microsoft.com/office/drawing/2014/main" id="{6A60BB85-AFAC-40A7-9CDF-A0706FF9F652}"/>
+          <p:cNvPr id="18" name="Picture 17">
+            <a:extLst>
+              <a:ext uri="{FF2B5EF4-FFF2-40B4-BE49-F238E27FC236}">
+                <a16:creationId xmlns:a16="http://schemas.microsoft.com/office/drawing/2014/main" id="{EDB70AF6-AFC6-4D79-9DF6-EC6157A8BAD4}"/>
+              </a:ext>
+            </a:extLst>
+          </p:cNvPr>
+          <p:cNvPicPr>
+            <a:picLocks noChangeAspect="1"/>
+          </p:cNvPicPr>
+          <p:nvPr/>
+        </p:nvPicPr>
+        <p:blipFill>
+          <a:blip r:embed="rId2"/>
+          <a:stretch>
+            <a:fillRect/>
+          </a:stretch>
+        </p:blipFill>
+        <p:spPr>
+          <a:xfrm>
+            <a:off x="1116676" y="583447"/>
+            <a:ext cx="3778053" cy="5255272"/>
+          </a:xfrm>
+          <a:prstGeom prst="rect">
+            <a:avLst/>
+          </a:prstGeom>
+        </p:spPr>
+      </p:pic>
+      <p:pic>
+        <p:nvPicPr>
+          <p:cNvPr id="21" name="Picture 20">
+            <a:extLst>
+              <a:ext uri="{FF2B5EF4-FFF2-40B4-BE49-F238E27FC236}">
+                <a16:creationId xmlns:a16="http://schemas.microsoft.com/office/drawing/2014/main" id="{96F8EE92-EEDB-4D5D-890A-81F9F21F4853}"/>
               </a:ext>
             </a:extLst>
           </p:cNvPr>
@@ -22961,18 +25009,77 @@
         </p:blipFill>
         <p:spPr>
           <a:xfrm>
-            <a:off x="424370" y="4775346"/>
-            <a:ext cx="3648075" cy="1438275"/>
+            <a:off x="5893724" y="583447"/>
+            <a:ext cx="5181600" cy="3105150"/>
           </a:xfrm>
           <a:prstGeom prst="rect">
             <a:avLst/>
           </a:prstGeom>
         </p:spPr>
       </p:pic>
+      <p:sp>
+        <p:nvSpPr>
+          <p:cNvPr id="22" name="TextBox 21">
+            <a:extLst>
+              <a:ext uri="{FF2B5EF4-FFF2-40B4-BE49-F238E27FC236}">
+                <a16:creationId xmlns:a16="http://schemas.microsoft.com/office/drawing/2014/main" id="{4A8B2E23-11AE-4E43-AC13-857FB87FEB9B}"/>
+              </a:ext>
+            </a:extLst>
+          </p:cNvPr>
+          <p:cNvSpPr txBox="1"/>
+          <p:nvPr/>
+        </p:nvSpPr>
+        <p:spPr>
+          <a:xfrm>
+            <a:off x="5529431" y="3887967"/>
+            <a:ext cx="5545893" cy="1323439"/>
+          </a:xfrm>
+          <a:prstGeom prst="rect">
+            <a:avLst/>
+          </a:prstGeom>
+          <a:noFill/>
+        </p:spPr>
+        <p:txBody>
+          <a:bodyPr wrap="square" rtlCol="0">
+            <a:spAutoFit/>
+          </a:bodyPr>
+          <a:lstStyle/>
+          <a:p>
+            <a:pPr marL="285750" indent="-285750">
+              <a:buFont typeface="Arial" panose="020B0604020202020204" pitchFamily="34" charset="0"/>
+              <a:buChar char="•"/>
+            </a:pPr>
+            <a:r>
+              <a:rPr lang="en-US" sz="2000" dirty="0"/>
+              <a:t>Left Top – Galveston Island before Hurricane Ike</a:t>
+            </a:r>
+          </a:p>
+          <a:p>
+            <a:pPr marL="285750" indent="-285750">
+              <a:buFont typeface="Arial" panose="020B0604020202020204" pitchFamily="34" charset="0"/>
+              <a:buChar char="•"/>
+            </a:pPr>
+            <a:r>
+              <a:rPr lang="en-US" sz="2000" dirty="0"/>
+              <a:t>Left Bottom – Galveston Island after Ike</a:t>
+            </a:r>
+          </a:p>
+          <a:p>
+            <a:pPr marL="285750" indent="-285750">
+              <a:buFont typeface="Arial" panose="020B0604020202020204" pitchFamily="34" charset="0"/>
+              <a:buChar char="•"/>
+            </a:pPr>
+            <a:r>
+              <a:rPr lang="en-US" sz="2000" dirty="0"/>
+              <a:t>Right – Louisa County , VA after 5.8 East Coast Earthquake 2011</a:t>
+            </a:r>
+          </a:p>
+        </p:txBody>
+      </p:sp>
     </p:spTree>
     <p:extLst>
       <p:ext uri="{BB962C8B-B14F-4D97-AF65-F5344CB8AC3E}">
-        <p14:creationId xmlns:p14="http://schemas.microsoft.com/office/powerpoint/2010/main" val="2594962577"/>
+        <p14:creationId xmlns:p14="http://schemas.microsoft.com/office/powerpoint/2010/main" val="3515958340"/>
       </p:ext>
     </p:extLst>
   </p:cSld>
@@ -22985,6 +25092,14 @@
 <file path=ppt/slides/slide12.xml><?xml version="1.0" encoding="utf-8"?>
 <p:sld xmlns:a="http://schemas.openxmlformats.org/drawingml/2006/main" xmlns:r="http://schemas.openxmlformats.org/officeDocument/2006/relationships" xmlns:p="http://schemas.openxmlformats.org/presentationml/2006/main">
   <p:cSld>
+    <p:bg>
+      <p:bgPr>
+        <a:solidFill>
+          <a:schemeClr val="bg1"/>
+        </a:solidFill>
+        <a:effectLst/>
+      </p:bgPr>
+    </p:bg>
     <p:spTree>
       <p:nvGrpSpPr>
         <p:cNvPr id="1" name=""/>
@@ -22999,117 +25114,37 @@
           <a:chExt cx="0" cy="0"/>
         </a:xfrm>
       </p:grpSpPr>
-      <p:sp>
-        <p:nvSpPr>
-          <p:cNvPr id="3" name="Slide Number Placeholder 2">
-            <a:extLst>
-              <a:ext uri="{FF2B5EF4-FFF2-40B4-BE49-F238E27FC236}">
-                <a16:creationId xmlns:a16="http://schemas.microsoft.com/office/drawing/2014/main" id="{E6E438A9-7A49-4873-87AA-B00C0DE2FD1C}"/>
-              </a:ext>
-            </a:extLst>
-          </p:cNvPr>
-          <p:cNvSpPr>
-            <a:spLocks noGrp="1"/>
-          </p:cNvSpPr>
-          <p:nvPr>
-            <p:ph type="sldNum" sz="quarter" idx="11"/>
-          </p:nvPr>
-        </p:nvSpPr>
-        <p:spPr/>
-        <p:txBody>
-          <a:bodyPr/>
-          <a:lstStyle/>
-          <a:p>
-            <a:fld id="{19B51A1E-902D-48AF-9020-955120F399B6}" type="slidenum">
-              <a:rPr lang="en-ZA" smtClean="0"/>
-              <a:pPr/>
-              <a:t>12</a:t>
-            </a:fld>
-            <a:endParaRPr lang="en-ZA" dirty="0"/>
-          </a:p>
-        </p:txBody>
-      </p:sp>
-      <p:sp>
-        <p:nvSpPr>
-          <p:cNvPr id="4" name="Footer Placeholder 3">
-            <a:extLst>
-              <a:ext uri="{FF2B5EF4-FFF2-40B4-BE49-F238E27FC236}">
-                <a16:creationId xmlns:a16="http://schemas.microsoft.com/office/drawing/2014/main" id="{50D6945F-BD17-45B9-989C-DD613DFA6427}"/>
-              </a:ext>
-            </a:extLst>
-          </p:cNvPr>
-          <p:cNvSpPr>
-            <a:spLocks noGrp="1"/>
-          </p:cNvSpPr>
-          <p:nvPr>
-            <p:ph type="ftr" sz="quarter" idx="12"/>
-          </p:nvPr>
-        </p:nvSpPr>
-        <p:spPr/>
-        <p:txBody>
-          <a:bodyPr/>
-          <a:lstStyle/>
-          <a:p>
-            <a:r>
-              <a:rPr lang="en-ZA"/>
-              <a:t>Add a footer</a:t>
-            </a:r>
-            <a:endParaRPr lang="en-ZA" dirty="0"/>
-          </a:p>
-        </p:txBody>
-      </p:sp>
-      <p:sp>
-        <p:nvSpPr>
-          <p:cNvPr id="5" name="Title 4">
-            <a:extLst>
-              <a:ext uri="{FF2B5EF4-FFF2-40B4-BE49-F238E27FC236}">
-                <a16:creationId xmlns:a16="http://schemas.microsoft.com/office/drawing/2014/main" id="{76A3CA81-7A6C-47BC-8D67-926B325F8336}"/>
-              </a:ext>
-            </a:extLst>
-          </p:cNvPr>
-          <p:cNvSpPr>
-            <a:spLocks noGrp="1"/>
-          </p:cNvSpPr>
-          <p:nvPr>
-            <p:ph type="title"/>
-          </p:nvPr>
-        </p:nvSpPr>
-        <p:spPr/>
-        <p:txBody>
-          <a:bodyPr/>
-          <a:lstStyle/>
-          <a:p>
-            <a:r>
-              <a:rPr lang="en-US" dirty="0"/>
-              <a:t>Income Changes 2004 - 2015</a:t>
-            </a:r>
-          </a:p>
-        </p:txBody>
-      </p:sp>
       <p:pic>
         <p:nvPicPr>
-          <p:cNvPr id="12" name="Picture 11">
-            <a:extLst>
-              <a:ext uri="{FF2B5EF4-FFF2-40B4-BE49-F238E27FC236}">
-                <a16:creationId xmlns:a16="http://schemas.microsoft.com/office/drawing/2014/main" id="{66ACE0A7-7116-4683-92EA-AEB7FE1C0EBE}"/>
+          <p:cNvPr id="10" name="Picture Placeholder 9">
+            <a:extLst>
+              <a:ext uri="{FF2B5EF4-FFF2-40B4-BE49-F238E27FC236}">
+                <a16:creationId xmlns:a16="http://schemas.microsoft.com/office/drawing/2014/main" id="{9663686B-44B2-425C-9F15-899A0641AA7D}"/>
               </a:ext>
             </a:extLst>
           </p:cNvPr>
           <p:cNvPicPr>
-            <a:picLocks noChangeAspect="1"/>
+            <a:picLocks noGrp="1" noChangeAspect="1"/>
           </p:cNvPicPr>
-          <p:nvPr/>
+          <p:nvPr>
+            <p:ph type="pic" sz="quarter" idx="16"/>
+          </p:nvPr>
         </p:nvPicPr>
-        <p:blipFill>
-          <a:blip r:embed="rId3"/>
-          <a:stretch>
-            <a:fillRect/>
-          </a:stretch>
+        <p:blipFill rotWithShape="1">
+          <a:blip r:embed="rId2">
+            <a:extLst>
+              <a:ext uri="{837473B0-CC2E-450A-ABE3-18F120FF3D39}">
+                <a1611:picAttrSrcUrl xmlns:a1611="http://schemas.microsoft.com/office/drawing/2016/11/main" r:id="rId3"/>
+              </a:ext>
+            </a:extLst>
+          </a:blip>
+          <a:srcRect t="15296" r="-1" b="15492"/>
+          <a:stretch/>
         </p:blipFill>
         <p:spPr>
           <a:xfrm>
-            <a:off x="608350" y="5049722"/>
-            <a:ext cx="3648075" cy="1438275"/>
+            <a:off x="20" y="3579"/>
+            <a:ext cx="12188932" cy="6854421"/>
           </a:xfrm>
           <a:prstGeom prst="rect">
             <a:avLst/>
@@ -23118,41 +25153,513 @@
       </p:pic>
       <p:sp>
         <p:nvSpPr>
-          <p:cNvPr id="6" name="Content Placeholder 5">
-            <a:extLst>
-              <a:ext uri="{FF2B5EF4-FFF2-40B4-BE49-F238E27FC236}">
-                <a16:creationId xmlns:a16="http://schemas.microsoft.com/office/drawing/2014/main" id="{BAA4BF61-66CF-4548-9F2D-9CB1250BE615}"/>
-              </a:ext>
-            </a:extLst>
-          </p:cNvPr>
-          <p:cNvSpPr>
-            <a:spLocks noGrp="1"/>
-          </p:cNvSpPr>
-          <p:nvPr>
-            <p:ph idx="1"/>
-          </p:nvPr>
-        </p:nvSpPr>
-        <p:spPr/>
-        <p:txBody>
-          <a:bodyPr/>
+          <p:cNvPr id="55" name="Rectangle 23">
+            <a:extLst>
+              <a:ext uri="{FF2B5EF4-FFF2-40B4-BE49-F238E27FC236}">
+                <a16:creationId xmlns:a16="http://schemas.microsoft.com/office/drawing/2014/main" id="{681CD866-52B5-4280-A92B-56BDFD1E9A12}"/>
+              </a:ext>
+              <a:ext uri="{C183D7F6-B498-43B3-948B-1728B52AA6E4}">
+                <adec:decorative xmlns:adec="http://schemas.microsoft.com/office/drawing/2017/decorative" val="1"/>
+              </a:ext>
+            </a:extLst>
+          </p:cNvPr>
+          <p:cNvSpPr>
+            <a:spLocks noGrp="1" noRot="1" noChangeAspect="1" noMove="1" noResize="1" noEditPoints="1" noAdjustHandles="1" noChangeArrowheads="1" noChangeShapeType="1" noTextEdit="1"/>
+          </p:cNvSpPr>
+          <p:nvPr>
+            <p:extLst>
+              <p:ext uri="{386F3935-93C4-4BCD-93E2-E3B085C9AB24}">
+                <p16:designElem xmlns:p16="http://schemas.microsoft.com/office/powerpoint/2015/main" val="1"/>
+              </p:ext>
+            </p:extLst>
+          </p:nvPr>
+        </p:nvSpPr>
+        <p:spPr>
+          <a:xfrm>
+            <a:off x="6089648" y="0"/>
+            <a:ext cx="6102351" cy="6858000"/>
+          </a:xfrm>
+          <a:prstGeom prst="rect">
+            <a:avLst/>
+          </a:prstGeom>
+          <a:solidFill>
+            <a:schemeClr val="bg1">
+              <a:lumMod val="95000"/>
+              <a:lumOff val="5000"/>
+              <a:alpha val="85000"/>
+            </a:schemeClr>
+          </a:solidFill>
+          <a:ln>
+            <a:noFill/>
+          </a:ln>
+        </p:spPr>
+        <p:style>
+          <a:lnRef idx="2">
+            <a:schemeClr val="accent1">
+              <a:shade val="50000"/>
+            </a:schemeClr>
+          </a:lnRef>
+          <a:fillRef idx="1">
+            <a:schemeClr val="accent1"/>
+          </a:fillRef>
+          <a:effectRef idx="0">
+            <a:schemeClr val="accent1"/>
+          </a:effectRef>
+          <a:fontRef idx="minor">
+            <a:schemeClr val="lt1"/>
+          </a:fontRef>
+        </p:style>
+        <p:txBody>
+          <a:bodyPr rtlCol="0" anchor="ctr"/>
           <a:lstStyle/>
           <a:p>
-            <a:r>
-              <a:rPr lang="en-US" sz="9600" dirty="0"/>
-              <a:t>NEED PNG IMAGES</a:t>
-            </a:r>
+            <a:pPr marL="0" marR="0" lvl="0" indent="0" algn="ctr" defTabSz="914400" rtl="0" eaLnBrk="1" fontAlgn="auto" latinLnBrk="0" hangingPunct="1">
+              <a:lnSpc>
+                <a:spcPct val="100000"/>
+              </a:lnSpc>
+              <a:spcBef>
+                <a:spcPts val="0"/>
+              </a:spcBef>
+              <a:spcAft>
+                <a:spcPts val="0"/>
+              </a:spcAft>
+              <a:buClrTx/>
+              <a:buSzTx/>
+              <a:buFontTx/>
+              <a:buNone/>
+              <a:tabLst/>
+              <a:defRPr/>
+            </a:pPr>
+            <a:endParaRPr kumimoji="0" lang="en-US" sz="1800" b="0" i="0" u="none" strike="noStrike" kern="1200" cap="none" spc="0" normalizeH="0" baseline="0" noProof="0">
+              <a:ln>
+                <a:noFill/>
+              </a:ln>
+              <a:solidFill>
+                <a:prstClr val="white"/>
+              </a:solidFill>
+              <a:effectLst/>
+              <a:uLnTx/>
+              <a:uFillTx/>
+              <a:latin typeface="Calibri" panose="020F0502020204030204"/>
+              <a:ea typeface="+mn-ea"/>
+              <a:cs typeface="+mn-cs"/>
+            </a:endParaRPr>
+          </a:p>
+        </p:txBody>
+      </p:sp>
+      <p:sp>
+        <p:nvSpPr>
+          <p:cNvPr id="26" name="Rectangle 25">
+            <a:extLst>
+              <a:ext uri="{FF2B5EF4-FFF2-40B4-BE49-F238E27FC236}">
+                <a16:creationId xmlns:a16="http://schemas.microsoft.com/office/drawing/2014/main" id="{96EEF187-8434-4B76-BE40-006EEBB263CF}"/>
+              </a:ext>
+              <a:ext uri="{C183D7F6-B498-43B3-948B-1728B52AA6E4}">
+                <adec:decorative xmlns:adec="http://schemas.microsoft.com/office/drawing/2017/decorative" val="1"/>
+              </a:ext>
+            </a:extLst>
+          </p:cNvPr>
+          <p:cNvSpPr>
+            <a:spLocks noGrp="1" noRot="1" noChangeAspect="1" noMove="1" noResize="1" noEditPoints="1" noAdjustHandles="1" noChangeArrowheads="1" noChangeShapeType="1" noTextEdit="1"/>
+          </p:cNvSpPr>
+          <p:nvPr>
+            <p:extLst>
+              <p:ext uri="{386F3935-93C4-4BCD-93E2-E3B085C9AB24}">
+                <p16:designElem xmlns:p16="http://schemas.microsoft.com/office/powerpoint/2015/main" val="1"/>
+              </p:ext>
+            </p:extLst>
+          </p:nvPr>
+        </p:nvSpPr>
+        <p:spPr>
+          <a:xfrm>
+            <a:off x="0" y="0"/>
+            <a:ext cx="6102351" cy="6858000"/>
+          </a:xfrm>
+          <a:prstGeom prst="rect">
+            <a:avLst/>
+          </a:prstGeom>
+          <a:solidFill>
+            <a:schemeClr val="bg1">
+              <a:lumMod val="95000"/>
+              <a:lumOff val="5000"/>
+              <a:alpha val="60000"/>
+            </a:schemeClr>
+          </a:solidFill>
+          <a:ln>
+            <a:noFill/>
+          </a:ln>
+        </p:spPr>
+        <p:style>
+          <a:lnRef idx="2">
+            <a:schemeClr val="accent1">
+              <a:shade val="50000"/>
+            </a:schemeClr>
+          </a:lnRef>
+          <a:fillRef idx="1">
+            <a:schemeClr val="accent1"/>
+          </a:fillRef>
+          <a:effectRef idx="0">
+            <a:schemeClr val="accent1"/>
+          </a:effectRef>
+          <a:fontRef idx="minor">
+            <a:schemeClr val="lt1"/>
+          </a:fontRef>
+        </p:style>
+        <p:txBody>
+          <a:bodyPr rtlCol="0" anchor="ctr"/>
+          <a:lstStyle/>
+          <a:p>
+            <a:pPr marL="0" marR="0" lvl="0" indent="0" algn="ctr" defTabSz="914400" rtl="0" eaLnBrk="1" fontAlgn="auto" latinLnBrk="0" hangingPunct="1">
+              <a:lnSpc>
+                <a:spcPct val="100000"/>
+              </a:lnSpc>
+              <a:spcBef>
+                <a:spcPts val="0"/>
+              </a:spcBef>
+              <a:spcAft>
+                <a:spcPts val="0"/>
+              </a:spcAft>
+              <a:buClrTx/>
+              <a:buSzTx/>
+              <a:buFontTx/>
+              <a:buNone/>
+              <a:tabLst/>
+              <a:defRPr/>
+            </a:pPr>
+            <a:endParaRPr kumimoji="0" lang="en-US" sz="1800" b="0" i="0" u="none" strike="noStrike" kern="1200" cap="none" spc="0" normalizeH="0" baseline="0" noProof="0">
+              <a:ln>
+                <a:noFill/>
+              </a:ln>
+              <a:solidFill>
+                <a:prstClr val="white"/>
+              </a:solidFill>
+              <a:effectLst/>
+              <a:uLnTx/>
+              <a:uFillTx/>
+              <a:latin typeface="Calibri" panose="020F0502020204030204"/>
+              <a:ea typeface="+mn-ea"/>
+              <a:cs typeface="+mn-cs"/>
+            </a:endParaRPr>
+          </a:p>
+        </p:txBody>
+      </p:sp>
+      <p:sp>
+        <p:nvSpPr>
+          <p:cNvPr id="2" name="Title 1">
+            <a:extLst>
+              <a:ext uri="{FF2B5EF4-FFF2-40B4-BE49-F238E27FC236}">
+                <a16:creationId xmlns:a16="http://schemas.microsoft.com/office/drawing/2014/main" id="{63E41472-323F-47B9-8C9E-D3B43CA30C02}"/>
+              </a:ext>
+            </a:extLst>
+          </p:cNvPr>
+          <p:cNvSpPr>
+            <a:spLocks noGrp="1"/>
+          </p:cNvSpPr>
+          <p:nvPr>
+            <p:ph type="ctrTitle"/>
+          </p:nvPr>
+        </p:nvSpPr>
+        <p:spPr>
+          <a:xfrm>
+            <a:off x="1282620" y="1748771"/>
+            <a:ext cx="3498979" cy="3360458"/>
+          </a:xfrm>
+        </p:spPr>
+        <p:txBody>
+          <a:bodyPr vert="horz" lIns="91440" tIns="45720" rIns="91440" bIns="45720" rtlCol="0" anchor="ctr">
+            <a:normAutofit/>
+          </a:bodyPr>
+          <a:lstStyle/>
+          <a:p>
+            <a:pPr algn="ctr"/>
+            <a:r>
+              <a:rPr lang="en-US" sz="4400" kern="1200">
+                <a:solidFill>
+                  <a:schemeClr val="tx1"/>
+                </a:solidFill>
+                <a:latin typeface="+mj-lt"/>
+                <a:ea typeface="+mj-ea"/>
+                <a:cs typeface="+mj-cs"/>
+              </a:rPr>
+              <a:t>     Conclusion</a:t>
+            </a:r>
+          </a:p>
+        </p:txBody>
+      </p:sp>
+      <p:pic>
+        <p:nvPicPr>
+          <p:cNvPr id="12" name="Picture Placeholder 11">
+            <a:extLst>
+              <a:ext uri="{FF2B5EF4-FFF2-40B4-BE49-F238E27FC236}">
+                <a16:creationId xmlns:a16="http://schemas.microsoft.com/office/drawing/2014/main" id="{C640A70E-BC90-4E9E-97DF-9D7362FEEC64}"/>
+              </a:ext>
+            </a:extLst>
+          </p:cNvPr>
+          <p:cNvPicPr>
+            <a:picLocks noGrp="1" noChangeAspect="1"/>
+          </p:cNvPicPr>
+          <p:nvPr>
+            <p:ph type="pic" sz="quarter" idx="17"/>
+          </p:nvPr>
+        </p:nvPicPr>
+        <p:blipFill rotWithShape="1">
+          <a:blip r:embed="rId4">
+            <a:extLst>
+              <a:ext uri="{BEBA8EAE-BF5A-486C-A8C5-ECC9F3942E4B}">
+                <a14:imgProps xmlns:a14="http://schemas.microsoft.com/office/drawing/2010/main">
+                  <a14:imgLayer r:embed="rId5">
+                    <a14:imgEffect>
+                      <a14:saturation sat="0"/>
+                    </a14:imgEffect>
+                  </a14:imgLayer>
+                </a14:imgProps>
+              </a:ext>
+              <a:ext uri="{837473B0-CC2E-450A-ABE3-18F120FF3D39}">
+                <a1611:picAttrSrcUrl xmlns:a1611="http://schemas.microsoft.com/office/drawing/2016/11/main" r:id="rId6"/>
+              </a:ext>
+            </a:extLst>
+          </a:blip>
+          <a:srcRect t="5444" r="4" b="17919"/>
+          <a:stretch/>
+        </p:blipFill>
+        <p:spPr>
+          <a:xfrm>
+            <a:off x="6883401" y="803191"/>
+            <a:ext cx="4516920" cy="2385915"/>
+          </a:xfrm>
+          <a:prstGeom prst="rect">
+            <a:avLst/>
+          </a:prstGeom>
+        </p:spPr>
+      </p:pic>
+      <p:sp>
+        <p:nvSpPr>
+          <p:cNvPr id="8" name="Text Placeholder 7">
+            <a:extLst>
+              <a:ext uri="{FF2B5EF4-FFF2-40B4-BE49-F238E27FC236}">
+                <a16:creationId xmlns:a16="http://schemas.microsoft.com/office/drawing/2014/main" id="{937AF956-2A90-4422-A3C2-A6109BD133BA}"/>
+              </a:ext>
+            </a:extLst>
+          </p:cNvPr>
+          <p:cNvSpPr>
+            <a:spLocks noGrp="1"/>
+          </p:cNvSpPr>
+          <p:nvPr>
+            <p:ph type="body" sz="quarter" idx="18"/>
+          </p:nvPr>
+        </p:nvSpPr>
+        <p:spPr>
+          <a:xfrm>
+            <a:off x="6883401" y="3676052"/>
+            <a:ext cx="4516920" cy="2375756"/>
+          </a:xfrm>
+        </p:spPr>
+        <p:txBody>
+          <a:bodyPr vert="horz" lIns="91440" tIns="45720" rIns="91440" bIns="45720" rtlCol="0" anchor="ctr">
+            <a:normAutofit/>
+          </a:bodyPr>
+          <a:lstStyle/>
+          <a:p>
+            <a:pPr indent="-228600">
+              <a:buFont typeface="Arial" panose="020B0604020202020204" pitchFamily="34" charset="0"/>
+              <a:buChar char="•"/>
+            </a:pPr>
+            <a:r>
+              <a:rPr lang="en-US" sz="1400">
+                <a:solidFill>
+                  <a:schemeClr val="tx1"/>
+                </a:solidFill>
+              </a:rPr>
+              <a:t>Virginia is more compliant with the FBI’s new crime reporting system than Texas</a:t>
+            </a:r>
+          </a:p>
+          <a:p>
+            <a:pPr indent="-228600">
+              <a:buFont typeface="Arial" panose="020B0604020202020204" pitchFamily="34" charset="0"/>
+              <a:buChar char="•"/>
+            </a:pPr>
+            <a:r>
+              <a:rPr lang="en-US" sz="1400" noProof="1">
+                <a:solidFill>
+                  <a:schemeClr val="tx1"/>
+                </a:solidFill>
+              </a:rPr>
+              <a:t>One reason crime rates dropped after Ike could be because of increased police presence and enforcement</a:t>
+            </a:r>
+          </a:p>
+          <a:p>
+            <a:pPr indent="-228600">
+              <a:buFont typeface="Arial" panose="020B0604020202020204" pitchFamily="34" charset="0"/>
+              <a:buChar char="•"/>
+            </a:pPr>
+            <a:r>
+              <a:rPr lang="en-US" sz="1400" noProof="1">
+                <a:solidFill>
+                  <a:schemeClr val="tx1"/>
+                </a:solidFill>
+              </a:rPr>
+              <a:t>An Earthquake occurring in Virginia is rare and a 5.8 is quite sizable. Before this quake, the largest on record for VA was 4.8 in 1875</a:t>
+            </a:r>
+          </a:p>
+          <a:p>
+            <a:pPr indent="-228600">
+              <a:buFont typeface="Arial" panose="020B0604020202020204" pitchFamily="34" charset="0"/>
+              <a:buChar char="•"/>
+            </a:pPr>
+            <a:endParaRPr lang="en-US" sz="1400" noProof="1">
+              <a:solidFill>
+                <a:schemeClr val="tx1"/>
+              </a:solidFill>
+            </a:endParaRPr>
+          </a:p>
+          <a:p>
+            <a:pPr indent="-228600">
+              <a:buFont typeface="Arial" panose="020B0604020202020204" pitchFamily="34" charset="0"/>
+              <a:buChar char="•"/>
+            </a:pPr>
+            <a:r>
+              <a:rPr lang="en-US" sz="1400" noProof="1">
+                <a:solidFill>
+                  <a:schemeClr val="tx1"/>
+                </a:solidFill>
+              </a:rPr>
+              <a:t>NEED MORE CONCLUSIONS</a:t>
+            </a:r>
+          </a:p>
+          <a:p>
+            <a:pPr indent="-228600">
+              <a:buFont typeface="Arial" panose="020B0604020202020204" pitchFamily="34" charset="0"/>
+              <a:buChar char="•"/>
+            </a:pPr>
+            <a:endParaRPr lang="en-US" sz="1400" noProof="1">
+              <a:solidFill>
+                <a:schemeClr val="tx1"/>
+              </a:solidFill>
+            </a:endParaRPr>
+          </a:p>
+        </p:txBody>
+      </p:sp>
+      <p:sp>
+        <p:nvSpPr>
+          <p:cNvPr id="5" name="Footer Placeholder 4">
+            <a:extLst>
+              <a:ext uri="{FF2B5EF4-FFF2-40B4-BE49-F238E27FC236}">
+                <a16:creationId xmlns:a16="http://schemas.microsoft.com/office/drawing/2014/main" id="{798981C9-C6B7-494A-8742-2D006C95F934}"/>
+              </a:ext>
+            </a:extLst>
+          </p:cNvPr>
+          <p:cNvSpPr>
+            <a:spLocks noGrp="1"/>
+          </p:cNvSpPr>
+          <p:nvPr>
+            <p:ph type="ftr" sz="quarter" idx="12"/>
+          </p:nvPr>
+        </p:nvSpPr>
+        <p:spPr>
+          <a:xfrm>
+            <a:off x="6898916" y="6356350"/>
+            <a:ext cx="3756383" cy="365125"/>
+          </a:xfrm>
+        </p:spPr>
+        <p:txBody>
+          <a:bodyPr vert="horz" lIns="91440" tIns="45720" rIns="91440" bIns="45720" rtlCol="0" anchor="ctr">
+            <a:normAutofit/>
+          </a:bodyPr>
+          <a:lstStyle/>
+          <a:p>
+            <a:pPr algn="l">
+              <a:spcAft>
+                <a:spcPts val="600"/>
+              </a:spcAft>
+            </a:pPr>
+            <a:r>
+              <a:rPr lang="en-US" kern="1200">
+                <a:solidFill>
+                  <a:schemeClr val="tx1"/>
+                </a:solidFill>
+                <a:latin typeface="+mn-lt"/>
+                <a:ea typeface="+mn-ea"/>
+                <a:cs typeface="+mn-cs"/>
+              </a:rPr>
+              <a:t>Add a footer</a:t>
+            </a:r>
+          </a:p>
+        </p:txBody>
+      </p:sp>
+      <p:sp>
+        <p:nvSpPr>
+          <p:cNvPr id="4" name="Slide Number Placeholder 3">
+            <a:extLst>
+              <a:ext uri="{FF2B5EF4-FFF2-40B4-BE49-F238E27FC236}">
+                <a16:creationId xmlns:a16="http://schemas.microsoft.com/office/drawing/2014/main" id="{903F83A2-B38E-4405-A418-8BC7C1D25B8A}"/>
+              </a:ext>
+            </a:extLst>
+          </p:cNvPr>
+          <p:cNvSpPr>
+            <a:spLocks noGrp="1"/>
+          </p:cNvSpPr>
+          <p:nvPr>
+            <p:ph type="sldNum" sz="quarter" idx="11"/>
+          </p:nvPr>
+        </p:nvSpPr>
+        <p:spPr>
+          <a:xfrm>
+            <a:off x="10775950" y="6356350"/>
+            <a:ext cx="577850" cy="365125"/>
+          </a:xfrm>
+          <a:prstGeom prst="ellipse">
+            <a:avLst/>
+          </a:prstGeom>
+        </p:spPr>
+        <p:txBody>
+          <a:bodyPr vert="horz" lIns="91440" tIns="45720" rIns="91440" bIns="45720" rtlCol="0" anchor="ctr">
+            <a:normAutofit/>
+          </a:bodyPr>
+          <a:lstStyle/>
+          <a:p>
+            <a:pPr algn="r">
+              <a:lnSpc>
+                <a:spcPct val="90000"/>
+              </a:lnSpc>
+              <a:spcAft>
+                <a:spcPts val="600"/>
+              </a:spcAft>
+            </a:pPr>
+            <a:fld id="{19B51A1E-902D-48AF-9020-955120F399B6}" type="slidenum">
+              <a:rPr lang="en-US" sz="1200">
+                <a:solidFill>
+                  <a:schemeClr val="tx1"/>
+                </a:solidFill>
+                <a:latin typeface="+mn-lt"/>
+              </a:rPr>
+              <a:pPr algn="r">
+                <a:lnSpc>
+                  <a:spcPct val="90000"/>
+                </a:lnSpc>
+                <a:spcAft>
+                  <a:spcPts val="600"/>
+                </a:spcAft>
+              </a:pPr>
+              <a:t>12</a:t>
+            </a:fld>
+            <a:endParaRPr lang="en-US" sz="1200">
+              <a:solidFill>
+                <a:schemeClr val="tx1"/>
+              </a:solidFill>
+              <a:latin typeface="+mn-lt"/>
+            </a:endParaRPr>
           </a:p>
         </p:txBody>
       </p:sp>
     </p:spTree>
     <p:extLst>
       <p:ext uri="{BB962C8B-B14F-4D97-AF65-F5344CB8AC3E}">
-        <p14:creationId xmlns:p14="http://schemas.microsoft.com/office/powerpoint/2010/main" val="447612022"/>
+        <p14:creationId xmlns:p14="http://schemas.microsoft.com/office/powerpoint/2010/main" val="1317886662"/>
       </p:ext>
     </p:extLst>
   </p:cSld>
   <p:clrMapOvr>
-    <a:masterClrMapping/>
+    <a:overrideClrMapping bg1="dk1" tx1="lt1" bg2="dk2" tx2="lt2" accent1="accent1" accent2="accent2" accent3="accent3" accent4="accent4" accent5="accent5" accent6="accent6" hlink="hlink" folHlink="folHlink"/>
   </p:clrMapOvr>
 </p:sld>
 </file>
@@ -23160,6 +25667,14 @@
 <file path=ppt/slides/slide13.xml><?xml version="1.0" encoding="utf-8"?>
 <p:sld xmlns:a="http://schemas.openxmlformats.org/drawingml/2006/main" xmlns:r="http://schemas.openxmlformats.org/officeDocument/2006/relationships" xmlns:p="http://schemas.openxmlformats.org/presentationml/2006/main">
   <p:cSld>
+    <p:bg>
+      <p:bgPr>
+        <a:solidFill>
+          <a:schemeClr val="bg1"/>
+        </a:solidFill>
+        <a:effectLst/>
+      </p:bgPr>
+    </p:bg>
     <p:spTree>
       <p:nvGrpSpPr>
         <p:cNvPr id="1" name=""/>
@@ -23176,68 +25691,201 @@
       </p:grpSpPr>
       <p:sp>
         <p:nvSpPr>
-          <p:cNvPr id="5" name="Footer Placeholder 4">
-            <a:extLst>
-              <a:ext uri="{FF2B5EF4-FFF2-40B4-BE49-F238E27FC236}">
-                <a16:creationId xmlns:a16="http://schemas.microsoft.com/office/drawing/2014/main" id="{798981C9-C6B7-494A-8742-2D006C95F934}"/>
-              </a:ext>
-            </a:extLst>
-          </p:cNvPr>
-          <p:cNvSpPr>
-            <a:spLocks noGrp="1"/>
-          </p:cNvSpPr>
-          <p:nvPr>
-            <p:ph type="ftr" sz="quarter" idx="12"/>
-          </p:nvPr>
-        </p:nvSpPr>
-        <p:spPr/>
-        <p:txBody>
-          <a:bodyPr/>
+          <p:cNvPr id="17" name="Rectangle 16">
+            <a:extLst>
+              <a:ext uri="{FF2B5EF4-FFF2-40B4-BE49-F238E27FC236}">
+                <a16:creationId xmlns:a16="http://schemas.microsoft.com/office/drawing/2014/main" id="{B9FF99BD-075F-4761-A995-6FC574BD25EA}"/>
+              </a:ext>
+              <a:ext uri="{C183D7F6-B498-43B3-948B-1728B52AA6E4}">
+                <adec:decorative xmlns:adec="http://schemas.microsoft.com/office/drawing/2017/decorative" val="1"/>
+              </a:ext>
+            </a:extLst>
+          </p:cNvPr>
+          <p:cNvSpPr>
+            <a:spLocks noGrp="1" noRot="1" noChangeAspect="1" noMove="1" noResize="1" noEditPoints="1" noAdjustHandles="1" noChangeArrowheads="1" noChangeShapeType="1" noTextEdit="1"/>
+          </p:cNvSpPr>
+          <p:nvPr>
+            <p:extLst>
+              <p:ext uri="{386F3935-93C4-4BCD-93E2-E3B085C9AB24}">
+                <p16:designElem xmlns:p16="http://schemas.microsoft.com/office/powerpoint/2015/main" val="1"/>
+              </p:ext>
+            </p:extLst>
+          </p:nvPr>
+        </p:nvSpPr>
+        <p:spPr>
+          <a:xfrm>
+            <a:off x="0" y="0"/>
+            <a:ext cx="12192000" cy="6858000"/>
+          </a:xfrm>
+          <a:prstGeom prst="rect">
+            <a:avLst/>
+          </a:prstGeom>
+          <a:solidFill>
+            <a:schemeClr val="bg1">
+              <a:lumMod val="65000"/>
+            </a:schemeClr>
+          </a:solidFill>
+          <a:ln>
+            <a:noFill/>
+          </a:ln>
+        </p:spPr>
+        <p:style>
+          <a:lnRef idx="2">
+            <a:schemeClr val="accent1">
+              <a:shade val="50000"/>
+            </a:schemeClr>
+          </a:lnRef>
+          <a:fillRef idx="1">
+            <a:schemeClr val="accent1"/>
+          </a:fillRef>
+          <a:effectRef idx="0">
+            <a:schemeClr val="accent1"/>
+          </a:effectRef>
+          <a:fontRef idx="minor">
+            <a:schemeClr val="lt1"/>
+          </a:fontRef>
+        </p:style>
+        <p:txBody>
+          <a:bodyPr rtlCol="0" anchor="ctr"/>
           <a:lstStyle/>
           <a:p>
-            <a:r>
-              <a:rPr lang="en-ZA" dirty="0"/>
-              <a:t>Add a footer</a:t>
-            </a:r>
-          </a:p>
-        </p:txBody>
-      </p:sp>
-      <p:sp>
-        <p:nvSpPr>
-          <p:cNvPr id="4" name="Slide Number Placeholder 3">
-            <a:extLst>
-              <a:ext uri="{FF2B5EF4-FFF2-40B4-BE49-F238E27FC236}">
-                <a16:creationId xmlns:a16="http://schemas.microsoft.com/office/drawing/2014/main" id="{903F83A2-B38E-4405-A418-8BC7C1D25B8A}"/>
-              </a:ext>
-            </a:extLst>
-          </p:cNvPr>
-          <p:cNvSpPr>
-            <a:spLocks noGrp="1"/>
-          </p:cNvSpPr>
-          <p:nvPr>
-            <p:ph type="sldNum" sz="quarter" idx="11"/>
-          </p:nvPr>
-        </p:nvSpPr>
-        <p:spPr/>
-        <p:txBody>
-          <a:bodyPr/>
+            <a:pPr algn="ctr"/>
+            <a:endParaRPr lang="en-US"/>
+          </a:p>
+        </p:txBody>
+      </p:sp>
+      <p:sp>
+        <p:nvSpPr>
+          <p:cNvPr id="19" name="Rectangle 18">
+            <a:extLst>
+              <a:ext uri="{FF2B5EF4-FFF2-40B4-BE49-F238E27FC236}">
+                <a16:creationId xmlns:a16="http://schemas.microsoft.com/office/drawing/2014/main" id="{A7B21A54-9BA3-4EA9-B460-5A829ADD9051}"/>
+              </a:ext>
+              <a:ext uri="{C183D7F6-B498-43B3-948B-1728B52AA6E4}">
+                <adec:decorative xmlns:adec="http://schemas.microsoft.com/office/drawing/2017/decorative" val="1"/>
+              </a:ext>
+            </a:extLst>
+          </p:cNvPr>
+          <p:cNvSpPr>
+            <a:spLocks noGrp="1" noRot="1" noChangeAspect="1" noMove="1" noResize="1" noEditPoints="1" noAdjustHandles="1" noChangeArrowheads="1" noChangeShapeType="1" noTextEdit="1"/>
+          </p:cNvSpPr>
+          <p:nvPr>
+            <p:extLst>
+              <p:ext uri="{386F3935-93C4-4BCD-93E2-E3B085C9AB24}">
+                <p16:designElem xmlns:p16="http://schemas.microsoft.com/office/powerpoint/2015/main" val="1"/>
+              </p:ext>
+            </p:extLst>
+          </p:nvPr>
+        </p:nvSpPr>
+        <p:spPr>
+          <a:xfrm>
+            <a:off x="477012" y="480060"/>
+            <a:ext cx="11237976" cy="5897880"/>
+          </a:xfrm>
+          <a:prstGeom prst="rect">
+            <a:avLst/>
+          </a:prstGeom>
+          <a:noFill/>
+          <a:ln>
+            <a:solidFill>
+              <a:schemeClr val="bg1"/>
+            </a:solidFill>
+          </a:ln>
+        </p:spPr>
+        <p:style>
+          <a:lnRef idx="2">
+            <a:schemeClr val="accent1">
+              <a:shade val="50000"/>
+            </a:schemeClr>
+          </a:lnRef>
+          <a:fillRef idx="1">
+            <a:schemeClr val="accent1"/>
+          </a:fillRef>
+          <a:effectRef idx="0">
+            <a:schemeClr val="accent1"/>
+          </a:effectRef>
+          <a:fontRef idx="minor">
+            <a:schemeClr val="lt1"/>
+          </a:fontRef>
+        </p:style>
+        <p:txBody>
+          <a:bodyPr rtlCol="0" anchor="ctr"/>
           <a:lstStyle/>
           <a:p>
-            <a:fld id="{19B51A1E-902D-48AF-9020-955120F399B6}" type="slidenum">
-              <a:rPr lang="en-ZA" smtClean="0"/>
-              <a:pPr/>
-              <a:t>13</a:t>
-            </a:fld>
-            <a:endParaRPr lang="en-ZA" dirty="0"/>
+            <a:pPr algn="ctr"/>
+            <a:endParaRPr lang="en-US"/>
+          </a:p>
+        </p:txBody>
+      </p:sp>
+      <p:sp>
+        <p:nvSpPr>
+          <p:cNvPr id="21" name="Rectangle 20">
+            <a:extLst>
+              <a:ext uri="{FF2B5EF4-FFF2-40B4-BE49-F238E27FC236}">
+                <a16:creationId xmlns:a16="http://schemas.microsoft.com/office/drawing/2014/main" id="{6FA8F714-B9D8-488A-8CCA-E9948FF913A9}"/>
+              </a:ext>
+              <a:ext uri="{C183D7F6-B498-43B3-948B-1728B52AA6E4}">
+                <adec:decorative xmlns:adec="http://schemas.microsoft.com/office/drawing/2017/decorative" val="1"/>
+              </a:ext>
+            </a:extLst>
+          </p:cNvPr>
+          <p:cNvSpPr>
+            <a:spLocks noGrp="1" noRot="1" noChangeAspect="1" noMove="1" noResize="1" noEditPoints="1" noAdjustHandles="1" noChangeArrowheads="1" noChangeShapeType="1" noTextEdit="1"/>
+          </p:cNvSpPr>
+          <p:nvPr>
+            <p:extLst>
+              <p:ext uri="{386F3935-93C4-4BCD-93E2-E3B085C9AB24}">
+                <p16:designElem xmlns:p16="http://schemas.microsoft.com/office/powerpoint/2015/main" val="1"/>
+              </p:ext>
+            </p:extLst>
+          </p:nvPr>
+        </p:nvSpPr>
+        <p:spPr>
+          <a:xfrm>
+            <a:off x="643466" y="643468"/>
+            <a:ext cx="10905067" cy="5571066"/>
+          </a:xfrm>
+          <a:prstGeom prst="rect">
+            <a:avLst/>
+          </a:prstGeom>
+          <a:solidFill>
+            <a:srgbClr val="FFFFFF"/>
+          </a:solidFill>
+          <a:ln>
+            <a:noFill/>
+          </a:ln>
+        </p:spPr>
+        <p:style>
+          <a:lnRef idx="2">
+            <a:schemeClr val="accent1">
+              <a:shade val="50000"/>
+            </a:schemeClr>
+          </a:lnRef>
+          <a:fillRef idx="1">
+            <a:schemeClr val="accent1"/>
+          </a:fillRef>
+          <a:effectRef idx="0">
+            <a:schemeClr val="accent1"/>
+          </a:effectRef>
+          <a:fontRef idx="minor">
+            <a:schemeClr val="lt1"/>
+          </a:fontRef>
+        </p:style>
+        <p:txBody>
+          <a:bodyPr rtlCol="0" anchor="ctr"/>
+          <a:lstStyle/>
+          <a:p>
+            <a:pPr algn="ctr"/>
+            <a:endParaRPr lang="en-US"/>
           </a:p>
         </p:txBody>
       </p:sp>
       <p:pic>
         <p:nvPicPr>
-          <p:cNvPr id="18" name="Picture 17">
-            <a:extLst>
-              <a:ext uri="{FF2B5EF4-FFF2-40B4-BE49-F238E27FC236}">
-                <a16:creationId xmlns:a16="http://schemas.microsoft.com/office/drawing/2014/main" id="{EDB70AF6-AFC6-4D79-9DF6-EC6157A8BAD4}"/>
+          <p:cNvPr id="5" name="Picture 4" descr="A picture containing clipart&#10;&#10;Description automatically generated">
+            <a:extLst>
+              <a:ext uri="{FF2B5EF4-FFF2-40B4-BE49-F238E27FC236}">
+                <a16:creationId xmlns:a16="http://schemas.microsoft.com/office/drawing/2014/main" id="{3FBD1A20-F02E-1B48-81EE-F8EF452B3DAD}"/>
               </a:ext>
             </a:extLst>
           </p:cNvPr>
@@ -23246,115 +25894,81 @@
           </p:cNvPicPr>
           <p:nvPr/>
         </p:nvPicPr>
-        <p:blipFill>
+        <p:blipFill rotWithShape="1">
           <a:blip r:embed="rId2"/>
-          <a:stretch>
-            <a:fillRect/>
-          </a:stretch>
+          <a:srcRect t="2759" b="7740"/>
+          <a:stretch/>
         </p:blipFill>
         <p:spPr>
           <a:xfrm>
-            <a:off x="1116676" y="583447"/>
-            <a:ext cx="3778053" cy="5255272"/>
+            <a:off x="2666017" y="1123527"/>
+            <a:ext cx="6859961" cy="4604800"/>
           </a:xfrm>
           <a:prstGeom prst="rect">
             <a:avLst/>
           </a:prstGeom>
         </p:spPr>
       </p:pic>
-      <p:pic>
-        <p:nvPicPr>
-          <p:cNvPr id="21" name="Picture 20">
-            <a:extLst>
-              <a:ext uri="{FF2B5EF4-FFF2-40B4-BE49-F238E27FC236}">
-                <a16:creationId xmlns:a16="http://schemas.microsoft.com/office/drawing/2014/main" id="{96F8EE92-EEDB-4D5D-890A-81F9F21F4853}"/>
-              </a:ext>
-            </a:extLst>
-          </p:cNvPr>
-          <p:cNvPicPr>
-            <a:picLocks noChangeAspect="1"/>
-          </p:cNvPicPr>
-          <p:nvPr/>
-        </p:nvPicPr>
-        <p:blipFill>
-          <a:blip r:embed="rId3"/>
-          <a:stretch>
-            <a:fillRect/>
-          </a:stretch>
-        </p:blipFill>
-        <p:spPr>
-          <a:xfrm>
-            <a:off x="5893724" y="583447"/>
-            <a:ext cx="5181600" cy="3105150"/>
-          </a:xfrm>
-          <a:prstGeom prst="rect">
-            <a:avLst/>
-          </a:prstGeom>
-        </p:spPr>
-      </p:pic>
-      <p:sp>
-        <p:nvSpPr>
-          <p:cNvPr id="22" name="TextBox 21">
-            <a:extLst>
-              <a:ext uri="{FF2B5EF4-FFF2-40B4-BE49-F238E27FC236}">
-                <a16:creationId xmlns:a16="http://schemas.microsoft.com/office/drawing/2014/main" id="{4A8B2E23-11AE-4E43-AC13-857FB87FEB9B}"/>
-              </a:ext>
-            </a:extLst>
-          </p:cNvPr>
-          <p:cNvSpPr txBox="1"/>
-          <p:nvPr/>
-        </p:nvSpPr>
-        <p:spPr>
-          <a:xfrm>
-            <a:off x="5529431" y="3887967"/>
-            <a:ext cx="5545893" cy="1323439"/>
-          </a:xfrm>
-          <a:prstGeom prst="rect">
-            <a:avLst/>
-          </a:prstGeom>
-          <a:noFill/>
-        </p:spPr>
-        <p:txBody>
-          <a:bodyPr wrap="square" rtlCol="0">
-            <a:spAutoFit/>
+      <p:sp>
+        <p:nvSpPr>
+          <p:cNvPr id="2" name="Slide Number Placeholder 1">
+            <a:extLst>
+              <a:ext uri="{FF2B5EF4-FFF2-40B4-BE49-F238E27FC236}">
+                <a16:creationId xmlns:a16="http://schemas.microsoft.com/office/drawing/2014/main" id="{B9E2F80A-DEFA-4FAD-BB22-4236BAEB0495}"/>
+              </a:ext>
+            </a:extLst>
+          </p:cNvPr>
+          <p:cNvSpPr>
+            <a:spLocks noGrp="1"/>
+          </p:cNvSpPr>
+          <p:nvPr>
+            <p:ph type="sldNum" sz="quarter" idx="11"/>
+          </p:nvPr>
+        </p:nvSpPr>
+        <p:spPr>
+          <a:xfrm>
+            <a:off x="8610600" y="6356350"/>
+            <a:ext cx="2743200" cy="365125"/>
+          </a:xfrm>
+        </p:spPr>
+        <p:txBody>
+          <a:bodyPr vert="horz" lIns="91440" tIns="45720" rIns="91440" bIns="45720" rtlCol="0" anchor="ctr">
+            <a:normAutofit/>
           </a:bodyPr>
           <a:lstStyle/>
           <a:p>
-            <a:pPr marL="285750" indent="-285750">
-              <a:buFont typeface="Arial" panose="020B0604020202020204" pitchFamily="34" charset="0"/>
-              <a:buChar char="•"/>
+            <a:pPr algn="r">
+              <a:spcAft>
+                <a:spcPts val="600"/>
+              </a:spcAft>
             </a:pPr>
-            <a:r>
-              <a:rPr lang="en-US" sz="2000" dirty="0"/>
-              <a:t>Left Top – Galveston Island before Hurricane Ike</a:t>
-            </a:r>
-          </a:p>
-          <a:p>
-            <a:pPr marL="285750" indent="-285750">
-              <a:buFont typeface="Arial" panose="020B0604020202020204" pitchFamily="34" charset="0"/>
-              <a:buChar char="•"/>
-            </a:pPr>
-            <a:r>
-              <a:rPr lang="en-US" sz="2000" dirty="0"/>
-              <a:t>Left Bottom – Galveston Island after Ike</a:t>
-            </a:r>
-          </a:p>
-          <a:p>
-            <a:pPr marL="285750" indent="-285750">
-              <a:buFont typeface="Arial" panose="020B0604020202020204" pitchFamily="34" charset="0"/>
-              <a:buChar char="•"/>
-            </a:pPr>
-            <a:r>
-              <a:rPr lang="en-US" sz="2000" dirty="0"/>
-              <a:t>Right – Louisa County , VA after 5.8 East Coast Earthquake 2011</a:t>
-            </a:r>
+            <a:fld id="{19B51A1E-902D-48AF-9020-955120F399B6}" type="slidenum">
+              <a:rPr lang="en-US" sz="1200">
+                <a:solidFill>
+                  <a:srgbClr val="FFFFFF"/>
+                </a:solidFill>
+                <a:latin typeface="+mn-lt"/>
+              </a:rPr>
+              <a:pPr algn="r">
+                <a:spcAft>
+                  <a:spcPts val="600"/>
+                </a:spcAft>
+              </a:pPr>
+              <a:t>13</a:t>
+            </a:fld>
+            <a:endParaRPr lang="en-US" sz="1200">
+              <a:solidFill>
+                <a:srgbClr val="FFFFFF"/>
+              </a:solidFill>
+              <a:latin typeface="+mn-lt"/>
+            </a:endParaRPr>
           </a:p>
         </p:txBody>
       </p:sp>
     </p:spTree>
     <p:extLst>
       <p:ext uri="{BB962C8B-B14F-4D97-AF65-F5344CB8AC3E}">
-        <p14:creationId xmlns:p14="http://schemas.microsoft.com/office/powerpoint/2010/main" val="3515958340"/>
+        <p14:creationId xmlns:p14="http://schemas.microsoft.com/office/powerpoint/2010/main" val="59582380"/>
       </p:ext>
     </p:extLst>
   </p:cSld>
@@ -23383,24 +25997,24 @@
       </p:grpSpPr>
       <p:sp>
         <p:nvSpPr>
-          <p:cNvPr id="8" name="Text Placeholder 7">
-            <a:extLst>
-              <a:ext uri="{FF2B5EF4-FFF2-40B4-BE49-F238E27FC236}">
-                <a16:creationId xmlns:a16="http://schemas.microsoft.com/office/drawing/2014/main" id="{937AF956-2A90-4422-A3C2-A6109BD133BA}"/>
-              </a:ext>
-            </a:extLst>
-          </p:cNvPr>
-          <p:cNvSpPr>
-            <a:spLocks noGrp="1"/>
-          </p:cNvSpPr>
-          <p:nvPr>
-            <p:ph type="body" sz="quarter" idx="18"/>
-          </p:nvPr>
-        </p:nvSpPr>
-        <p:spPr>
-          <a:xfrm>
-            <a:off x="424800" y="677733"/>
-            <a:ext cx="5468000" cy="4681668"/>
+          <p:cNvPr id="5" name="Content Placeholder 4">
+            <a:extLst>
+              <a:ext uri="{FF2B5EF4-FFF2-40B4-BE49-F238E27FC236}">
+                <a16:creationId xmlns:a16="http://schemas.microsoft.com/office/drawing/2014/main" id="{E8D50585-317E-4561-AC12-330089F7A34C}"/>
+              </a:ext>
+            </a:extLst>
+          </p:cNvPr>
+          <p:cNvSpPr>
+            <a:spLocks noGrp="1"/>
+          </p:cNvSpPr>
+          <p:nvPr>
+            <p:ph idx="1"/>
+          </p:nvPr>
+        </p:nvSpPr>
+        <p:spPr>
+          <a:xfrm>
+            <a:off x="424370" y="1272208"/>
+            <a:ext cx="11340000" cy="4660183"/>
           </a:xfrm>
         </p:spPr>
         <p:txBody>
@@ -23408,177 +26022,73 @@
           <a:lstStyle/>
           <a:p>
             <a:r>
-              <a:rPr lang="en-ZA" dirty="0"/>
-              <a:t>Virginia is more compliant with the FBI’s new crime reporting system than Texas</a:t>
-            </a:r>
-          </a:p>
-          <a:p>
-            <a:r>
-              <a:rPr lang="en-ZA" noProof="1"/>
-              <a:t>One reason crime rates dropped after Ike could be because of increased police presence and enforcement</a:t>
-            </a:r>
-          </a:p>
-          <a:p>
-            <a:r>
-              <a:rPr lang="en-ZA" noProof="1"/>
-              <a:t>An Earthquake occurring in Virginia is rare and a 5.8 is quite sizable. Before this quake, the largest on record for VA was 4.8 in 1875</a:t>
-            </a:r>
-          </a:p>
-          <a:p>
-            <a:endParaRPr lang="en-ZA" noProof="1"/>
-          </a:p>
-          <a:p>
-            <a:r>
-              <a:rPr lang="en-ZA" sz="3200" noProof="1"/>
-              <a:t>NEED MORE CONCLUSIONS</a:t>
-            </a:r>
-          </a:p>
-          <a:p>
-            <a:endParaRPr lang="en-ZA" noProof="1"/>
-          </a:p>
-        </p:txBody>
-      </p:sp>
-      <p:sp>
-        <p:nvSpPr>
-          <p:cNvPr id="2" name="Title 1">
-            <a:extLst>
-              <a:ext uri="{FF2B5EF4-FFF2-40B4-BE49-F238E27FC236}">
-                <a16:creationId xmlns:a16="http://schemas.microsoft.com/office/drawing/2014/main" id="{63E41472-323F-47B9-8C9E-D3B43CA30C02}"/>
-              </a:ext>
-            </a:extLst>
-          </p:cNvPr>
-          <p:cNvSpPr>
-            <a:spLocks noGrp="1"/>
-          </p:cNvSpPr>
-          <p:nvPr>
-            <p:ph type="ctrTitle"/>
-          </p:nvPr>
-        </p:nvSpPr>
-        <p:spPr/>
-        <p:txBody>
-          <a:bodyPr/>
-          <a:lstStyle/>
-          <a:p>
-            <a:r>
-              <a:rPr lang="en-ZA" dirty="0"/>
-              <a:t>     Conclusion</a:t>
-            </a:r>
-          </a:p>
-        </p:txBody>
-      </p:sp>
-      <p:pic>
-        <p:nvPicPr>
-          <p:cNvPr id="10" name="Picture Placeholder 9">
-            <a:extLst>
-              <a:ext uri="{FF2B5EF4-FFF2-40B4-BE49-F238E27FC236}">
-                <a16:creationId xmlns:a16="http://schemas.microsoft.com/office/drawing/2014/main" id="{9663686B-44B2-425C-9F15-899A0641AA7D}"/>
-              </a:ext>
-            </a:extLst>
-          </p:cNvPr>
-          <p:cNvPicPr>
-            <a:picLocks noGrp="1" noChangeAspect="1"/>
-          </p:cNvPicPr>
-          <p:nvPr>
-            <p:ph type="pic" sz="quarter" idx="16"/>
-          </p:nvPr>
-        </p:nvPicPr>
-        <p:blipFill>
-          <a:blip r:embed="rId2">
-            <a:extLst>
-              <a:ext uri="{837473B0-CC2E-450A-ABE3-18F120FF3D39}">
-                <a1611:picAttrSrcUrl xmlns:a1611="http://schemas.microsoft.com/office/drawing/2016/11/main" r:id="rId3"/>
-              </a:ext>
-            </a:extLst>
-          </a:blip>
-          <a:stretch>
-            <a:fillRect/>
-          </a:stretch>
-        </p:blipFill>
-        <p:spPr>
-          <a:xfrm>
-            <a:off x="7652806" y="939291"/>
-            <a:ext cx="1872000" cy="1522456"/>
-          </a:xfrm>
-        </p:spPr>
-      </p:pic>
-      <p:pic>
-        <p:nvPicPr>
-          <p:cNvPr id="12" name="Picture Placeholder 11">
-            <a:extLst>
-              <a:ext uri="{FF2B5EF4-FFF2-40B4-BE49-F238E27FC236}">
-                <a16:creationId xmlns:a16="http://schemas.microsoft.com/office/drawing/2014/main" id="{C640A70E-BC90-4E9E-97DF-9D7362FEEC64}"/>
-              </a:ext>
-            </a:extLst>
-          </p:cNvPr>
-          <p:cNvPicPr>
-            <a:picLocks noGrp="1" noChangeAspect="1"/>
-          </p:cNvPicPr>
-          <p:nvPr>
-            <p:ph type="pic" sz="quarter" idx="17"/>
-          </p:nvPr>
-        </p:nvPicPr>
-        <p:blipFill>
-          <a:blip r:embed="rId4">
-            <a:extLst>
-              <a:ext uri="{BEBA8EAE-BF5A-486C-A8C5-ECC9F3942E4B}">
-                <a14:imgProps xmlns:a14="http://schemas.microsoft.com/office/drawing/2010/main">
-                  <a14:imgLayer r:embed="rId5">
-                    <a14:imgEffect>
-                      <a14:saturation sat="0"/>
-                    </a14:imgEffect>
-                  </a14:imgLayer>
-                </a14:imgProps>
-              </a:ext>
-              <a:ext uri="{837473B0-CC2E-450A-ABE3-18F120FF3D39}">
-                <a1611:picAttrSrcUrl xmlns:a1611="http://schemas.microsoft.com/office/drawing/2016/11/main" r:id="rId6"/>
-              </a:ext>
-            </a:extLst>
-          </a:blip>
-          <a:stretch>
-            <a:fillRect/>
-          </a:stretch>
-        </p:blipFill>
-        <p:spPr>
-          <a:xfrm>
-            <a:off x="9713594" y="939291"/>
-            <a:ext cx="2040474" cy="1522456"/>
-          </a:xfrm>
-        </p:spPr>
-      </p:pic>
-      <p:sp>
-        <p:nvSpPr>
-          <p:cNvPr id="5" name="Footer Placeholder 4">
-            <a:extLst>
-              <a:ext uri="{FF2B5EF4-FFF2-40B4-BE49-F238E27FC236}">
-                <a16:creationId xmlns:a16="http://schemas.microsoft.com/office/drawing/2014/main" id="{798981C9-C6B7-494A-8742-2D006C95F934}"/>
-              </a:ext>
-            </a:extLst>
-          </p:cNvPr>
-          <p:cNvSpPr>
-            <a:spLocks noGrp="1"/>
-          </p:cNvSpPr>
-          <p:nvPr>
-            <p:ph type="ftr" sz="quarter" idx="12"/>
-          </p:nvPr>
-        </p:nvSpPr>
-        <p:spPr/>
-        <p:txBody>
-          <a:bodyPr/>
-          <a:lstStyle/>
-          <a:p>
-            <a:r>
-              <a:rPr lang="en-ZA" dirty="0"/>
-              <a:t>Add a footer</a:t>
-            </a:r>
-          </a:p>
-        </p:txBody>
-      </p:sp>
-      <p:sp>
-        <p:nvSpPr>
-          <p:cNvPr id="4" name="Slide Number Placeholder 3">
-            <a:extLst>
-              <a:ext uri="{FF2B5EF4-FFF2-40B4-BE49-F238E27FC236}">
-                <a16:creationId xmlns:a16="http://schemas.microsoft.com/office/drawing/2014/main" id="{903F83A2-B38E-4405-A418-8BC7C1D25B8A}"/>
+              <a:rPr lang="en-US" sz="2000" dirty="0"/>
+              <a:t>FBI crime data:</a:t>
+            </a:r>
+          </a:p>
+          <a:p>
+            <a:pPr lvl="1"/>
+            <a:r>
+              <a:rPr lang="en-US" sz="2000" dirty="0"/>
+              <a:t>https://crime-data-explorer.fr.cloud.gov/api </a:t>
+            </a:r>
+          </a:p>
+          <a:p>
+            <a:r>
+              <a:rPr lang="en-US" sz="2000" dirty="0"/>
+              <a:t>Census Data:</a:t>
+            </a:r>
+          </a:p>
+          <a:p>
+            <a:pPr lvl="1"/>
+            <a:r>
+              <a:rPr lang="en-US" sz="1800" dirty="0">
+                <a:hlinkClick r:id="rId3"/>
+              </a:rPr>
+              <a:t>https://api.census.gov/data/</a:t>
+            </a:r>
+            <a:endParaRPr lang="en-US" sz="1800" dirty="0"/>
+          </a:p>
+          <a:p>
+            <a:r>
+              <a:rPr lang="en-US" sz="2000" dirty="0"/>
+              <a:t>Google Maps:</a:t>
+            </a:r>
+          </a:p>
+          <a:p>
+            <a:pPr lvl="1"/>
+            <a:r>
+              <a:rPr lang="en-US" sz="1800" dirty="0"/>
+              <a:t>https://cloud.google.com/maps-platform/</a:t>
+            </a:r>
+          </a:p>
+          <a:p>
+            <a:r>
+              <a:rPr lang="en-US" sz="2000" dirty="0"/>
+              <a:t>News Article about police activity post Ike</a:t>
+            </a:r>
+          </a:p>
+          <a:p>
+            <a:pPr lvl="1"/>
+            <a:r>
+              <a:rPr lang="en-US" sz="2000" dirty="0">
+                <a:hlinkClick r:id="rId4"/>
+              </a:rPr>
+              <a:t>https://www.chron.com/news/hurricanes/article/Looters-think-twice-as-police-up-patrol-arrest-1591018.php</a:t>
+            </a:r>
+            <a:endParaRPr lang="en-US" sz="2000" dirty="0"/>
+          </a:p>
+          <a:p>
+            <a:endParaRPr lang="en-US" dirty="0"/>
+          </a:p>
+        </p:txBody>
+      </p:sp>
+      <p:sp>
+        <p:nvSpPr>
+          <p:cNvPr id="2" name="Slide Number Placeholder 1">
+            <a:extLst>
+              <a:ext uri="{FF2B5EF4-FFF2-40B4-BE49-F238E27FC236}">
+                <a16:creationId xmlns:a16="http://schemas.microsoft.com/office/drawing/2014/main" id="{B9E2F80A-DEFA-4FAD-BB22-4236BAEB0495}"/>
               </a:ext>
             </a:extLst>
           </p:cNvPr>
@@ -23603,10 +26113,38 @@
           </a:p>
         </p:txBody>
       </p:sp>
+      <p:sp>
+        <p:nvSpPr>
+          <p:cNvPr id="4" name="Title 3">
+            <a:extLst>
+              <a:ext uri="{FF2B5EF4-FFF2-40B4-BE49-F238E27FC236}">
+                <a16:creationId xmlns:a16="http://schemas.microsoft.com/office/drawing/2014/main" id="{E98DCA46-603B-4178-8707-30E192CE6B8D}"/>
+              </a:ext>
+            </a:extLst>
+          </p:cNvPr>
+          <p:cNvSpPr>
+            <a:spLocks noGrp="1"/>
+          </p:cNvSpPr>
+          <p:nvPr>
+            <p:ph type="title"/>
+          </p:nvPr>
+        </p:nvSpPr>
+        <p:spPr/>
+        <p:txBody>
+          <a:bodyPr/>
+          <a:lstStyle/>
+          <a:p>
+            <a:r>
+              <a:rPr lang="en-US" dirty="0"/>
+              <a:t>Sources</a:t>
+            </a:r>
+          </a:p>
+        </p:txBody>
+      </p:sp>
     </p:spTree>
     <p:extLst>
       <p:ext uri="{BB962C8B-B14F-4D97-AF65-F5344CB8AC3E}">
-        <p14:creationId xmlns:p14="http://schemas.microsoft.com/office/powerpoint/2010/main" val="1317886662"/>
+        <p14:creationId xmlns:p14="http://schemas.microsoft.com/office/powerpoint/2010/main" val="250828876"/>
       </p:ext>
     </p:extLst>
   </p:cSld>
@@ -23616,7 +26154,884 @@
 </p:sld>
 </file>
 
-<file path=ppt/slides/slide15.xml><?xml version="1.0" encoding="utf-8"?>
+<file path=ppt/slides/slide2.xml><?xml version="1.0" encoding="utf-8"?>
+<p:sld xmlns:a="http://schemas.openxmlformats.org/drawingml/2006/main" xmlns:r="http://schemas.openxmlformats.org/officeDocument/2006/relationships" xmlns:p="http://schemas.openxmlformats.org/presentationml/2006/main">
+  <p:cSld>
+    <p:bg>
+      <p:bgPr>
+        <a:solidFill>
+          <a:schemeClr val="bg1">
+            <a:tint val="95000"/>
+            <a:satMod val="170000"/>
+          </a:schemeClr>
+        </a:solidFill>
+        <a:effectLst/>
+      </p:bgPr>
+    </p:bg>
+    <p:spTree>
+      <p:nvGrpSpPr>
+        <p:cNvPr id="1" name=""/>
+        <p:cNvGrpSpPr/>
+        <p:nvPr/>
+      </p:nvGrpSpPr>
+      <p:grpSpPr>
+        <a:xfrm>
+          <a:off x="0" y="0"/>
+          <a:ext cx="0" cy="0"/>
+          <a:chOff x="0" y="0"/>
+          <a:chExt cx="0" cy="0"/>
+        </a:xfrm>
+      </p:grpSpPr>
+      <p:sp>
+        <p:nvSpPr>
+          <p:cNvPr id="10" name="Freeform: Shape 9">
+            <a:extLst>
+              <a:ext uri="{FF2B5EF4-FFF2-40B4-BE49-F238E27FC236}">
+                <a16:creationId xmlns:a16="http://schemas.microsoft.com/office/drawing/2014/main" id="{48A740BC-A0AA-45E0-B899-2AE9C6FE11CA}"/>
+              </a:ext>
+              <a:ext uri="{C183D7F6-B498-43B3-948B-1728B52AA6E4}">
+                <adec:decorative xmlns:adec="http://schemas.microsoft.com/office/drawing/2017/decorative" val="1"/>
+              </a:ext>
+            </a:extLst>
+          </p:cNvPr>
+          <p:cNvSpPr>
+            <a:spLocks noGrp="1" noRot="1" noChangeAspect="1" noMove="1" noResize="1" noEditPoints="1" noAdjustHandles="1" noChangeArrowheads="1" noChangeShapeType="1" noTextEdit="1"/>
+          </p:cNvSpPr>
+          <p:nvPr>
+            <p:extLst>
+              <p:ext uri="{386F3935-93C4-4BCD-93E2-E3B085C9AB24}">
+                <p16:designElem xmlns:p16="http://schemas.microsoft.com/office/powerpoint/2015/main" val="1"/>
+              </p:ext>
+            </p:extLst>
+          </p:nvPr>
+        </p:nvSpPr>
+        <p:spPr>
+          <a:xfrm>
+            <a:off x="5913121" y="-2"/>
+            <a:ext cx="6278879" cy="6858002"/>
+          </a:xfrm>
+          <a:custGeom>
+            <a:avLst/>
+            <a:gdLst>
+              <a:gd name="connsiteX0" fmla="*/ 45572 w 6278879"/>
+              <a:gd name="connsiteY0" fmla="*/ 0 h 6858002"/>
+              <a:gd name="connsiteX1" fmla="*/ 6278879 w 6278879"/>
+              <a:gd name="connsiteY1" fmla="*/ 0 h 6858002"/>
+              <a:gd name="connsiteX2" fmla="*/ 6278879 w 6278879"/>
+              <a:gd name="connsiteY2" fmla="*/ 6858002 h 6858002"/>
+              <a:gd name="connsiteX3" fmla="*/ 3292308 w 6278879"/>
+              <a:gd name="connsiteY3" fmla="*/ 6858002 h 6858002"/>
+              <a:gd name="connsiteX4" fmla="*/ 3181526 w 6278879"/>
+              <a:gd name="connsiteY4" fmla="*/ 6786982 h 6858002"/>
+              <a:gd name="connsiteX5" fmla="*/ 0 w 6278879"/>
+              <a:gd name="connsiteY5" fmla="*/ 803254 h 6858002"/>
+              <a:gd name="connsiteX6" fmla="*/ 37255 w 6278879"/>
+              <a:gd name="connsiteY6" fmla="*/ 65447 h 6858002"/>
+            </a:gdLst>
+            <a:ahLst/>
+            <a:cxnLst>
+              <a:cxn ang="0">
+                <a:pos x="connsiteX0" y="connsiteY0"/>
+              </a:cxn>
+              <a:cxn ang="0">
+                <a:pos x="connsiteX1" y="connsiteY1"/>
+              </a:cxn>
+              <a:cxn ang="0">
+                <a:pos x="connsiteX2" y="connsiteY2"/>
+              </a:cxn>
+              <a:cxn ang="0">
+                <a:pos x="connsiteX3" y="connsiteY3"/>
+              </a:cxn>
+              <a:cxn ang="0">
+                <a:pos x="connsiteX4" y="connsiteY4"/>
+              </a:cxn>
+              <a:cxn ang="0">
+                <a:pos x="connsiteX5" y="connsiteY5"/>
+              </a:cxn>
+              <a:cxn ang="0">
+                <a:pos x="connsiteX6" y="connsiteY6"/>
+              </a:cxn>
+            </a:cxnLst>
+            <a:rect l="l" t="t" r="r" b="b"/>
+            <a:pathLst>
+              <a:path w="6278879" h="6858002">
+                <a:moveTo>
+                  <a:pt x="45572" y="0"/>
+                </a:moveTo>
+                <a:lnTo>
+                  <a:pt x="6278879" y="0"/>
+                </a:lnTo>
+                <a:lnTo>
+                  <a:pt x="6278879" y="6858002"/>
+                </a:lnTo>
+                <a:lnTo>
+                  <a:pt x="3292308" y="6858002"/>
+                </a:lnTo>
+                <a:lnTo>
+                  <a:pt x="3181526" y="6786982"/>
+                </a:lnTo>
+                <a:cubicBezTo>
+                  <a:pt x="1262021" y="5490191"/>
+                  <a:pt x="0" y="3294103"/>
+                  <a:pt x="0" y="803254"/>
+                </a:cubicBezTo>
+                <a:cubicBezTo>
+                  <a:pt x="0" y="554169"/>
+                  <a:pt x="12620" y="308032"/>
+                  <a:pt x="37255" y="65447"/>
+                </a:cubicBezTo>
+                <a:close/>
+              </a:path>
+            </a:pathLst>
+          </a:custGeom>
+          <a:solidFill>
+            <a:schemeClr val="bg1">
+              <a:lumMod val="85000"/>
+              <a:lumOff val="15000"/>
+              <a:alpha val="70000"/>
+            </a:schemeClr>
+          </a:solidFill>
+          <a:ln>
+            <a:noFill/>
+          </a:ln>
+        </p:spPr>
+        <p:style>
+          <a:lnRef idx="2">
+            <a:schemeClr val="accent1">
+              <a:shade val="50000"/>
+            </a:schemeClr>
+          </a:lnRef>
+          <a:fillRef idx="1">
+            <a:schemeClr val="accent1"/>
+          </a:fillRef>
+          <a:effectRef idx="0">
+            <a:schemeClr val="accent1"/>
+          </a:effectRef>
+          <a:fontRef idx="minor">
+            <a:schemeClr val="lt1"/>
+          </a:fontRef>
+        </p:style>
+        <p:txBody>
+          <a:bodyPr rtlCol="0" anchor="ctr"/>
+          <a:lstStyle/>
+          <a:p>
+            <a:pPr marL="0" marR="0" lvl="0" indent="0" algn="ctr" defTabSz="914400" rtl="0" eaLnBrk="1" fontAlgn="auto" latinLnBrk="0" hangingPunct="1">
+              <a:lnSpc>
+                <a:spcPct val="100000"/>
+              </a:lnSpc>
+              <a:spcBef>
+                <a:spcPts val="0"/>
+              </a:spcBef>
+              <a:spcAft>
+                <a:spcPts val="0"/>
+              </a:spcAft>
+              <a:buClrTx/>
+              <a:buSzTx/>
+              <a:buFontTx/>
+              <a:buNone/>
+              <a:tabLst/>
+              <a:defRPr/>
+            </a:pPr>
+            <a:endParaRPr kumimoji="0" lang="en-US" sz="1800" b="0" i="0" u="none" strike="noStrike" kern="1200" cap="none" spc="0" normalizeH="0" baseline="0" noProof="0">
+              <a:ln>
+                <a:noFill/>
+              </a:ln>
+              <a:solidFill>
+                <a:prstClr val="white"/>
+              </a:solidFill>
+              <a:effectLst/>
+              <a:uLnTx/>
+              <a:uFillTx/>
+              <a:latin typeface="Calibri" panose="020F0502020204030204"/>
+              <a:ea typeface="+mn-ea"/>
+              <a:cs typeface="+mn-cs"/>
+            </a:endParaRPr>
+          </a:p>
+        </p:txBody>
+      </p:sp>
+      <p:sp>
+        <p:nvSpPr>
+          <p:cNvPr id="5" name="Title 4">
+            <a:extLst>
+              <a:ext uri="{FF2B5EF4-FFF2-40B4-BE49-F238E27FC236}">
+                <a16:creationId xmlns:a16="http://schemas.microsoft.com/office/drawing/2014/main" id="{76A3CA81-7A6C-47BC-8D67-926B325F8336}"/>
+              </a:ext>
+            </a:extLst>
+          </p:cNvPr>
+          <p:cNvSpPr>
+            <a:spLocks noGrp="1"/>
+          </p:cNvSpPr>
+          <p:nvPr>
+            <p:ph type="title"/>
+          </p:nvPr>
+        </p:nvSpPr>
+        <p:spPr>
+          <a:xfrm>
+            <a:off x="655320" y="365125"/>
+            <a:ext cx="9013052" cy="1623312"/>
+          </a:xfrm>
+        </p:spPr>
+        <p:txBody>
+          <a:bodyPr vert="horz" lIns="91440" tIns="45720" rIns="91440" bIns="45720" rtlCol="0" anchor="b">
+            <a:normAutofit/>
+          </a:bodyPr>
+          <a:lstStyle/>
+          <a:p>
+            <a:r>
+              <a:rPr lang="en-US" sz="4000" kern="1200">
+                <a:solidFill>
+                  <a:schemeClr val="tx1"/>
+                </a:solidFill>
+                <a:latin typeface="+mj-lt"/>
+                <a:ea typeface="+mj-ea"/>
+                <a:cs typeface="+mj-cs"/>
+              </a:rPr>
+              <a:t>How are communities affected by natural disasters?</a:t>
+            </a:r>
+          </a:p>
+        </p:txBody>
+      </p:sp>
+      <p:cxnSp>
+        <p:nvCxnSpPr>
+          <p:cNvPr id="12" name="Straight Arrow Connector 11">
+            <a:extLst>
+              <a:ext uri="{FF2B5EF4-FFF2-40B4-BE49-F238E27FC236}">
+                <a16:creationId xmlns:a16="http://schemas.microsoft.com/office/drawing/2014/main" id="{B874EF51-C858-4BB9-97C3-D17755787127}"/>
+              </a:ext>
+              <a:ext uri="{C183D7F6-B498-43B3-948B-1728B52AA6E4}">
+                <adec:decorative xmlns:adec="http://schemas.microsoft.com/office/drawing/2017/decorative" val="1"/>
+              </a:ext>
+            </a:extLst>
+          </p:cNvPr>
+          <p:cNvCxnSpPr>
+            <a:cxnSpLocks noGrp="1" noRot="1" noChangeAspect="1" noMove="1" noResize="1" noEditPoints="1" noAdjustHandles="1" noChangeArrowheads="1" noChangeShapeType="1"/>
+          </p:cNvCxnSpPr>
+          <p:nvPr>
+            <p:extLst>
+              <p:ext uri="{386F3935-93C4-4BCD-93E2-E3B085C9AB24}">
+                <p16:designElem xmlns:p16="http://schemas.microsoft.com/office/powerpoint/2015/main" val="1"/>
+              </p:ext>
+            </p:extLst>
+          </p:nvPr>
+        </p:nvCxnSpPr>
+        <p:spPr>
+          <a:xfrm>
+            <a:off x="763661" y="2316480"/>
+            <a:ext cx="8229600" cy="0"/>
+          </a:xfrm>
+          <a:prstGeom prst="straightConnector1">
+            <a:avLst/>
+          </a:prstGeom>
+          <a:ln w="19050" cap="sq">
+            <a:solidFill>
+              <a:schemeClr val="tx1"/>
+            </a:solidFill>
+            <a:tailEnd type="none"/>
+          </a:ln>
+        </p:spPr>
+        <p:style>
+          <a:lnRef idx="1">
+            <a:schemeClr val="accent1"/>
+          </a:lnRef>
+          <a:fillRef idx="0">
+            <a:schemeClr val="accent1"/>
+          </a:fillRef>
+          <a:effectRef idx="0">
+            <a:schemeClr val="accent1"/>
+          </a:effectRef>
+          <a:fontRef idx="minor">
+            <a:schemeClr val="tx1"/>
+          </a:fontRef>
+        </p:style>
+      </p:cxnSp>
+      <p:sp>
+        <p:nvSpPr>
+          <p:cNvPr id="2" name="Content Placeholder 1">
+            <a:extLst>
+              <a:ext uri="{FF2B5EF4-FFF2-40B4-BE49-F238E27FC236}">
+                <a16:creationId xmlns:a16="http://schemas.microsoft.com/office/drawing/2014/main" id="{73416882-5670-4C40-A366-8D841513824D}"/>
+              </a:ext>
+            </a:extLst>
+          </p:cNvPr>
+          <p:cNvSpPr>
+            <a:spLocks noGrp="1"/>
+          </p:cNvSpPr>
+          <p:nvPr>
+            <p:ph idx="1"/>
+          </p:nvPr>
+        </p:nvSpPr>
+        <p:spPr>
+          <a:xfrm>
+            <a:off x="655320" y="2644518"/>
+            <a:ext cx="9013052" cy="3327251"/>
+          </a:xfrm>
+        </p:spPr>
+        <p:txBody>
+          <a:bodyPr vert="horz" lIns="91440" tIns="45720" rIns="91440" bIns="45720" rtlCol="0">
+            <a:normAutofit/>
+          </a:bodyPr>
+          <a:lstStyle/>
+          <a:p>
+            <a:pPr lvl="1" indent="-228600"/>
+            <a:r>
+              <a:rPr lang="en-US" sz="2000" dirty="0">
+                <a:solidFill>
+                  <a:schemeClr val="tx1"/>
+                </a:solidFill>
+              </a:rPr>
+              <a:t>Local Enforcement ‘Agencies’ (police stations)</a:t>
+            </a:r>
+          </a:p>
+          <a:p>
+            <a:pPr lvl="2" indent="-228600">
+              <a:buFont typeface="Arial" panose="020B0604020202020204" pitchFamily="34" charset="0"/>
+              <a:buChar char="•"/>
+            </a:pPr>
+            <a:r>
+              <a:rPr lang="en-US" sz="2000" dirty="0">
+                <a:solidFill>
+                  <a:schemeClr val="tx1"/>
+                </a:solidFill>
+              </a:rPr>
+              <a:t>Crime Data</a:t>
+            </a:r>
+          </a:p>
+          <a:p>
+            <a:pPr lvl="2" indent="-228600">
+              <a:buFont typeface="Arial" panose="020B0604020202020204" pitchFamily="34" charset="0"/>
+              <a:buChar char="•"/>
+            </a:pPr>
+            <a:r>
+              <a:rPr lang="en-US" sz="2000" dirty="0">
+                <a:solidFill>
+                  <a:schemeClr val="tx1"/>
+                </a:solidFill>
+              </a:rPr>
+              <a:t>Galveston, TX and Louisa County</a:t>
+            </a:r>
+          </a:p>
+          <a:p>
+            <a:pPr lvl="1" indent="-228600"/>
+            <a:r>
+              <a:rPr lang="en-US" sz="2000" dirty="0">
+                <a:solidFill>
+                  <a:schemeClr val="tx1"/>
+                </a:solidFill>
+              </a:rPr>
+              <a:t>Census Stats</a:t>
+            </a:r>
+          </a:p>
+          <a:p>
+            <a:pPr lvl="2" indent="-228600">
+              <a:buFont typeface="Arial" panose="020B0604020202020204" pitchFamily="34" charset="0"/>
+              <a:buChar char="•"/>
+            </a:pPr>
+            <a:r>
+              <a:rPr lang="en-US" sz="2000" dirty="0">
+                <a:solidFill>
+                  <a:schemeClr val="tx1"/>
+                </a:solidFill>
+              </a:rPr>
+              <a:t>Population Data </a:t>
+            </a:r>
+          </a:p>
+          <a:p>
+            <a:pPr lvl="2" indent="-228600">
+              <a:buFont typeface="Arial" panose="020B0604020202020204" pitchFamily="34" charset="0"/>
+              <a:buChar char="•"/>
+            </a:pPr>
+            <a:r>
+              <a:rPr lang="en-US" sz="2000" dirty="0">
+                <a:solidFill>
+                  <a:schemeClr val="tx1"/>
+                </a:solidFill>
+              </a:rPr>
+              <a:t>Median Household Income Data</a:t>
+            </a:r>
+          </a:p>
+          <a:p>
+            <a:pPr lvl="1" indent="-228600"/>
+            <a:r>
+              <a:rPr lang="en-US" sz="2000" dirty="0">
+                <a:solidFill>
+                  <a:schemeClr val="tx1"/>
+                </a:solidFill>
+              </a:rPr>
+              <a:t>Conclusion</a:t>
+            </a:r>
+          </a:p>
+          <a:p>
+            <a:pPr lvl="1" indent="-228600"/>
+            <a:r>
+              <a:rPr lang="en-US" sz="2000" dirty="0">
+                <a:solidFill>
+                  <a:schemeClr val="tx1"/>
+                </a:solidFill>
+              </a:rPr>
+              <a:t>Q/A</a:t>
+            </a:r>
+          </a:p>
+        </p:txBody>
+      </p:sp>
+      <p:sp>
+        <p:nvSpPr>
+          <p:cNvPr id="4" name="Footer Placeholder 3">
+            <a:extLst>
+              <a:ext uri="{FF2B5EF4-FFF2-40B4-BE49-F238E27FC236}">
+                <a16:creationId xmlns:a16="http://schemas.microsoft.com/office/drawing/2014/main" id="{50D6945F-BD17-45B9-989C-DD613DFA6427}"/>
+              </a:ext>
+            </a:extLst>
+          </p:cNvPr>
+          <p:cNvSpPr>
+            <a:spLocks noGrp="1"/>
+          </p:cNvSpPr>
+          <p:nvPr>
+            <p:ph type="ftr" sz="quarter" idx="12"/>
+          </p:nvPr>
+        </p:nvSpPr>
+        <p:spPr>
+          <a:xfrm>
+            <a:off x="655320" y="6356350"/>
+            <a:ext cx="4114800" cy="365125"/>
+          </a:xfrm>
+        </p:spPr>
+        <p:txBody>
+          <a:bodyPr vert="horz" lIns="91440" tIns="45720" rIns="91440" bIns="45720" rtlCol="0" anchor="ctr">
+            <a:normAutofit/>
+          </a:bodyPr>
+          <a:lstStyle/>
+          <a:p>
+            <a:pPr algn="l">
+              <a:spcAft>
+                <a:spcPts val="600"/>
+              </a:spcAft>
+            </a:pPr>
+            <a:r>
+              <a:rPr lang="en-US" kern="1200">
+                <a:solidFill>
+                  <a:schemeClr val="tx1"/>
+                </a:solidFill>
+                <a:latin typeface="+mn-lt"/>
+                <a:ea typeface="+mn-ea"/>
+                <a:cs typeface="+mn-cs"/>
+              </a:rPr>
+              <a:t>The Effects of Natural Disasters on Communities</a:t>
+            </a:r>
+          </a:p>
+        </p:txBody>
+      </p:sp>
+      <p:sp>
+        <p:nvSpPr>
+          <p:cNvPr id="3" name="Slide Number Placeholder 2">
+            <a:extLst>
+              <a:ext uri="{FF2B5EF4-FFF2-40B4-BE49-F238E27FC236}">
+                <a16:creationId xmlns:a16="http://schemas.microsoft.com/office/drawing/2014/main" id="{E6E438A9-7A49-4873-87AA-B00C0DE2FD1C}"/>
+              </a:ext>
+            </a:extLst>
+          </p:cNvPr>
+          <p:cNvSpPr>
+            <a:spLocks noGrp="1"/>
+          </p:cNvSpPr>
+          <p:nvPr>
+            <p:ph type="sldNum" sz="quarter" idx="11"/>
+          </p:nvPr>
+        </p:nvSpPr>
+        <p:spPr>
+          <a:xfrm>
+            <a:off x="11084767" y="6350238"/>
+            <a:ext cx="365760" cy="365125"/>
+          </a:xfrm>
+          <a:prstGeom prst="ellipse">
+            <a:avLst/>
+          </a:prstGeom>
+          <a:solidFill>
+            <a:srgbClr val="595959"/>
+          </a:solidFill>
+        </p:spPr>
+        <p:txBody>
+          <a:bodyPr vert="horz" lIns="91440" tIns="45720" rIns="91440" bIns="45720" rtlCol="0" anchor="ctr">
+            <a:normAutofit/>
+          </a:bodyPr>
+          <a:lstStyle/>
+          <a:p>
+            <a:pPr>
+              <a:spcAft>
+                <a:spcPts val="600"/>
+              </a:spcAft>
+            </a:pPr>
+            <a:fld id="{19B51A1E-902D-48AF-9020-955120F399B6}" type="slidenum">
+              <a:rPr lang="en-US" sz="1050">
+                <a:solidFill>
+                  <a:srgbClr val="FFFFFF"/>
+                </a:solidFill>
+                <a:latin typeface="+mn-lt"/>
+              </a:rPr>
+              <a:pPr>
+                <a:spcAft>
+                  <a:spcPts val="600"/>
+                </a:spcAft>
+              </a:pPr>
+              <a:t>2</a:t>
+            </a:fld>
+            <a:endParaRPr lang="en-US" sz="1050">
+              <a:solidFill>
+                <a:srgbClr val="FFFFFF"/>
+              </a:solidFill>
+              <a:latin typeface="+mn-lt"/>
+            </a:endParaRPr>
+          </a:p>
+        </p:txBody>
+      </p:sp>
+    </p:spTree>
+    <p:extLst>
+      <p:ext uri="{BB962C8B-B14F-4D97-AF65-F5344CB8AC3E}">
+        <p14:creationId xmlns:p14="http://schemas.microsoft.com/office/powerpoint/2010/main" val="1909986912"/>
+      </p:ext>
+    </p:extLst>
+  </p:cSld>
+  <p:clrMapOvr>
+    <a:overrideClrMapping bg1="dk1" tx1="lt1" bg2="dk2" tx2="lt2" accent1="accent1" accent2="accent2" accent3="accent3" accent4="accent4" accent5="accent5" accent6="accent6" hlink="hlink" folHlink="folHlink"/>
+  </p:clrMapOvr>
+</p:sld>
+</file>
+
+<file path=ppt/slides/slide3.xml><?xml version="1.0" encoding="utf-8"?>
+<p:sld xmlns:a="http://schemas.openxmlformats.org/drawingml/2006/main" xmlns:r="http://schemas.openxmlformats.org/officeDocument/2006/relationships" xmlns:p="http://schemas.openxmlformats.org/presentationml/2006/main">
+  <p:cSld>
+    <p:spTree>
+      <p:nvGrpSpPr>
+        <p:cNvPr id="1" name=""/>
+        <p:cNvGrpSpPr/>
+        <p:nvPr/>
+      </p:nvGrpSpPr>
+      <p:grpSpPr>
+        <a:xfrm>
+          <a:off x="0" y="0"/>
+          <a:ext cx="0" cy="0"/>
+          <a:chOff x="0" y="0"/>
+          <a:chExt cx="0" cy="0"/>
+        </a:xfrm>
+      </p:grpSpPr>
+      <p:sp>
+        <p:nvSpPr>
+          <p:cNvPr id="2" name="Content Placeholder 1">
+            <a:extLst>
+              <a:ext uri="{FF2B5EF4-FFF2-40B4-BE49-F238E27FC236}">
+                <a16:creationId xmlns:a16="http://schemas.microsoft.com/office/drawing/2014/main" id="{73416882-5670-4C40-A366-8D841513824D}"/>
+              </a:ext>
+            </a:extLst>
+          </p:cNvPr>
+          <p:cNvSpPr>
+            <a:spLocks noGrp="1"/>
+          </p:cNvSpPr>
+          <p:nvPr>
+            <p:ph idx="1"/>
+          </p:nvPr>
+        </p:nvSpPr>
+        <p:spPr>
+          <a:xfrm>
+            <a:off x="424370" y="1021976"/>
+            <a:ext cx="7637155" cy="5404024"/>
+          </a:xfrm>
+        </p:spPr>
+        <p:txBody>
+          <a:bodyPr/>
+          <a:lstStyle/>
+          <a:p>
+            <a:r>
+              <a:rPr lang="en-US" sz="2000" dirty="0"/>
+              <a:t>Sources</a:t>
+            </a:r>
+          </a:p>
+          <a:p>
+            <a:pPr lvl="1"/>
+            <a:r>
+              <a:rPr lang="en-US" sz="2000" dirty="0"/>
+              <a:t>CSV from FBI National Incident-Based Reporting System (NIBRS)</a:t>
+            </a:r>
+          </a:p>
+          <a:p>
+            <a:r>
+              <a:rPr lang="en-US" sz="2000" dirty="0"/>
+              <a:t>Analysis</a:t>
+            </a:r>
+          </a:p>
+          <a:p>
+            <a:pPr lvl="1"/>
+            <a:r>
+              <a:rPr lang="en-US" sz="2000" dirty="0"/>
+              <a:t>TX agencies in 2008</a:t>
+            </a:r>
+          </a:p>
+          <a:p>
+            <a:pPr lvl="2"/>
+            <a:r>
+              <a:rPr lang="en-US" sz="2000" dirty="0"/>
+              <a:t>All – 1099</a:t>
+            </a:r>
+          </a:p>
+          <a:p>
+            <a:pPr lvl="2"/>
+            <a:r>
+              <a:rPr lang="en-US" sz="2000" dirty="0"/>
+              <a:t>After drop null </a:t>
+            </a:r>
+            <a:r>
+              <a:rPr lang="en-US" sz="2000" dirty="0" err="1"/>
+              <a:t>lat</a:t>
+            </a:r>
+            <a:r>
+              <a:rPr lang="en-US" sz="2000" dirty="0"/>
+              <a:t>/long – 1094</a:t>
+            </a:r>
+          </a:p>
+          <a:p>
+            <a:pPr lvl="2"/>
+            <a:r>
+              <a:rPr lang="en-US" sz="2000" dirty="0"/>
+              <a:t>Participating – 76</a:t>
+            </a:r>
+          </a:p>
+          <a:p>
+            <a:pPr lvl="1"/>
+            <a:r>
+              <a:rPr lang="en-US" sz="2000" dirty="0"/>
+              <a:t>VA agencies in 2011</a:t>
+            </a:r>
+          </a:p>
+          <a:p>
+            <a:pPr lvl="2"/>
+            <a:r>
+              <a:rPr lang="en-US" sz="2000" dirty="0"/>
+              <a:t>All VA– 455</a:t>
+            </a:r>
+          </a:p>
+          <a:p>
+            <a:pPr lvl="2"/>
+            <a:r>
+              <a:rPr lang="en-US" sz="2000" dirty="0"/>
+              <a:t>After drop null </a:t>
+            </a:r>
+            <a:r>
+              <a:rPr lang="en-US" sz="2000" dirty="0" err="1"/>
+              <a:t>lat</a:t>
+            </a:r>
+            <a:r>
+              <a:rPr lang="en-US" sz="2000" dirty="0"/>
+              <a:t>/long – 452</a:t>
+            </a:r>
+          </a:p>
+          <a:p>
+            <a:pPr lvl="2"/>
+            <a:r>
+              <a:rPr lang="en-US" sz="2000" dirty="0"/>
+              <a:t>All VA Participating – 410</a:t>
+            </a:r>
+          </a:p>
+          <a:p>
+            <a:r>
+              <a:rPr lang="en-US" sz="2000" dirty="0"/>
+              <a:t>Findings</a:t>
+            </a:r>
+          </a:p>
+          <a:p>
+            <a:pPr lvl="1"/>
+            <a:r>
+              <a:rPr lang="en-US" sz="2000" dirty="0"/>
+              <a:t>Data available for </a:t>
+            </a:r>
+          </a:p>
+          <a:p>
+            <a:pPr lvl="2"/>
+            <a:r>
+              <a:rPr lang="en-US" sz="2000" dirty="0"/>
+              <a:t>Galveston – Hurricane Ike &amp;</a:t>
+            </a:r>
+          </a:p>
+          <a:p>
+            <a:pPr lvl="2"/>
+            <a:r>
+              <a:rPr lang="en-US" sz="2000" dirty="0"/>
+              <a:t>Louisa County – East Coast Earthquake 2011</a:t>
+            </a:r>
+          </a:p>
+        </p:txBody>
+      </p:sp>
+      <p:sp>
+        <p:nvSpPr>
+          <p:cNvPr id="3" name="Slide Number Placeholder 2">
+            <a:extLst>
+              <a:ext uri="{FF2B5EF4-FFF2-40B4-BE49-F238E27FC236}">
+                <a16:creationId xmlns:a16="http://schemas.microsoft.com/office/drawing/2014/main" id="{E6E438A9-7A49-4873-87AA-B00C0DE2FD1C}"/>
+              </a:ext>
+            </a:extLst>
+          </p:cNvPr>
+          <p:cNvSpPr>
+            <a:spLocks noGrp="1"/>
+          </p:cNvSpPr>
+          <p:nvPr>
+            <p:ph type="sldNum" sz="quarter" idx="11"/>
+          </p:nvPr>
+        </p:nvSpPr>
+        <p:spPr>
+          <a:xfrm>
+            <a:off x="11409431" y="6213621"/>
+            <a:ext cx="537262" cy="365125"/>
+          </a:xfrm>
+        </p:spPr>
+        <p:txBody>
+          <a:bodyPr/>
+          <a:lstStyle/>
+          <a:p>
+            <a:fld id="{19B51A1E-902D-48AF-9020-955120F399B6}" type="slidenum">
+              <a:rPr lang="en-ZA" smtClean="0"/>
+              <a:pPr/>
+              <a:t>3</a:t>
+            </a:fld>
+            <a:endParaRPr lang="en-ZA" dirty="0"/>
+          </a:p>
+        </p:txBody>
+      </p:sp>
+      <p:sp>
+        <p:nvSpPr>
+          <p:cNvPr id="4" name="Footer Placeholder 3">
+            <a:extLst>
+              <a:ext uri="{FF2B5EF4-FFF2-40B4-BE49-F238E27FC236}">
+                <a16:creationId xmlns:a16="http://schemas.microsoft.com/office/drawing/2014/main" id="{50D6945F-BD17-45B9-989C-DD613DFA6427}"/>
+              </a:ext>
+            </a:extLst>
+          </p:cNvPr>
+          <p:cNvSpPr>
+            <a:spLocks noGrp="1"/>
+          </p:cNvSpPr>
+          <p:nvPr>
+            <p:ph type="ftr" sz="quarter" idx="12"/>
+          </p:nvPr>
+        </p:nvSpPr>
+        <p:spPr>
+          <a:xfrm>
+            <a:off x="7089975" y="6487997"/>
+            <a:ext cx="4114800" cy="206104"/>
+          </a:xfrm>
+        </p:spPr>
+        <p:txBody>
+          <a:bodyPr/>
+          <a:lstStyle/>
+          <a:p>
+            <a:r>
+              <a:rPr lang="en-ZA"/>
+              <a:t>The Effects of Natural Disasters on Communities</a:t>
+            </a:r>
+            <a:endParaRPr lang="en-ZA" dirty="0"/>
+          </a:p>
+        </p:txBody>
+      </p:sp>
+      <p:sp>
+        <p:nvSpPr>
+          <p:cNvPr id="5" name="Title 4">
+            <a:extLst>
+              <a:ext uri="{FF2B5EF4-FFF2-40B4-BE49-F238E27FC236}">
+                <a16:creationId xmlns:a16="http://schemas.microsoft.com/office/drawing/2014/main" id="{76A3CA81-7A6C-47BC-8D67-926B325F8336}"/>
+              </a:ext>
+            </a:extLst>
+          </p:cNvPr>
+          <p:cNvSpPr>
+            <a:spLocks noGrp="1"/>
+          </p:cNvSpPr>
+          <p:nvPr>
+            <p:ph type="title"/>
+          </p:nvPr>
+        </p:nvSpPr>
+        <p:spPr>
+          <a:xfrm>
+            <a:off x="432000" y="432000"/>
+            <a:ext cx="11340000" cy="432000"/>
+          </a:xfrm>
+        </p:spPr>
+        <p:txBody>
+          <a:bodyPr/>
+          <a:lstStyle/>
+          <a:p>
+            <a:r>
+              <a:rPr lang="en-US"/>
+              <a:t>Agencies</a:t>
+            </a:r>
+            <a:endParaRPr lang="en-US" dirty="0"/>
+          </a:p>
+        </p:txBody>
+      </p:sp>
+      <p:pic>
+        <p:nvPicPr>
+          <p:cNvPr id="12" name="Picture 11">
+            <a:extLst>
+              <a:ext uri="{FF2B5EF4-FFF2-40B4-BE49-F238E27FC236}">
+                <a16:creationId xmlns:a16="http://schemas.microsoft.com/office/drawing/2014/main" id="{5760EF3D-15B3-466C-81F2-093CDBC374E6}"/>
+              </a:ext>
+            </a:extLst>
+          </p:cNvPr>
+          <p:cNvPicPr>
+            <a:picLocks noChangeAspect="1"/>
+          </p:cNvPicPr>
+          <p:nvPr/>
+        </p:nvPicPr>
+        <p:blipFill rotWithShape="1">
+          <a:blip r:embed="rId3"/>
+          <a:srcRect l="26111" t="7547" r="35621" b="9094"/>
+          <a:stretch/>
+        </p:blipFill>
+        <p:spPr>
+          <a:xfrm>
+            <a:off x="5220748" y="2227092"/>
+            <a:ext cx="3738454" cy="3281090"/>
+          </a:xfrm>
+          <a:prstGeom prst="rect">
+            <a:avLst/>
+          </a:prstGeom>
+        </p:spPr>
+      </p:pic>
+      <p:pic>
+        <p:nvPicPr>
+          <p:cNvPr id="14" name="Picture 13">
+            <a:extLst>
+              <a:ext uri="{FF2B5EF4-FFF2-40B4-BE49-F238E27FC236}">
+                <a16:creationId xmlns:a16="http://schemas.microsoft.com/office/drawing/2014/main" id="{83880F1C-ACE5-4F22-96E3-D43B1EB750B1}"/>
+              </a:ext>
+            </a:extLst>
+          </p:cNvPr>
+          <p:cNvPicPr>
+            <a:picLocks noChangeAspect="1"/>
+          </p:cNvPicPr>
+          <p:nvPr/>
+        </p:nvPicPr>
+        <p:blipFill rotWithShape="1">
+          <a:blip r:embed="rId4"/>
+          <a:srcRect l="23242" t="6233" r="30181" b="20817"/>
+          <a:stretch/>
+        </p:blipFill>
+        <p:spPr>
+          <a:xfrm>
+            <a:off x="8227509" y="1133554"/>
+            <a:ext cx="2684331" cy="1694963"/>
+          </a:xfrm>
+          <a:prstGeom prst="rect">
+            <a:avLst/>
+          </a:prstGeom>
+        </p:spPr>
+      </p:pic>
+    </p:spTree>
+    <p:extLst>
+      <p:ext uri="{BB962C8B-B14F-4D97-AF65-F5344CB8AC3E}">
+        <p14:creationId xmlns:p14="http://schemas.microsoft.com/office/powerpoint/2010/main" val="1699396040"/>
+      </p:ext>
+    </p:extLst>
+  </p:cSld>
+  <p:clrMapOvr>
+    <a:masterClrMapping/>
+  </p:clrMapOvr>
+</p:sld>
+</file>
+
+<file path=ppt/slides/slide4.xml><?xml version="1.0" encoding="utf-8"?>
 <p:sld xmlns:a="http://schemas.openxmlformats.org/drawingml/2006/main" xmlns:r="http://schemas.openxmlformats.org/officeDocument/2006/relationships" xmlns:p="http://schemas.openxmlformats.org/presentationml/2006/main">
   <p:cSld>
     <p:bg>
@@ -23641,12 +27056,41 @@
           <a:chExt cx="0" cy="0"/>
         </a:xfrm>
       </p:grpSpPr>
-      <p:sp>
-        <p:nvSpPr>
-          <p:cNvPr id="17" name="Rectangle 16">
-            <a:extLst>
-              <a:ext uri="{FF2B5EF4-FFF2-40B4-BE49-F238E27FC236}">
-                <a16:creationId xmlns:a16="http://schemas.microsoft.com/office/drawing/2014/main" id="{B9FF99BD-075F-4761-A995-6FC574BD25EA}"/>
+      <p:pic>
+        <p:nvPicPr>
+          <p:cNvPr id="6" name="Picture 5">
+            <a:extLst>
+              <a:ext uri="{FF2B5EF4-FFF2-40B4-BE49-F238E27FC236}">
+                <a16:creationId xmlns:a16="http://schemas.microsoft.com/office/drawing/2014/main" id="{FF17869B-501A-4130-8511-509CB67C1D5A}"/>
+              </a:ext>
+            </a:extLst>
+          </p:cNvPr>
+          <p:cNvPicPr>
+            <a:picLocks noChangeAspect="1"/>
+          </p:cNvPicPr>
+          <p:nvPr/>
+        </p:nvPicPr>
+        <p:blipFill rotWithShape="1">
+          <a:blip r:embed="rId3"/>
+          <a:srcRect l="18434" r="18091"/>
+          <a:stretch/>
+        </p:blipFill>
+        <p:spPr>
+          <a:xfrm>
+            <a:off x="20" y="10"/>
+            <a:ext cx="4668233" cy="6857990"/>
+          </a:xfrm>
+          <a:prstGeom prst="rect">
+            <a:avLst/>
+          </a:prstGeom>
+        </p:spPr>
+      </p:pic>
+      <p:sp>
+        <p:nvSpPr>
+          <p:cNvPr id="28" name="Freeform 28">
+            <a:extLst>
+              <a:ext uri="{FF2B5EF4-FFF2-40B4-BE49-F238E27FC236}">
+                <a16:creationId xmlns:a16="http://schemas.microsoft.com/office/drawing/2014/main" id="{2B70B725-07B0-4EB9-A2D7-AE7B6CFFED37}"/>
               </a:ext>
               <a:ext uri="{C183D7F6-B498-43B3-948B-1728B52AA6E4}">
                 <adec:decorative xmlns:adec="http://schemas.microsoft.com/office/drawing/2017/decorative" val="1"/>
@@ -23665,16 +27109,61 @@
           </p:nvPr>
         </p:nvSpPr>
         <p:spPr>
-          <a:xfrm>
-            <a:off x="0" y="0"/>
-            <a:ext cx="12192000" cy="6858000"/>
-          </a:xfrm>
-          <a:prstGeom prst="rect">
+          <a:xfrm flipH="1" flipV="1">
+            <a:off x="973338" y="0"/>
+            <a:ext cx="11218661" cy="6858000"/>
+          </a:xfrm>
+          <a:custGeom>
             <a:avLst/>
-          </a:prstGeom>
+            <a:gdLst>
+              <a:gd name="connsiteX0" fmla="*/ 0 w 11218661"/>
+              <a:gd name="connsiteY0" fmla="*/ 0 h 6858000"/>
+              <a:gd name="connsiteX1" fmla="*/ 8042507 w 11218661"/>
+              <a:gd name="connsiteY1" fmla="*/ 0 h 6858000"/>
+              <a:gd name="connsiteX2" fmla="*/ 11218661 w 11218661"/>
+              <a:gd name="connsiteY2" fmla="*/ 6858000 h 6858000"/>
+              <a:gd name="connsiteX3" fmla="*/ 0 w 11218661"/>
+              <a:gd name="connsiteY3" fmla="*/ 6858000 h 6858000"/>
+            </a:gdLst>
+            <a:ahLst/>
+            <a:cxnLst>
+              <a:cxn ang="0">
+                <a:pos x="connsiteX0" y="connsiteY0"/>
+              </a:cxn>
+              <a:cxn ang="0">
+                <a:pos x="connsiteX1" y="connsiteY1"/>
+              </a:cxn>
+              <a:cxn ang="0">
+                <a:pos x="connsiteX2" y="connsiteY2"/>
+              </a:cxn>
+              <a:cxn ang="0">
+                <a:pos x="connsiteX3" y="connsiteY3"/>
+              </a:cxn>
+            </a:cxnLst>
+            <a:rect l="l" t="t" r="r" b="b"/>
+            <a:pathLst>
+              <a:path w="11218661" h="6858000">
+                <a:moveTo>
+                  <a:pt x="0" y="0"/>
+                </a:moveTo>
+                <a:lnTo>
+                  <a:pt x="8042507" y="0"/>
+                </a:lnTo>
+                <a:lnTo>
+                  <a:pt x="11218661" y="6858000"/>
+                </a:lnTo>
+                <a:lnTo>
+                  <a:pt x="0" y="6858000"/>
+                </a:lnTo>
+                <a:close/>
+              </a:path>
+            </a:pathLst>
+          </a:custGeom>
           <a:solidFill>
             <a:schemeClr val="bg1">
-              <a:lumMod val="65000"/>
+              <a:lumMod val="85000"/>
+              <a:lumOff val="15000"/>
+              <a:alpha val="70000"/>
             </a:schemeClr>
           </a:solidFill>
           <a:ln>
@@ -23698,7 +27187,9 @@
           </a:fontRef>
         </p:style>
         <p:txBody>
-          <a:bodyPr rtlCol="0" anchor="ctr"/>
+          <a:bodyPr wrap="square" rtlCol="0" anchor="ctr">
+            <a:noAutofit/>
+          </a:bodyPr>
           <a:lstStyle/>
           <a:p>
             <a:pPr algn="ctr"/>
@@ -23708,10 +27199,10 @@
       </p:sp>
       <p:sp>
         <p:nvSpPr>
-          <p:cNvPr id="19" name="Rectangle 18">
-            <a:extLst>
-              <a:ext uri="{FF2B5EF4-FFF2-40B4-BE49-F238E27FC236}">
-                <a16:creationId xmlns:a16="http://schemas.microsoft.com/office/drawing/2014/main" id="{A7B21A54-9BA3-4EA9-B460-5A829ADD9051}"/>
+          <p:cNvPr id="22" name="Freeform 26">
+            <a:extLst>
+              <a:ext uri="{FF2B5EF4-FFF2-40B4-BE49-F238E27FC236}">
+                <a16:creationId xmlns:a16="http://schemas.microsoft.com/office/drawing/2014/main" id="{5B2C47C6-EA4D-46C3-8760-73C091352963}"/>
               </a:ext>
               <a:ext uri="{C183D7F6-B498-43B3-948B-1728B52AA6E4}">
                 <adec:decorative xmlns:adec="http://schemas.microsoft.com/office/drawing/2017/decorative" val="1"/>
@@ -23730,18 +27221,64 @@
           </p:nvPr>
         </p:nvSpPr>
         <p:spPr>
-          <a:xfrm>
-            <a:off x="477012" y="480060"/>
-            <a:ext cx="11237976" cy="5897880"/>
-          </a:xfrm>
-          <a:prstGeom prst="rect">
+          <a:xfrm flipH="1" flipV="1">
+            <a:off x="1420248" y="0"/>
+            <a:ext cx="10771752" cy="6858000"/>
+          </a:xfrm>
+          <a:custGeom>
             <a:avLst/>
-          </a:prstGeom>
-          <a:noFill/>
+            <a:gdLst>
+              <a:gd name="connsiteX0" fmla="*/ 0 w 10771752"/>
+              <a:gd name="connsiteY0" fmla="*/ 0 h 6858000"/>
+              <a:gd name="connsiteX1" fmla="*/ 7595598 w 10771752"/>
+              <a:gd name="connsiteY1" fmla="*/ 0 h 6858000"/>
+              <a:gd name="connsiteX2" fmla="*/ 10771752 w 10771752"/>
+              <a:gd name="connsiteY2" fmla="*/ 6858000 h 6858000"/>
+              <a:gd name="connsiteX3" fmla="*/ 0 w 10771752"/>
+              <a:gd name="connsiteY3" fmla="*/ 6858000 h 6858000"/>
+            </a:gdLst>
+            <a:ahLst/>
+            <a:cxnLst>
+              <a:cxn ang="0">
+                <a:pos x="connsiteX0" y="connsiteY0"/>
+              </a:cxn>
+              <a:cxn ang="0">
+                <a:pos x="connsiteX1" y="connsiteY1"/>
+              </a:cxn>
+              <a:cxn ang="0">
+                <a:pos x="connsiteX2" y="connsiteY2"/>
+              </a:cxn>
+              <a:cxn ang="0">
+                <a:pos x="connsiteX3" y="connsiteY3"/>
+              </a:cxn>
+            </a:cxnLst>
+            <a:rect l="l" t="t" r="r" b="b"/>
+            <a:pathLst>
+              <a:path w="10771752" h="6858000">
+                <a:moveTo>
+                  <a:pt x="0" y="0"/>
+                </a:moveTo>
+                <a:lnTo>
+                  <a:pt x="7595598" y="0"/>
+                </a:lnTo>
+                <a:lnTo>
+                  <a:pt x="10771752" y="6858000"/>
+                </a:lnTo>
+                <a:lnTo>
+                  <a:pt x="0" y="6858000"/>
+                </a:lnTo>
+                <a:close/>
+              </a:path>
+            </a:pathLst>
+          </a:custGeom>
+          <a:solidFill>
+            <a:schemeClr val="bg1">
+              <a:lumMod val="85000"/>
+              <a:lumOff val="15000"/>
+            </a:schemeClr>
+          </a:solidFill>
           <a:ln>
-            <a:solidFill>
-              <a:schemeClr val="bg1"/>
-            </a:solidFill>
+            <a:noFill/>
           </a:ln>
         </p:spPr>
         <p:style>
@@ -23761,7 +27298,9 @@
           </a:fontRef>
         </p:style>
         <p:txBody>
-          <a:bodyPr rtlCol="0" anchor="ctr"/>
+          <a:bodyPr wrap="square" rtlCol="0" anchor="ctr">
+            <a:noAutofit/>
+          </a:bodyPr>
           <a:lstStyle/>
           <a:p>
             <a:pPr algn="ctr"/>
@@ -23771,116 +27310,24 @@
       </p:sp>
       <p:sp>
         <p:nvSpPr>
-          <p:cNvPr id="21" name="Rectangle 20">
-            <a:extLst>
-              <a:ext uri="{FF2B5EF4-FFF2-40B4-BE49-F238E27FC236}">
-                <a16:creationId xmlns:a16="http://schemas.microsoft.com/office/drawing/2014/main" id="{6FA8F714-B9D8-488A-8CCA-E9948FF913A9}"/>
-              </a:ext>
-              <a:ext uri="{C183D7F6-B498-43B3-948B-1728B52AA6E4}">
-                <adec:decorative xmlns:adec="http://schemas.microsoft.com/office/drawing/2017/decorative" val="1"/>
-              </a:ext>
-            </a:extLst>
-          </p:cNvPr>
-          <p:cNvSpPr>
-            <a:spLocks noGrp="1" noRot="1" noChangeAspect="1" noMove="1" noResize="1" noEditPoints="1" noAdjustHandles="1" noChangeArrowheads="1" noChangeShapeType="1" noTextEdit="1"/>
-          </p:cNvSpPr>
-          <p:nvPr>
-            <p:extLst>
-              <p:ext uri="{386F3935-93C4-4BCD-93E2-E3B085C9AB24}">
-                <p16:designElem xmlns:p16="http://schemas.microsoft.com/office/powerpoint/2015/main" val="1"/>
-              </p:ext>
-            </p:extLst>
-          </p:nvPr>
-        </p:nvSpPr>
-        <p:spPr>
-          <a:xfrm>
-            <a:off x="643466" y="643468"/>
-            <a:ext cx="10905067" cy="5571066"/>
-          </a:xfrm>
-          <a:prstGeom prst="rect">
-            <a:avLst/>
-          </a:prstGeom>
-          <a:solidFill>
-            <a:srgbClr val="FFFFFF"/>
-          </a:solidFill>
-          <a:ln>
-            <a:noFill/>
-          </a:ln>
-        </p:spPr>
-        <p:style>
-          <a:lnRef idx="2">
-            <a:schemeClr val="accent1">
-              <a:shade val="50000"/>
-            </a:schemeClr>
-          </a:lnRef>
-          <a:fillRef idx="1">
-            <a:schemeClr val="accent1"/>
-          </a:fillRef>
-          <a:effectRef idx="0">
-            <a:schemeClr val="accent1"/>
-          </a:effectRef>
-          <a:fontRef idx="minor">
-            <a:schemeClr val="lt1"/>
-          </a:fontRef>
-        </p:style>
-        <p:txBody>
-          <a:bodyPr rtlCol="0" anchor="ctr"/>
-          <a:lstStyle/>
-          <a:p>
-            <a:pPr algn="ctr"/>
-            <a:endParaRPr lang="en-US"/>
-          </a:p>
-        </p:txBody>
-      </p:sp>
-      <p:pic>
-        <p:nvPicPr>
-          <p:cNvPr id="5" name="Picture 4" descr="A picture containing clipart&#10;&#10;Description automatically generated">
-            <a:extLst>
-              <a:ext uri="{FF2B5EF4-FFF2-40B4-BE49-F238E27FC236}">
-                <a16:creationId xmlns:a16="http://schemas.microsoft.com/office/drawing/2014/main" id="{3FBD1A20-F02E-1B48-81EE-F8EF452B3DAD}"/>
-              </a:ext>
-            </a:extLst>
-          </p:cNvPr>
-          <p:cNvPicPr>
-            <a:picLocks noChangeAspect="1"/>
-          </p:cNvPicPr>
-          <p:nvPr/>
-        </p:nvPicPr>
-        <p:blipFill rotWithShape="1">
-          <a:blip r:embed="rId2"/>
-          <a:srcRect t="2759" b="7740"/>
-          <a:stretch/>
-        </p:blipFill>
-        <p:spPr>
-          <a:xfrm>
-            <a:off x="2666017" y="1123527"/>
-            <a:ext cx="6859961" cy="4604800"/>
-          </a:xfrm>
-          <a:prstGeom prst="rect">
-            <a:avLst/>
-          </a:prstGeom>
-        </p:spPr>
-      </p:pic>
-      <p:sp>
-        <p:nvSpPr>
-          <p:cNvPr id="2" name="Slide Number Placeholder 1">
-            <a:extLst>
-              <a:ext uri="{FF2B5EF4-FFF2-40B4-BE49-F238E27FC236}">
-                <a16:creationId xmlns:a16="http://schemas.microsoft.com/office/drawing/2014/main" id="{B9E2F80A-DEFA-4FAD-BB22-4236BAEB0495}"/>
-              </a:ext>
-            </a:extLst>
-          </p:cNvPr>
-          <p:cNvSpPr>
-            <a:spLocks noGrp="1"/>
-          </p:cNvSpPr>
-          <p:nvPr>
-            <p:ph type="sldNum" sz="quarter" idx="11"/>
-          </p:nvPr>
-        </p:nvSpPr>
-        <p:spPr>
-          <a:xfrm>
-            <a:off x="8610600" y="6356350"/>
-            <a:ext cx="2743200" cy="365125"/>
+          <p:cNvPr id="5" name="Title 4">
+            <a:extLst>
+              <a:ext uri="{FF2B5EF4-FFF2-40B4-BE49-F238E27FC236}">
+                <a16:creationId xmlns:a16="http://schemas.microsoft.com/office/drawing/2014/main" id="{76A3CA81-7A6C-47BC-8D67-926B325F8336}"/>
+              </a:ext>
+            </a:extLst>
+          </p:cNvPr>
+          <p:cNvSpPr>
+            <a:spLocks noGrp="1"/>
+          </p:cNvSpPr>
+          <p:nvPr>
+            <p:ph type="title"/>
+          </p:nvPr>
+        </p:nvSpPr>
+        <p:spPr>
+          <a:xfrm>
+            <a:off x="4384039" y="365125"/>
+            <a:ext cx="7164493" cy="1325563"/>
           </a:xfrm>
         </p:spPr>
         <p:txBody>
@@ -23889,30 +27336,290 @@
           </a:bodyPr>
           <a:lstStyle/>
           <a:p>
+            <a:r>
+              <a:rPr lang="en-US" sz="4400">
+                <a:solidFill>
+                  <a:schemeClr val="tx1"/>
+                </a:solidFill>
+              </a:rPr>
+              <a:t>Crime</a:t>
+            </a:r>
+          </a:p>
+        </p:txBody>
+      </p:sp>
+      <p:sp>
+        <p:nvSpPr>
+          <p:cNvPr id="2" name="Content Placeholder 1">
+            <a:extLst>
+              <a:ext uri="{FF2B5EF4-FFF2-40B4-BE49-F238E27FC236}">
+                <a16:creationId xmlns:a16="http://schemas.microsoft.com/office/drawing/2014/main" id="{73416882-5670-4C40-A366-8D841513824D}"/>
+              </a:ext>
+            </a:extLst>
+          </p:cNvPr>
+          <p:cNvSpPr>
+            <a:spLocks noGrp="1"/>
+          </p:cNvSpPr>
+          <p:nvPr>
+            <p:ph idx="1"/>
+          </p:nvPr>
+        </p:nvSpPr>
+        <p:spPr>
+          <a:xfrm>
+            <a:off x="4387515" y="1402081"/>
+            <a:ext cx="7161017" cy="4774882"/>
+          </a:xfrm>
+        </p:spPr>
+        <p:txBody>
+          <a:bodyPr vert="horz" lIns="91440" tIns="45720" rIns="91440" bIns="45720" rtlCol="0">
+            <a:normAutofit lnSpcReduction="10000"/>
+          </a:bodyPr>
+          <a:lstStyle/>
+          <a:p>
+            <a:pPr indent="-228600">
+              <a:buFont typeface="Arial" panose="020B0604020202020204" pitchFamily="34" charset="0"/>
+              <a:buChar char="•"/>
+            </a:pPr>
+            <a:r>
+              <a:rPr lang="en-US" sz="2000" dirty="0">
+                <a:solidFill>
+                  <a:schemeClr val="tx1"/>
+                </a:solidFill>
+              </a:rPr>
+              <a:t>API pull from FBI National Incident-Based Reporting System (NIBRS)</a:t>
+            </a:r>
+          </a:p>
+          <a:p>
+            <a:pPr lvl="1" indent="-228600"/>
+            <a:r>
+              <a:rPr lang="en-US" sz="2000" dirty="0">
+                <a:solidFill>
+                  <a:schemeClr val="tx1"/>
+                </a:solidFill>
+              </a:rPr>
+              <a:t>Galveston, TX </a:t>
+            </a:r>
+          </a:p>
+          <a:p>
+            <a:pPr lvl="2" indent="-228600">
+              <a:buFont typeface="Arial" panose="020B0604020202020204" pitchFamily="34" charset="0"/>
+              <a:buChar char="•"/>
+            </a:pPr>
+            <a:r>
+              <a:rPr lang="en-US" sz="2000" dirty="0">
+                <a:solidFill>
+                  <a:schemeClr val="tx1"/>
+                </a:solidFill>
+              </a:rPr>
+              <a:t>Hurricane Ike </a:t>
+            </a:r>
+          </a:p>
+          <a:p>
+            <a:pPr lvl="1" indent="-228600"/>
+            <a:r>
+              <a:rPr lang="en-US" sz="2000" dirty="0">
+                <a:solidFill>
+                  <a:schemeClr val="tx1"/>
+                </a:solidFill>
+              </a:rPr>
+              <a:t>Louisa County, VA</a:t>
+            </a:r>
+          </a:p>
+          <a:p>
+            <a:pPr lvl="2" indent="-228600">
+              <a:buFont typeface="Arial" panose="020B0604020202020204" pitchFamily="34" charset="0"/>
+              <a:buChar char="•"/>
+            </a:pPr>
+            <a:r>
+              <a:rPr lang="en-US" sz="2000" dirty="0">
+                <a:solidFill>
+                  <a:schemeClr val="tx1"/>
+                </a:solidFill>
+              </a:rPr>
+              <a:t>East Coast Earthquake in 2011</a:t>
+            </a:r>
+          </a:p>
+          <a:p>
+            <a:pPr indent="-228600">
+              <a:buFont typeface="Arial" panose="020B0604020202020204" pitchFamily="34" charset="0"/>
+              <a:buChar char="•"/>
+            </a:pPr>
+            <a:r>
+              <a:rPr lang="en-US" sz="2000" dirty="0">
+                <a:solidFill>
+                  <a:schemeClr val="tx1"/>
+                </a:solidFill>
+              </a:rPr>
+              <a:t>Originally started with 3.64 million lines </a:t>
+            </a:r>
+          </a:p>
+          <a:p>
+            <a:pPr lvl="1" indent="-228600"/>
+            <a:r>
+              <a:rPr lang="en-US" sz="2000" dirty="0">
+                <a:solidFill>
+                  <a:schemeClr val="tx1"/>
+                </a:solidFill>
+              </a:rPr>
+              <a:t>Filtered to 46 K by selecting records reported by specific police station (Galveston and Louisa counties).</a:t>
+            </a:r>
+          </a:p>
+          <a:p>
+            <a:pPr indent="-228600">
+              <a:buFont typeface="Arial" panose="020B0604020202020204" pitchFamily="34" charset="0"/>
+              <a:buChar char="•"/>
+            </a:pPr>
+            <a:r>
+              <a:rPr lang="en-US" sz="2000" dirty="0">
+                <a:solidFill>
+                  <a:schemeClr val="tx1"/>
+                </a:solidFill>
+              </a:rPr>
+              <a:t>Findings:</a:t>
+            </a:r>
+          </a:p>
+          <a:p>
+            <a:pPr lvl="1" indent="-228600"/>
+            <a:r>
+              <a:rPr lang="en-US" sz="2000" dirty="0">
+                <a:solidFill>
+                  <a:schemeClr val="tx1"/>
+                </a:solidFill>
+              </a:rPr>
+              <a:t>Galveston crime rate dropped immediately on the date of disaster and stayed below average in the two years post hurricane</a:t>
+            </a:r>
+          </a:p>
+          <a:p>
+            <a:pPr lvl="1" indent="-228600"/>
+            <a:r>
+              <a:rPr lang="en-US" sz="2000" dirty="0">
+                <a:solidFill>
+                  <a:schemeClr val="tx1"/>
+                </a:solidFill>
+              </a:rPr>
+              <a:t>Louisa county crime rate dropped on the date of disaster, however it exceeded the average crime rate for the two years following the earthquake</a:t>
+            </a:r>
+          </a:p>
+          <a:p>
+            <a:pPr indent="-228600">
+              <a:buFont typeface="Arial" panose="020B0604020202020204" pitchFamily="34" charset="0"/>
+              <a:buChar char="•"/>
+            </a:pPr>
+            <a:endParaRPr lang="en-US" sz="1700" dirty="0">
+              <a:solidFill>
+                <a:schemeClr val="tx1"/>
+              </a:solidFill>
+            </a:endParaRPr>
+          </a:p>
+        </p:txBody>
+      </p:sp>
+      <p:sp>
+        <p:nvSpPr>
+          <p:cNvPr id="4" name="Footer Placeholder 3">
+            <a:extLst>
+              <a:ext uri="{FF2B5EF4-FFF2-40B4-BE49-F238E27FC236}">
+                <a16:creationId xmlns:a16="http://schemas.microsoft.com/office/drawing/2014/main" id="{50D6945F-BD17-45B9-989C-DD613DFA6427}"/>
+              </a:ext>
+            </a:extLst>
+          </p:cNvPr>
+          <p:cNvSpPr>
+            <a:spLocks noGrp="1"/>
+          </p:cNvSpPr>
+          <p:nvPr>
+            <p:ph type="ftr" sz="quarter" idx="12"/>
+          </p:nvPr>
+        </p:nvSpPr>
+        <p:spPr>
+          <a:xfrm>
+            <a:off x="4038600" y="6356350"/>
+            <a:ext cx="4114800" cy="365125"/>
+          </a:xfrm>
+        </p:spPr>
+        <p:txBody>
+          <a:bodyPr vert="horz" lIns="91440" tIns="45720" rIns="91440" bIns="45720" rtlCol="0" anchor="ctr">
+            <a:normAutofit/>
+          </a:bodyPr>
+          <a:lstStyle/>
+          <a:p>
+            <a:pPr algn="ctr">
+              <a:spcAft>
+                <a:spcPts val="600"/>
+              </a:spcAft>
+              <a:defRPr/>
+            </a:pPr>
+            <a:r>
+              <a:rPr lang="en-US" i="0" kern="1200">
+                <a:solidFill>
+                  <a:schemeClr val="tx1">
+                    <a:alpha val="80000"/>
+                  </a:schemeClr>
+                </a:solidFill>
+                <a:latin typeface="Calibri" panose="020F0502020204030204"/>
+                <a:ea typeface="+mn-ea"/>
+                <a:cs typeface="+mn-cs"/>
+              </a:rPr>
+              <a:t>Add a footer</a:t>
+            </a:r>
+          </a:p>
+        </p:txBody>
+      </p:sp>
+      <p:sp>
+        <p:nvSpPr>
+          <p:cNvPr id="3" name="Slide Number Placeholder 2">
+            <a:extLst>
+              <a:ext uri="{FF2B5EF4-FFF2-40B4-BE49-F238E27FC236}">
+                <a16:creationId xmlns:a16="http://schemas.microsoft.com/office/drawing/2014/main" id="{E6E438A9-7A49-4873-87AA-B00C0DE2FD1C}"/>
+              </a:ext>
+            </a:extLst>
+          </p:cNvPr>
+          <p:cNvSpPr>
+            <a:spLocks noGrp="1"/>
+          </p:cNvSpPr>
+          <p:nvPr>
+            <p:ph type="sldNum" sz="quarter" idx="11"/>
+          </p:nvPr>
+        </p:nvSpPr>
+        <p:spPr>
+          <a:xfrm>
+            <a:off x="8610600" y="6356350"/>
+            <a:ext cx="2743200" cy="365125"/>
+          </a:xfrm>
+        </p:spPr>
+        <p:txBody>
+          <a:bodyPr vert="horz" lIns="91440" tIns="45720" rIns="91440" bIns="45720" rtlCol="0" anchor="ctr">
+            <a:normAutofit/>
+          </a:bodyPr>
+          <a:lstStyle/>
+          <a:p>
             <a:pPr algn="r">
               <a:spcAft>
                 <a:spcPts val="600"/>
               </a:spcAft>
+              <a:defRPr/>
             </a:pPr>
             <a:fld id="{19B51A1E-902D-48AF-9020-955120F399B6}" type="slidenum">
-              <a:rPr lang="en-US" sz="1200">
+              <a:rPr lang="en-US" sz="1200" b="0">
                 <a:solidFill>
-                  <a:srgbClr val="FFFFFF"/>
+                  <a:schemeClr val="tx1">
+                    <a:alpha val="80000"/>
+                  </a:schemeClr>
                 </a:solidFill>
-                <a:latin typeface="+mn-lt"/>
+                <a:latin typeface="Calibri" panose="020F0502020204030204"/>
               </a:rPr>
               <a:pPr algn="r">
                 <a:spcAft>
                   <a:spcPts val="600"/>
                 </a:spcAft>
+                <a:defRPr/>
               </a:pPr>
-              <a:t>15</a:t>
+              <a:t>4</a:t>
             </a:fld>
-            <a:endParaRPr lang="en-US" sz="1200">
+            <a:endParaRPr lang="en-US" sz="1200" b="0">
               <a:solidFill>
-                <a:srgbClr val="FFFFFF"/>
+                <a:schemeClr val="tx1">
+                  <a:alpha val="80000"/>
+                </a:schemeClr>
               </a:solidFill>
-              <a:latin typeface="+mn-lt"/>
+              <a:latin typeface="Calibri" panose="020F0502020204030204"/>
             </a:endParaRPr>
           </a:p>
         </p:txBody>
@@ -23920,856 +27627,12 @@
     </p:spTree>
     <p:extLst>
       <p:ext uri="{BB962C8B-B14F-4D97-AF65-F5344CB8AC3E}">
-        <p14:creationId xmlns:p14="http://schemas.microsoft.com/office/powerpoint/2010/main" val="59582380"/>
+        <p14:creationId xmlns:p14="http://schemas.microsoft.com/office/powerpoint/2010/main" val="2389633252"/>
       </p:ext>
     </p:extLst>
   </p:cSld>
   <p:clrMapOvr>
-    <a:masterClrMapping/>
-  </p:clrMapOvr>
-</p:sld>
-</file>
-
-<file path=ppt/slides/slide16.xml><?xml version="1.0" encoding="utf-8"?>
-<p:sld xmlns:a="http://schemas.openxmlformats.org/drawingml/2006/main" xmlns:r="http://schemas.openxmlformats.org/officeDocument/2006/relationships" xmlns:p="http://schemas.openxmlformats.org/presentationml/2006/main">
-  <p:cSld>
-    <p:spTree>
-      <p:nvGrpSpPr>
-        <p:cNvPr id="1" name=""/>
-        <p:cNvGrpSpPr/>
-        <p:nvPr/>
-      </p:nvGrpSpPr>
-      <p:grpSpPr>
-        <a:xfrm>
-          <a:off x="0" y="0"/>
-          <a:ext cx="0" cy="0"/>
-          <a:chOff x="0" y="0"/>
-          <a:chExt cx="0" cy="0"/>
-        </a:xfrm>
-      </p:grpSpPr>
-      <p:sp>
-        <p:nvSpPr>
-          <p:cNvPr id="5" name="Content Placeholder 4">
-            <a:extLst>
-              <a:ext uri="{FF2B5EF4-FFF2-40B4-BE49-F238E27FC236}">
-                <a16:creationId xmlns:a16="http://schemas.microsoft.com/office/drawing/2014/main" id="{E8D50585-317E-4561-AC12-330089F7A34C}"/>
-              </a:ext>
-            </a:extLst>
-          </p:cNvPr>
-          <p:cNvSpPr>
-            <a:spLocks noGrp="1"/>
-          </p:cNvSpPr>
-          <p:nvPr>
-            <p:ph idx="1"/>
-          </p:nvPr>
-        </p:nvSpPr>
-        <p:spPr>
-          <a:xfrm>
-            <a:off x="424370" y="1272208"/>
-            <a:ext cx="11340000" cy="4660183"/>
-          </a:xfrm>
-        </p:spPr>
-        <p:txBody>
-          <a:bodyPr/>
-          <a:lstStyle/>
-          <a:p>
-            <a:r>
-              <a:rPr lang="en-US" sz="2000" dirty="0"/>
-              <a:t>FBI crime data:</a:t>
-            </a:r>
-          </a:p>
-          <a:p>
-            <a:pPr lvl="1"/>
-            <a:r>
-              <a:rPr lang="en-US" sz="2000" dirty="0"/>
-              <a:t>https://crime-data-explorer.fr.cloud.gov/api </a:t>
-            </a:r>
-          </a:p>
-          <a:p>
-            <a:r>
-              <a:rPr lang="en-US" sz="2000" dirty="0"/>
-              <a:t>Census Data:</a:t>
-            </a:r>
-          </a:p>
-          <a:p>
-            <a:pPr lvl="1"/>
-            <a:r>
-              <a:rPr lang="en-US" sz="1800" dirty="0">
-                <a:hlinkClick r:id="rId3"/>
-              </a:rPr>
-              <a:t>https://api.census.gov/data/</a:t>
-            </a:r>
-            <a:endParaRPr lang="en-US" sz="1800" dirty="0"/>
-          </a:p>
-          <a:p>
-            <a:r>
-              <a:rPr lang="en-US" sz="2000" dirty="0"/>
-              <a:t>Google Maps:</a:t>
-            </a:r>
-          </a:p>
-          <a:p>
-            <a:pPr lvl="1"/>
-            <a:r>
-              <a:rPr lang="en-US" sz="1800" dirty="0"/>
-              <a:t>https://cloud.google.com/maps-platform/</a:t>
-            </a:r>
-          </a:p>
-          <a:p>
-            <a:r>
-              <a:rPr lang="en-US" sz="2000" dirty="0"/>
-              <a:t>News Article about police activity post Ike</a:t>
-            </a:r>
-          </a:p>
-          <a:p>
-            <a:pPr lvl="1"/>
-            <a:r>
-              <a:rPr lang="en-US" sz="2000" dirty="0">
-                <a:hlinkClick r:id="rId4"/>
-              </a:rPr>
-              <a:t>https://www.chron.com/news/hurricanes/article/Looters-think-twice-as-police-up-patrol-arrest-1591018.php</a:t>
-            </a:r>
-            <a:endParaRPr lang="en-US" sz="2000" dirty="0"/>
-          </a:p>
-          <a:p>
-            <a:endParaRPr lang="en-US" dirty="0"/>
-          </a:p>
-        </p:txBody>
-      </p:sp>
-      <p:sp>
-        <p:nvSpPr>
-          <p:cNvPr id="2" name="Slide Number Placeholder 1">
-            <a:extLst>
-              <a:ext uri="{FF2B5EF4-FFF2-40B4-BE49-F238E27FC236}">
-                <a16:creationId xmlns:a16="http://schemas.microsoft.com/office/drawing/2014/main" id="{B9E2F80A-DEFA-4FAD-BB22-4236BAEB0495}"/>
-              </a:ext>
-            </a:extLst>
-          </p:cNvPr>
-          <p:cNvSpPr>
-            <a:spLocks noGrp="1"/>
-          </p:cNvSpPr>
-          <p:nvPr>
-            <p:ph type="sldNum" sz="quarter" idx="11"/>
-          </p:nvPr>
-        </p:nvSpPr>
-        <p:spPr/>
-        <p:txBody>
-          <a:bodyPr/>
-          <a:lstStyle/>
-          <a:p>
-            <a:fld id="{19B51A1E-902D-48AF-9020-955120F399B6}" type="slidenum">
-              <a:rPr lang="en-ZA" smtClean="0"/>
-              <a:pPr/>
-              <a:t>16</a:t>
-            </a:fld>
-            <a:endParaRPr lang="en-ZA" dirty="0"/>
-          </a:p>
-        </p:txBody>
-      </p:sp>
-      <p:sp>
-        <p:nvSpPr>
-          <p:cNvPr id="4" name="Title 3">
-            <a:extLst>
-              <a:ext uri="{FF2B5EF4-FFF2-40B4-BE49-F238E27FC236}">
-                <a16:creationId xmlns:a16="http://schemas.microsoft.com/office/drawing/2014/main" id="{E98DCA46-603B-4178-8707-30E192CE6B8D}"/>
-              </a:ext>
-            </a:extLst>
-          </p:cNvPr>
-          <p:cNvSpPr>
-            <a:spLocks noGrp="1"/>
-          </p:cNvSpPr>
-          <p:nvPr>
-            <p:ph type="title"/>
-          </p:nvPr>
-        </p:nvSpPr>
-        <p:spPr/>
-        <p:txBody>
-          <a:bodyPr/>
-          <a:lstStyle/>
-          <a:p>
-            <a:r>
-              <a:rPr lang="en-US" dirty="0"/>
-              <a:t>Sources</a:t>
-            </a:r>
-          </a:p>
-        </p:txBody>
-      </p:sp>
-    </p:spTree>
-    <p:extLst>
-      <p:ext uri="{BB962C8B-B14F-4D97-AF65-F5344CB8AC3E}">
-        <p14:creationId xmlns:p14="http://schemas.microsoft.com/office/powerpoint/2010/main" val="250828876"/>
-      </p:ext>
-    </p:extLst>
-  </p:cSld>
-  <p:clrMapOvr>
-    <a:masterClrMapping/>
-  </p:clrMapOvr>
-</p:sld>
-</file>
-
-<file path=ppt/slides/slide2.xml><?xml version="1.0" encoding="utf-8"?>
-<p:sld xmlns:a="http://schemas.openxmlformats.org/drawingml/2006/main" xmlns:r="http://schemas.openxmlformats.org/officeDocument/2006/relationships" xmlns:p="http://schemas.openxmlformats.org/presentationml/2006/main">
-  <p:cSld>
-    <p:spTree>
-      <p:nvGrpSpPr>
-        <p:cNvPr id="1" name=""/>
-        <p:cNvGrpSpPr/>
-        <p:nvPr/>
-      </p:nvGrpSpPr>
-      <p:grpSpPr>
-        <a:xfrm>
-          <a:off x="0" y="0"/>
-          <a:ext cx="0" cy="0"/>
-          <a:chOff x="0" y="0"/>
-          <a:chExt cx="0" cy="0"/>
-        </a:xfrm>
-      </p:grpSpPr>
-      <p:sp>
-        <p:nvSpPr>
-          <p:cNvPr id="2" name="Content Placeholder 1">
-            <a:extLst>
-              <a:ext uri="{FF2B5EF4-FFF2-40B4-BE49-F238E27FC236}">
-                <a16:creationId xmlns:a16="http://schemas.microsoft.com/office/drawing/2014/main" id="{73416882-5670-4C40-A366-8D841513824D}"/>
-              </a:ext>
-            </a:extLst>
-          </p:cNvPr>
-          <p:cNvSpPr>
-            <a:spLocks noGrp="1"/>
-          </p:cNvSpPr>
-          <p:nvPr>
-            <p:ph idx="1"/>
-          </p:nvPr>
-        </p:nvSpPr>
-        <p:spPr/>
-        <p:txBody>
-          <a:bodyPr/>
-          <a:lstStyle/>
-          <a:p>
-            <a:pPr lvl="1"/>
-            <a:r>
-              <a:rPr lang="en-US" sz="3200" dirty="0"/>
-              <a:t>Local Enforcement ‘Agencies’ (police stations)</a:t>
-            </a:r>
-          </a:p>
-          <a:p>
-            <a:pPr lvl="2"/>
-            <a:r>
-              <a:rPr lang="en-US" sz="3200" dirty="0"/>
-              <a:t>Crime Data</a:t>
-            </a:r>
-          </a:p>
-          <a:p>
-            <a:pPr lvl="2"/>
-            <a:r>
-              <a:rPr lang="en-US" sz="3000" dirty="0"/>
-              <a:t>Galveston, TX and Louisa County</a:t>
-            </a:r>
-          </a:p>
-          <a:p>
-            <a:pPr lvl="1"/>
-            <a:r>
-              <a:rPr lang="en-US" sz="3200" dirty="0"/>
-              <a:t>Census Stats</a:t>
-            </a:r>
-          </a:p>
-          <a:p>
-            <a:pPr lvl="2"/>
-            <a:r>
-              <a:rPr lang="en-US" sz="3200" dirty="0"/>
-              <a:t>Population Data </a:t>
-            </a:r>
-          </a:p>
-          <a:p>
-            <a:pPr lvl="2"/>
-            <a:r>
-              <a:rPr lang="en-US" sz="3200" dirty="0"/>
-              <a:t>Median Household Income Data</a:t>
-            </a:r>
-          </a:p>
-          <a:p>
-            <a:pPr lvl="1"/>
-            <a:r>
-              <a:rPr lang="en-US" sz="3200" dirty="0"/>
-              <a:t>Conclusion</a:t>
-            </a:r>
-          </a:p>
-          <a:p>
-            <a:pPr lvl="1"/>
-            <a:r>
-              <a:rPr lang="en-US" sz="3200" dirty="0"/>
-              <a:t>Q/A</a:t>
-            </a:r>
-          </a:p>
-        </p:txBody>
-      </p:sp>
-      <p:sp>
-        <p:nvSpPr>
-          <p:cNvPr id="3" name="Slide Number Placeholder 2">
-            <a:extLst>
-              <a:ext uri="{FF2B5EF4-FFF2-40B4-BE49-F238E27FC236}">
-                <a16:creationId xmlns:a16="http://schemas.microsoft.com/office/drawing/2014/main" id="{E6E438A9-7A49-4873-87AA-B00C0DE2FD1C}"/>
-              </a:ext>
-            </a:extLst>
-          </p:cNvPr>
-          <p:cNvSpPr>
-            <a:spLocks noGrp="1"/>
-          </p:cNvSpPr>
-          <p:nvPr>
-            <p:ph type="sldNum" sz="quarter" idx="11"/>
-          </p:nvPr>
-        </p:nvSpPr>
-        <p:spPr/>
-        <p:txBody>
-          <a:bodyPr/>
-          <a:lstStyle/>
-          <a:p>
-            <a:fld id="{19B51A1E-902D-48AF-9020-955120F399B6}" type="slidenum">
-              <a:rPr lang="en-ZA" smtClean="0"/>
-              <a:pPr/>
-              <a:t>2</a:t>
-            </a:fld>
-            <a:endParaRPr lang="en-ZA" dirty="0"/>
-          </a:p>
-        </p:txBody>
-      </p:sp>
-      <p:sp>
-        <p:nvSpPr>
-          <p:cNvPr id="4" name="Footer Placeholder 3">
-            <a:extLst>
-              <a:ext uri="{FF2B5EF4-FFF2-40B4-BE49-F238E27FC236}">
-                <a16:creationId xmlns:a16="http://schemas.microsoft.com/office/drawing/2014/main" id="{50D6945F-BD17-45B9-989C-DD613DFA6427}"/>
-              </a:ext>
-            </a:extLst>
-          </p:cNvPr>
-          <p:cNvSpPr>
-            <a:spLocks noGrp="1"/>
-          </p:cNvSpPr>
-          <p:nvPr>
-            <p:ph type="ftr" sz="quarter" idx="12"/>
-          </p:nvPr>
-        </p:nvSpPr>
-        <p:spPr/>
-        <p:txBody>
-          <a:bodyPr/>
-          <a:lstStyle/>
-          <a:p>
-            <a:r>
-              <a:rPr lang="en-ZA" dirty="0"/>
-              <a:t>The Effects of Natural Disasters on Communities</a:t>
-            </a:r>
-          </a:p>
-        </p:txBody>
-      </p:sp>
-      <p:sp>
-        <p:nvSpPr>
-          <p:cNvPr id="5" name="Title 4">
-            <a:extLst>
-              <a:ext uri="{FF2B5EF4-FFF2-40B4-BE49-F238E27FC236}">
-                <a16:creationId xmlns:a16="http://schemas.microsoft.com/office/drawing/2014/main" id="{76A3CA81-7A6C-47BC-8D67-926B325F8336}"/>
-              </a:ext>
-            </a:extLst>
-          </p:cNvPr>
-          <p:cNvSpPr>
-            <a:spLocks noGrp="1"/>
-          </p:cNvSpPr>
-          <p:nvPr>
-            <p:ph type="title"/>
-          </p:nvPr>
-        </p:nvSpPr>
-        <p:spPr/>
-        <p:txBody>
-          <a:bodyPr/>
-          <a:lstStyle/>
-          <a:p>
-            <a:r>
-              <a:rPr lang="en-US" dirty="0"/>
-              <a:t>How are communities affected by natural disasters?</a:t>
-            </a:r>
-          </a:p>
-        </p:txBody>
-      </p:sp>
-    </p:spTree>
-    <p:extLst>
-      <p:ext uri="{BB962C8B-B14F-4D97-AF65-F5344CB8AC3E}">
-        <p14:creationId xmlns:p14="http://schemas.microsoft.com/office/powerpoint/2010/main" val="1909986912"/>
-      </p:ext>
-    </p:extLst>
-  </p:cSld>
-  <p:clrMapOvr>
-    <a:masterClrMapping/>
-  </p:clrMapOvr>
-</p:sld>
-</file>
-
-<file path=ppt/slides/slide3.xml><?xml version="1.0" encoding="utf-8"?>
-<p:sld xmlns:a="http://schemas.openxmlformats.org/drawingml/2006/main" xmlns:r="http://schemas.openxmlformats.org/officeDocument/2006/relationships" xmlns:p="http://schemas.openxmlformats.org/presentationml/2006/main">
-  <p:cSld>
-    <p:spTree>
-      <p:nvGrpSpPr>
-        <p:cNvPr id="1" name=""/>
-        <p:cNvGrpSpPr/>
-        <p:nvPr/>
-      </p:nvGrpSpPr>
-      <p:grpSpPr>
-        <a:xfrm>
-          <a:off x="0" y="0"/>
-          <a:ext cx="0" cy="0"/>
-          <a:chOff x="0" y="0"/>
-          <a:chExt cx="0" cy="0"/>
-        </a:xfrm>
-      </p:grpSpPr>
-      <p:sp>
-        <p:nvSpPr>
-          <p:cNvPr id="2" name="Content Placeholder 1">
-            <a:extLst>
-              <a:ext uri="{FF2B5EF4-FFF2-40B4-BE49-F238E27FC236}">
-                <a16:creationId xmlns:a16="http://schemas.microsoft.com/office/drawing/2014/main" id="{73416882-5670-4C40-A366-8D841513824D}"/>
-              </a:ext>
-            </a:extLst>
-          </p:cNvPr>
-          <p:cNvSpPr>
-            <a:spLocks noGrp="1"/>
-          </p:cNvSpPr>
-          <p:nvPr>
-            <p:ph idx="1"/>
-          </p:nvPr>
-        </p:nvSpPr>
-        <p:spPr>
-          <a:xfrm>
-            <a:off x="424370" y="1021976"/>
-            <a:ext cx="7637155" cy="5404024"/>
-          </a:xfrm>
-        </p:spPr>
-        <p:txBody>
-          <a:bodyPr/>
-          <a:lstStyle/>
-          <a:p>
-            <a:r>
-              <a:rPr lang="en-US" sz="2000" dirty="0"/>
-              <a:t>Sources</a:t>
-            </a:r>
-          </a:p>
-          <a:p>
-            <a:pPr lvl="1"/>
-            <a:r>
-              <a:rPr lang="en-US" sz="2000" dirty="0"/>
-              <a:t>CSV from FBI National Incident-Based Reporting System (NIBRS)</a:t>
-            </a:r>
-          </a:p>
-          <a:p>
-            <a:r>
-              <a:rPr lang="en-US" sz="2000" dirty="0"/>
-              <a:t>Analysis</a:t>
-            </a:r>
-          </a:p>
-          <a:p>
-            <a:pPr lvl="1"/>
-            <a:r>
-              <a:rPr lang="en-US" sz="2000" dirty="0"/>
-              <a:t>TX agencies in 2008</a:t>
-            </a:r>
-          </a:p>
-          <a:p>
-            <a:pPr lvl="2"/>
-            <a:r>
-              <a:rPr lang="en-US" sz="2000" dirty="0"/>
-              <a:t>All – 1099</a:t>
-            </a:r>
-          </a:p>
-          <a:p>
-            <a:pPr lvl="2"/>
-            <a:r>
-              <a:rPr lang="en-US" sz="2000" dirty="0"/>
-              <a:t>After drop null </a:t>
-            </a:r>
-            <a:r>
-              <a:rPr lang="en-US" sz="2000" dirty="0" err="1"/>
-              <a:t>lat</a:t>
-            </a:r>
-            <a:r>
-              <a:rPr lang="en-US" sz="2000" dirty="0"/>
-              <a:t>/long – 1094</a:t>
-            </a:r>
-          </a:p>
-          <a:p>
-            <a:pPr lvl="2"/>
-            <a:r>
-              <a:rPr lang="en-US" sz="2000" dirty="0"/>
-              <a:t>Participating – 76</a:t>
-            </a:r>
-          </a:p>
-          <a:p>
-            <a:pPr lvl="1"/>
-            <a:r>
-              <a:rPr lang="en-US" sz="2000" dirty="0"/>
-              <a:t>VA agencies in 2011</a:t>
-            </a:r>
-          </a:p>
-          <a:p>
-            <a:pPr lvl="2"/>
-            <a:r>
-              <a:rPr lang="en-US" sz="2000" dirty="0"/>
-              <a:t>All VA– 455</a:t>
-            </a:r>
-          </a:p>
-          <a:p>
-            <a:pPr lvl="2"/>
-            <a:r>
-              <a:rPr lang="en-US" sz="2000" dirty="0"/>
-              <a:t>After drop null </a:t>
-            </a:r>
-            <a:r>
-              <a:rPr lang="en-US" sz="2000" dirty="0" err="1"/>
-              <a:t>lat</a:t>
-            </a:r>
-            <a:r>
-              <a:rPr lang="en-US" sz="2000" dirty="0"/>
-              <a:t>/long – 452</a:t>
-            </a:r>
-          </a:p>
-          <a:p>
-            <a:pPr lvl="2"/>
-            <a:r>
-              <a:rPr lang="en-US" sz="2000" dirty="0"/>
-              <a:t>All VA Participating – 410</a:t>
-            </a:r>
-          </a:p>
-          <a:p>
-            <a:r>
-              <a:rPr lang="en-US" sz="2000" dirty="0"/>
-              <a:t>Findings</a:t>
-            </a:r>
-          </a:p>
-          <a:p>
-            <a:pPr lvl="1"/>
-            <a:r>
-              <a:rPr lang="en-US" sz="2000" dirty="0"/>
-              <a:t>Data available for </a:t>
-            </a:r>
-          </a:p>
-          <a:p>
-            <a:pPr lvl="2"/>
-            <a:r>
-              <a:rPr lang="en-US" sz="2000" dirty="0"/>
-              <a:t>Galveston – Hurricane Ike &amp;</a:t>
-            </a:r>
-          </a:p>
-          <a:p>
-            <a:pPr lvl="2"/>
-            <a:r>
-              <a:rPr lang="en-US" sz="2000" dirty="0"/>
-              <a:t>Louisa County – East Coast Earthquake 2011</a:t>
-            </a:r>
-          </a:p>
-        </p:txBody>
-      </p:sp>
-      <p:sp>
-        <p:nvSpPr>
-          <p:cNvPr id="3" name="Slide Number Placeholder 2">
-            <a:extLst>
-              <a:ext uri="{FF2B5EF4-FFF2-40B4-BE49-F238E27FC236}">
-                <a16:creationId xmlns:a16="http://schemas.microsoft.com/office/drawing/2014/main" id="{E6E438A9-7A49-4873-87AA-B00C0DE2FD1C}"/>
-              </a:ext>
-            </a:extLst>
-          </p:cNvPr>
-          <p:cNvSpPr>
-            <a:spLocks noGrp="1"/>
-          </p:cNvSpPr>
-          <p:nvPr>
-            <p:ph type="sldNum" sz="quarter" idx="11"/>
-          </p:nvPr>
-        </p:nvSpPr>
-        <p:spPr/>
-        <p:txBody>
-          <a:bodyPr/>
-          <a:lstStyle/>
-          <a:p>
-            <a:fld id="{19B51A1E-902D-48AF-9020-955120F399B6}" type="slidenum">
-              <a:rPr lang="en-ZA" smtClean="0"/>
-              <a:pPr/>
-              <a:t>3</a:t>
-            </a:fld>
-            <a:endParaRPr lang="en-ZA" dirty="0"/>
-          </a:p>
-        </p:txBody>
-      </p:sp>
-      <p:sp>
-        <p:nvSpPr>
-          <p:cNvPr id="4" name="Footer Placeholder 3">
-            <a:extLst>
-              <a:ext uri="{FF2B5EF4-FFF2-40B4-BE49-F238E27FC236}">
-                <a16:creationId xmlns:a16="http://schemas.microsoft.com/office/drawing/2014/main" id="{50D6945F-BD17-45B9-989C-DD613DFA6427}"/>
-              </a:ext>
-            </a:extLst>
-          </p:cNvPr>
-          <p:cNvSpPr>
-            <a:spLocks noGrp="1"/>
-          </p:cNvSpPr>
-          <p:nvPr>
-            <p:ph type="ftr" sz="quarter" idx="12"/>
-          </p:nvPr>
-        </p:nvSpPr>
-        <p:spPr/>
-        <p:txBody>
-          <a:bodyPr/>
-          <a:lstStyle/>
-          <a:p>
-            <a:r>
-              <a:rPr lang="en-ZA" dirty="0"/>
-              <a:t>The Effects of Natural Disasters on Communities</a:t>
-            </a:r>
-          </a:p>
-        </p:txBody>
-      </p:sp>
-      <p:sp>
-        <p:nvSpPr>
-          <p:cNvPr id="5" name="Title 4">
-            <a:extLst>
-              <a:ext uri="{FF2B5EF4-FFF2-40B4-BE49-F238E27FC236}">
-                <a16:creationId xmlns:a16="http://schemas.microsoft.com/office/drawing/2014/main" id="{76A3CA81-7A6C-47BC-8D67-926B325F8336}"/>
-              </a:ext>
-            </a:extLst>
-          </p:cNvPr>
-          <p:cNvSpPr>
-            <a:spLocks noGrp="1"/>
-          </p:cNvSpPr>
-          <p:nvPr>
-            <p:ph type="title"/>
-          </p:nvPr>
-        </p:nvSpPr>
-        <p:spPr/>
-        <p:txBody>
-          <a:bodyPr/>
-          <a:lstStyle/>
-          <a:p>
-            <a:r>
-              <a:rPr lang="en-US" dirty="0"/>
-              <a:t>Agencies</a:t>
-            </a:r>
-          </a:p>
-        </p:txBody>
-      </p:sp>
-      <p:pic>
-        <p:nvPicPr>
-          <p:cNvPr id="6" name="Picture 5">
-            <a:extLst>
-              <a:ext uri="{FF2B5EF4-FFF2-40B4-BE49-F238E27FC236}">
-                <a16:creationId xmlns:a16="http://schemas.microsoft.com/office/drawing/2014/main" id="{CDC9026D-10A4-42BF-923B-AE69B8CABB0B}"/>
-              </a:ext>
-            </a:extLst>
-          </p:cNvPr>
-          <p:cNvPicPr>
-            <a:picLocks noChangeAspect="1"/>
-          </p:cNvPicPr>
-          <p:nvPr/>
-        </p:nvPicPr>
-        <p:blipFill>
-          <a:blip r:embed="rId3"/>
-          <a:stretch>
-            <a:fillRect/>
-          </a:stretch>
-        </p:blipFill>
-        <p:spPr>
-          <a:xfrm>
-            <a:off x="9406867" y="163899"/>
-            <a:ext cx="2271195" cy="2119782"/>
-          </a:xfrm>
-          <a:prstGeom prst="rect">
-            <a:avLst/>
-          </a:prstGeom>
-        </p:spPr>
-      </p:pic>
-    </p:spTree>
-    <p:extLst>
-      <p:ext uri="{BB962C8B-B14F-4D97-AF65-F5344CB8AC3E}">
-        <p14:creationId xmlns:p14="http://schemas.microsoft.com/office/powerpoint/2010/main" val="1699396040"/>
-      </p:ext>
-    </p:extLst>
-  </p:cSld>
-  <p:clrMapOvr>
-    <a:masterClrMapping/>
-  </p:clrMapOvr>
-</p:sld>
-</file>
-
-<file path=ppt/slides/slide4.xml><?xml version="1.0" encoding="utf-8"?>
-<p:sld xmlns:a="http://schemas.openxmlformats.org/drawingml/2006/main" xmlns:r="http://schemas.openxmlformats.org/officeDocument/2006/relationships" xmlns:p="http://schemas.openxmlformats.org/presentationml/2006/main">
-  <p:cSld>
-    <p:spTree>
-      <p:nvGrpSpPr>
-        <p:cNvPr id="1" name=""/>
-        <p:cNvGrpSpPr/>
-        <p:nvPr/>
-      </p:nvGrpSpPr>
-      <p:grpSpPr>
-        <a:xfrm>
-          <a:off x="0" y="0"/>
-          <a:ext cx="0" cy="0"/>
-          <a:chOff x="0" y="0"/>
-          <a:chExt cx="0" cy="0"/>
-        </a:xfrm>
-      </p:grpSpPr>
-      <p:sp>
-        <p:nvSpPr>
-          <p:cNvPr id="2" name="Title 1">
-            <a:extLst>
-              <a:ext uri="{FF2B5EF4-FFF2-40B4-BE49-F238E27FC236}">
-                <a16:creationId xmlns:a16="http://schemas.microsoft.com/office/drawing/2014/main" id="{9C5382B5-21E6-43CB-B5D4-0ADF664BF610}"/>
-              </a:ext>
-            </a:extLst>
-          </p:cNvPr>
-          <p:cNvSpPr>
-            <a:spLocks noGrp="1"/>
-          </p:cNvSpPr>
-          <p:nvPr>
-            <p:ph type="title"/>
-          </p:nvPr>
-        </p:nvSpPr>
-        <p:spPr/>
-        <p:txBody>
-          <a:bodyPr/>
-          <a:lstStyle/>
-          <a:p>
-            <a:r>
-              <a:rPr lang="en-US" dirty="0"/>
-              <a:t>Participating Agencies vs Registered Agencies</a:t>
-            </a:r>
-          </a:p>
-        </p:txBody>
-      </p:sp>
-      <p:sp>
-        <p:nvSpPr>
-          <p:cNvPr id="3" name="Footer Placeholder 2">
-            <a:extLst>
-              <a:ext uri="{FF2B5EF4-FFF2-40B4-BE49-F238E27FC236}">
-                <a16:creationId xmlns:a16="http://schemas.microsoft.com/office/drawing/2014/main" id="{C248D1D7-6A0E-49AC-93DF-196968B5B9E0}"/>
-              </a:ext>
-            </a:extLst>
-          </p:cNvPr>
-          <p:cNvSpPr>
-            <a:spLocks noGrp="1"/>
-          </p:cNvSpPr>
-          <p:nvPr>
-            <p:ph type="ftr" sz="quarter" idx="10"/>
-          </p:nvPr>
-        </p:nvSpPr>
-        <p:spPr/>
-        <p:txBody>
-          <a:bodyPr/>
-          <a:lstStyle/>
-          <a:p>
-            <a:r>
-              <a:rPr lang="en-ZA"/>
-              <a:t>Add a footer</a:t>
-            </a:r>
-            <a:endParaRPr lang="en-ZA" dirty="0"/>
-          </a:p>
-        </p:txBody>
-      </p:sp>
-      <p:sp>
-        <p:nvSpPr>
-          <p:cNvPr id="4" name="Slide Number Placeholder 3">
-            <a:extLst>
-              <a:ext uri="{FF2B5EF4-FFF2-40B4-BE49-F238E27FC236}">
-                <a16:creationId xmlns:a16="http://schemas.microsoft.com/office/drawing/2014/main" id="{950137EA-0279-4DAA-8C8E-553B2E857884}"/>
-              </a:ext>
-            </a:extLst>
-          </p:cNvPr>
-          <p:cNvSpPr>
-            <a:spLocks noGrp="1"/>
-          </p:cNvSpPr>
-          <p:nvPr>
-            <p:ph type="sldNum" sz="quarter" idx="11"/>
-          </p:nvPr>
-        </p:nvSpPr>
-        <p:spPr/>
-        <p:txBody>
-          <a:bodyPr/>
-          <a:lstStyle/>
-          <a:p>
-            <a:fld id="{19B51A1E-902D-48AF-9020-955120F399B6}" type="slidenum">
-              <a:rPr lang="en-ZA" smtClean="0"/>
-              <a:pPr/>
-              <a:t>4</a:t>
-            </a:fld>
-            <a:endParaRPr lang="en-ZA" dirty="0"/>
-          </a:p>
-        </p:txBody>
-      </p:sp>
-      <p:pic>
-        <p:nvPicPr>
-          <p:cNvPr id="6" name="Picture 5">
-            <a:extLst>
-              <a:ext uri="{FF2B5EF4-FFF2-40B4-BE49-F238E27FC236}">
-                <a16:creationId xmlns:a16="http://schemas.microsoft.com/office/drawing/2014/main" id="{F40AE000-3688-436C-9E2F-CDE6A5096AB7}"/>
-              </a:ext>
-            </a:extLst>
-          </p:cNvPr>
-          <p:cNvPicPr>
-            <a:picLocks noChangeAspect="1"/>
-          </p:cNvPicPr>
-          <p:nvPr/>
-        </p:nvPicPr>
-        <p:blipFill>
-          <a:blip r:embed="rId2"/>
-          <a:stretch>
-            <a:fillRect/>
-          </a:stretch>
-        </p:blipFill>
-        <p:spPr>
-          <a:xfrm>
-            <a:off x="532144" y="1052513"/>
-            <a:ext cx="11281866" cy="4548187"/>
-          </a:xfrm>
-          <a:prstGeom prst="rect">
-            <a:avLst/>
-          </a:prstGeom>
-        </p:spPr>
-      </p:pic>
-      <p:sp>
-        <p:nvSpPr>
-          <p:cNvPr id="9" name="TextBox 8">
-            <a:extLst>
-              <a:ext uri="{FF2B5EF4-FFF2-40B4-BE49-F238E27FC236}">
-                <a16:creationId xmlns:a16="http://schemas.microsoft.com/office/drawing/2014/main" id="{B0BFF5E0-A0AC-4F14-AF8F-3AB9FCFEF105}"/>
-              </a:ext>
-            </a:extLst>
-          </p:cNvPr>
-          <p:cNvSpPr txBox="1"/>
-          <p:nvPr/>
-        </p:nvSpPr>
-        <p:spPr>
-          <a:xfrm>
-            <a:off x="532144" y="5772150"/>
-            <a:ext cx="5563856" cy="461665"/>
-          </a:xfrm>
-          <a:prstGeom prst="rect">
-            <a:avLst/>
-          </a:prstGeom>
-          <a:noFill/>
-        </p:spPr>
-        <p:txBody>
-          <a:bodyPr wrap="square" rtlCol="0">
-            <a:spAutoFit/>
-          </a:bodyPr>
-          <a:lstStyle/>
-          <a:p>
-            <a:pPr lvl="1"/>
-            <a:r>
-              <a:rPr lang="en-US" sz="2400" dirty="0"/>
-              <a:t>Google Maps API</a:t>
-            </a:r>
-          </a:p>
-        </p:txBody>
-      </p:sp>
-    </p:spTree>
-    <p:extLst>
-      <p:ext uri="{BB962C8B-B14F-4D97-AF65-F5344CB8AC3E}">
-        <p14:creationId xmlns:p14="http://schemas.microsoft.com/office/powerpoint/2010/main" val="3537046617"/>
-      </p:ext>
-    </p:extLst>
-  </p:cSld>
-  <p:clrMapOvr>
-    <a:masterClrMapping/>
+    <a:overrideClrMapping bg1="dk1" tx1="lt1" bg2="dk2" tx2="lt2" accent1="accent1" accent2="accent2" accent3="accent3" accent4="accent4" accent5="accent5" accent6="accent6" hlink="hlink" folHlink="folHlink"/>
   </p:clrMapOvr>
 </p:sld>
 </file>
@@ -24791,69 +27654,41 @@
           <a:chExt cx="0" cy="0"/>
         </a:xfrm>
       </p:grpSpPr>
-      <p:sp>
-        <p:nvSpPr>
-          <p:cNvPr id="2" name="Title 1">
-            <a:extLst>
-              <a:ext uri="{FF2B5EF4-FFF2-40B4-BE49-F238E27FC236}">
-                <a16:creationId xmlns:a16="http://schemas.microsoft.com/office/drawing/2014/main" id="{9C5382B5-21E6-43CB-B5D4-0ADF664BF610}"/>
-              </a:ext>
-            </a:extLst>
-          </p:cNvPr>
-          <p:cNvSpPr>
-            <a:spLocks noGrp="1"/>
-          </p:cNvSpPr>
-          <p:nvPr>
-            <p:ph type="title"/>
-          </p:nvPr>
-        </p:nvSpPr>
-        <p:spPr/>
-        <p:txBody>
-          <a:bodyPr/>
-          <a:lstStyle/>
-          <a:p>
-            <a:r>
-              <a:rPr lang="en-US" dirty="0"/>
-              <a:t>Participating Agencies vs Registered Agencies</a:t>
-            </a:r>
-          </a:p>
-        </p:txBody>
-      </p:sp>
-      <p:sp>
-        <p:nvSpPr>
-          <p:cNvPr id="3" name="Footer Placeholder 2">
-            <a:extLst>
-              <a:ext uri="{FF2B5EF4-FFF2-40B4-BE49-F238E27FC236}">
-                <a16:creationId xmlns:a16="http://schemas.microsoft.com/office/drawing/2014/main" id="{C248D1D7-6A0E-49AC-93DF-196968B5B9E0}"/>
-              </a:ext>
-            </a:extLst>
-          </p:cNvPr>
-          <p:cNvSpPr>
-            <a:spLocks noGrp="1"/>
-          </p:cNvSpPr>
-          <p:nvPr>
-            <p:ph type="ftr" sz="quarter" idx="10"/>
-          </p:nvPr>
-        </p:nvSpPr>
-        <p:spPr/>
-        <p:txBody>
-          <a:bodyPr/>
-          <a:lstStyle/>
-          <a:p>
-            <a:r>
-              <a:rPr lang="en-ZA"/>
-              <a:t>Add a footer</a:t>
-            </a:r>
-            <a:endParaRPr lang="en-ZA" dirty="0"/>
-          </a:p>
-        </p:txBody>
-      </p:sp>
-      <p:sp>
-        <p:nvSpPr>
-          <p:cNvPr id="4" name="Slide Number Placeholder 3">
-            <a:extLst>
-              <a:ext uri="{FF2B5EF4-FFF2-40B4-BE49-F238E27FC236}">
-                <a16:creationId xmlns:a16="http://schemas.microsoft.com/office/drawing/2014/main" id="{950137EA-0279-4DAA-8C8E-553B2E857884}"/>
+      <p:pic>
+        <p:nvPicPr>
+          <p:cNvPr id="8" name="Content Placeholder 7">
+            <a:extLst>
+              <a:ext uri="{FF2B5EF4-FFF2-40B4-BE49-F238E27FC236}">
+                <a16:creationId xmlns:a16="http://schemas.microsoft.com/office/drawing/2014/main" id="{6181E524-5F6A-4F13-ACCB-F854AE78BB97}"/>
+              </a:ext>
+            </a:extLst>
+          </p:cNvPr>
+          <p:cNvPicPr>
+            <a:picLocks noGrp="1" noChangeAspect="1"/>
+          </p:cNvPicPr>
+          <p:nvPr>
+            <p:ph idx="1"/>
+          </p:nvPr>
+        </p:nvPicPr>
+        <p:blipFill>
+          <a:blip r:embed="rId3"/>
+          <a:stretch>
+            <a:fillRect/>
+          </a:stretch>
+        </p:blipFill>
+        <p:spPr>
+          <a:xfrm>
+            <a:off x="432000" y="882598"/>
+            <a:ext cx="7629525" cy="5548746"/>
+          </a:xfrm>
+        </p:spPr>
+      </p:pic>
+      <p:sp>
+        <p:nvSpPr>
+          <p:cNvPr id="3" name="Slide Number Placeholder 2">
+            <a:extLst>
+              <a:ext uri="{FF2B5EF4-FFF2-40B4-BE49-F238E27FC236}">
+                <a16:creationId xmlns:a16="http://schemas.microsoft.com/office/drawing/2014/main" id="{E6E438A9-7A49-4873-87AA-B00C0DE2FD1C}"/>
               </a:ext>
             </a:extLst>
           </p:cNvPr>
@@ -24878,12 +27713,69 @@
           </a:p>
         </p:txBody>
       </p:sp>
+      <p:sp>
+        <p:nvSpPr>
+          <p:cNvPr id="4" name="Footer Placeholder 3">
+            <a:extLst>
+              <a:ext uri="{FF2B5EF4-FFF2-40B4-BE49-F238E27FC236}">
+                <a16:creationId xmlns:a16="http://schemas.microsoft.com/office/drawing/2014/main" id="{50D6945F-BD17-45B9-989C-DD613DFA6427}"/>
+              </a:ext>
+            </a:extLst>
+          </p:cNvPr>
+          <p:cNvSpPr>
+            <a:spLocks noGrp="1"/>
+          </p:cNvSpPr>
+          <p:nvPr>
+            <p:ph type="ftr" sz="quarter" idx="12"/>
+          </p:nvPr>
+        </p:nvSpPr>
+        <p:spPr/>
+        <p:txBody>
+          <a:bodyPr/>
+          <a:lstStyle/>
+          <a:p>
+            <a:r>
+              <a:rPr lang="en-ZA"/>
+              <a:t>Add a footer</a:t>
+            </a:r>
+            <a:endParaRPr lang="en-ZA" dirty="0"/>
+          </a:p>
+        </p:txBody>
+      </p:sp>
+      <p:sp>
+        <p:nvSpPr>
+          <p:cNvPr id="5" name="Title 4">
+            <a:extLst>
+              <a:ext uri="{FF2B5EF4-FFF2-40B4-BE49-F238E27FC236}">
+                <a16:creationId xmlns:a16="http://schemas.microsoft.com/office/drawing/2014/main" id="{76A3CA81-7A6C-47BC-8D67-926B325F8336}"/>
+              </a:ext>
+            </a:extLst>
+          </p:cNvPr>
+          <p:cNvSpPr>
+            <a:spLocks noGrp="1"/>
+          </p:cNvSpPr>
+          <p:nvPr>
+            <p:ph type="title"/>
+          </p:nvPr>
+        </p:nvSpPr>
+        <p:spPr/>
+        <p:txBody>
+          <a:bodyPr/>
+          <a:lstStyle/>
+          <a:p>
+            <a:r>
+              <a:rPr lang="en-US" dirty="0"/>
+              <a:t>Galveston Crime Rates</a:t>
+            </a:r>
+          </a:p>
+        </p:txBody>
+      </p:sp>
       <p:pic>
         <p:nvPicPr>
-          <p:cNvPr id="8" name="Picture 7">
-            <a:extLst>
-              <a:ext uri="{FF2B5EF4-FFF2-40B4-BE49-F238E27FC236}">
-                <a16:creationId xmlns:a16="http://schemas.microsoft.com/office/drawing/2014/main" id="{68830026-67B3-4998-B316-B46031615F2E}"/>
+          <p:cNvPr id="6" name="Picture 5">
+            <a:extLst>
+              <a:ext uri="{FF2B5EF4-FFF2-40B4-BE49-F238E27FC236}">
+                <a16:creationId xmlns:a16="http://schemas.microsoft.com/office/drawing/2014/main" id="{FF17869B-501A-4130-8511-509CB67C1D5A}"/>
               </a:ext>
             </a:extLst>
           </p:cNvPr>
@@ -24893,61 +27785,25 @@
           <p:nvPr/>
         </p:nvPicPr>
         <p:blipFill>
-          <a:blip r:embed="rId2"/>
+          <a:blip r:embed="rId4"/>
           <a:stretch>
             <a:fillRect/>
           </a:stretch>
         </p:blipFill>
         <p:spPr>
           <a:xfrm>
-            <a:off x="432000" y="1083863"/>
-            <a:ext cx="11452186" cy="4616850"/>
+            <a:off x="8061525" y="1272208"/>
+            <a:ext cx="3143250" cy="2933700"/>
           </a:xfrm>
           <a:prstGeom prst="rect">
             <a:avLst/>
           </a:prstGeom>
         </p:spPr>
       </p:pic>
-      <p:sp>
-        <p:nvSpPr>
-          <p:cNvPr id="7" name="TextBox 6">
-            <a:extLst>
-              <a:ext uri="{FF2B5EF4-FFF2-40B4-BE49-F238E27FC236}">
-                <a16:creationId xmlns:a16="http://schemas.microsoft.com/office/drawing/2014/main" id="{24C5603E-545A-41D5-900F-0651800D5AD0}"/>
-              </a:ext>
-            </a:extLst>
-          </p:cNvPr>
-          <p:cNvSpPr txBox="1"/>
-          <p:nvPr/>
-        </p:nvSpPr>
-        <p:spPr>
-          <a:xfrm>
-            <a:off x="532144" y="5772150"/>
-            <a:ext cx="5563856" cy="461665"/>
-          </a:xfrm>
-          <a:prstGeom prst="rect">
-            <a:avLst/>
-          </a:prstGeom>
-          <a:noFill/>
-        </p:spPr>
-        <p:txBody>
-          <a:bodyPr wrap="square" rtlCol="0">
-            <a:spAutoFit/>
-          </a:bodyPr>
-          <a:lstStyle/>
-          <a:p>
-            <a:pPr lvl="1"/>
-            <a:r>
-              <a:rPr lang="en-US" sz="2400" dirty="0"/>
-              <a:t>Google Maps API</a:t>
-            </a:r>
-          </a:p>
-        </p:txBody>
-      </p:sp>
     </p:spTree>
     <p:extLst>
       <p:ext uri="{BB962C8B-B14F-4D97-AF65-F5344CB8AC3E}">
-        <p14:creationId xmlns:p14="http://schemas.microsoft.com/office/powerpoint/2010/main" val="1067008547"/>
+        <p14:creationId xmlns:p14="http://schemas.microsoft.com/office/powerpoint/2010/main" val="86234117"/>
       </p:ext>
     </p:extLst>
   </p:cSld>
@@ -24976,103 +27832,6 @@
       </p:grpSpPr>
       <p:sp>
         <p:nvSpPr>
-          <p:cNvPr id="2" name="Content Placeholder 1">
-            <a:extLst>
-              <a:ext uri="{FF2B5EF4-FFF2-40B4-BE49-F238E27FC236}">
-                <a16:creationId xmlns:a16="http://schemas.microsoft.com/office/drawing/2014/main" id="{73416882-5670-4C40-A366-8D841513824D}"/>
-              </a:ext>
-            </a:extLst>
-          </p:cNvPr>
-          <p:cNvSpPr>
-            <a:spLocks noGrp="1"/>
-          </p:cNvSpPr>
-          <p:nvPr>
-            <p:ph idx="1"/>
-          </p:nvPr>
-        </p:nvSpPr>
-        <p:spPr>
-          <a:xfrm>
-            <a:off x="424370" y="1272208"/>
-            <a:ext cx="7405180" cy="4660183"/>
-          </a:xfrm>
-        </p:spPr>
-        <p:txBody>
-          <a:bodyPr/>
-          <a:lstStyle/>
-          <a:p>
-            <a:r>
-              <a:rPr lang="en-US" sz="2000" dirty="0"/>
-              <a:t>API pull from FBI National Incident-Based Reporting System (NIBRS)</a:t>
-            </a:r>
-          </a:p>
-          <a:p>
-            <a:pPr lvl="1"/>
-            <a:r>
-              <a:rPr lang="en-US" sz="2000" dirty="0"/>
-              <a:t>Galveston, TX </a:t>
-            </a:r>
-          </a:p>
-          <a:p>
-            <a:pPr lvl="2"/>
-            <a:r>
-              <a:rPr lang="en-US" sz="2000" dirty="0"/>
-              <a:t>Hurricane Ike </a:t>
-            </a:r>
-          </a:p>
-          <a:p>
-            <a:pPr lvl="1"/>
-            <a:r>
-              <a:rPr lang="en-US" sz="2000" dirty="0"/>
-              <a:t>Louisa County, VA</a:t>
-            </a:r>
-          </a:p>
-          <a:p>
-            <a:pPr lvl="2"/>
-            <a:r>
-              <a:rPr lang="en-US" sz="2000" dirty="0"/>
-              <a:t>East Coast Earthquake in 2011</a:t>
-            </a:r>
-          </a:p>
-          <a:p>
-            <a:r>
-              <a:rPr lang="en-US" sz="2000" dirty="0"/>
-              <a:t>Originally started with 3.64 million lines </a:t>
-            </a:r>
-          </a:p>
-          <a:p>
-            <a:pPr lvl="1"/>
-            <a:r>
-              <a:rPr lang="en-US" sz="2000" dirty="0"/>
-              <a:t>Filtered to 46 K by selecting records reported by specific police station (Galveston and Louisa counties).</a:t>
-            </a:r>
-          </a:p>
-          <a:p>
-            <a:r>
-              <a:rPr lang="en-US" sz="2000" dirty="0"/>
-              <a:t>Findings:</a:t>
-            </a:r>
-          </a:p>
-          <a:p>
-            <a:pPr lvl="1"/>
-            <a:r>
-              <a:rPr lang="en-US" sz="2000" dirty="0"/>
-              <a:t>Galveston crime rate dropped immediately on the date of disaster and stayed below average in the two years post hurricane</a:t>
-            </a:r>
-          </a:p>
-          <a:p>
-            <a:pPr lvl="1"/>
-            <a:r>
-              <a:rPr lang="en-US" sz="2000" dirty="0"/>
-              <a:t>Louisa county crime rate dropped on the date of disaster, however it exceeded the average crime rate for the two years following the earthquake</a:t>
-            </a:r>
-          </a:p>
-          <a:p>
-            <a:endParaRPr lang="en-US" sz="2000" dirty="0"/>
-          </a:p>
-        </p:txBody>
-      </p:sp>
-      <p:sp>
-        <p:nvSpPr>
           <p:cNvPr id="3" name="Slide Number Placeholder 2">
             <a:extLst>
               <a:ext uri="{FF2B5EF4-FFF2-40B4-BE49-F238E27FC236}">
@@ -25153,7 +27912,7 @@
           <a:p>
             <a:r>
               <a:rPr lang="en-US" dirty="0"/>
-              <a:t>Crime</a:t>
+              <a:t>Louisa Crime Rates</a:t>
             </a:r>
           </a:p>
         </p:txBody>
@@ -25188,10 +27947,39 @@
           </a:prstGeom>
         </p:spPr>
       </p:pic>
+      <p:pic>
+        <p:nvPicPr>
+          <p:cNvPr id="11" name="Content Placeholder 10">
+            <a:extLst>
+              <a:ext uri="{FF2B5EF4-FFF2-40B4-BE49-F238E27FC236}">
+                <a16:creationId xmlns:a16="http://schemas.microsoft.com/office/drawing/2014/main" id="{58619784-AB9C-4C57-ABF1-F5D033AFBBBF}"/>
+              </a:ext>
+            </a:extLst>
+          </p:cNvPr>
+          <p:cNvPicPr>
+            <a:picLocks noGrp="1" noChangeAspect="1"/>
+          </p:cNvPicPr>
+          <p:nvPr>
+            <p:ph idx="1"/>
+          </p:nvPr>
+        </p:nvPicPr>
+        <p:blipFill>
+          <a:blip r:embed="rId4"/>
+          <a:stretch>
+            <a:fillRect/>
+          </a:stretch>
+        </p:blipFill>
+        <p:spPr>
+          <a:xfrm>
+            <a:off x="432000" y="863999"/>
+            <a:ext cx="7270475" cy="5287619"/>
+          </a:xfrm>
+        </p:spPr>
+      </p:pic>
     </p:spTree>
     <p:extLst>
       <p:ext uri="{BB962C8B-B14F-4D97-AF65-F5344CB8AC3E}">
-        <p14:creationId xmlns:p14="http://schemas.microsoft.com/office/powerpoint/2010/main" val="2389633252"/>
+        <p14:creationId xmlns:p14="http://schemas.microsoft.com/office/powerpoint/2010/main" val="4084030416"/>
       </p:ext>
     </p:extLst>
   </p:cSld>
@@ -25218,21 +28006,225 @@
           <a:chExt cx="0" cy="0"/>
         </a:xfrm>
       </p:grpSpPr>
+      <p:sp>
+        <p:nvSpPr>
+          <p:cNvPr id="2" name="Content Placeholder 1">
+            <a:extLst>
+              <a:ext uri="{FF2B5EF4-FFF2-40B4-BE49-F238E27FC236}">
+                <a16:creationId xmlns:a16="http://schemas.microsoft.com/office/drawing/2014/main" id="{73416882-5670-4C40-A366-8D841513824D}"/>
+              </a:ext>
+            </a:extLst>
+          </p:cNvPr>
+          <p:cNvSpPr>
+            <a:spLocks noGrp="1"/>
+          </p:cNvSpPr>
+          <p:nvPr>
+            <p:ph idx="1"/>
+          </p:nvPr>
+        </p:nvSpPr>
+        <p:spPr>
+          <a:xfrm>
+            <a:off x="432000" y="1345907"/>
+            <a:ext cx="11218532" cy="5232839"/>
+          </a:xfrm>
+        </p:spPr>
+        <p:txBody>
+          <a:bodyPr/>
+          <a:lstStyle/>
+          <a:p>
+            <a:r>
+              <a:rPr lang="en-US" sz="2000" dirty="0"/>
+              <a:t>Source</a:t>
+            </a:r>
+          </a:p>
+          <a:p>
+            <a:pPr lvl="1"/>
+            <a:r>
+              <a:rPr lang="en-US" sz="2000" dirty="0"/>
+              <a:t>Census Data API.</a:t>
+            </a:r>
+          </a:p>
+          <a:p>
+            <a:r>
+              <a:rPr lang="en-US" sz="2000" dirty="0"/>
+              <a:t>Analysis</a:t>
+            </a:r>
+          </a:p>
+          <a:p>
+            <a:pPr lvl="1"/>
+            <a:r>
+              <a:rPr lang="en-US" sz="2000" dirty="0"/>
+              <a:t>API pulls were specific to exact needs</a:t>
+            </a:r>
+          </a:p>
+          <a:p>
+            <a:pPr lvl="1"/>
+            <a:r>
+              <a:rPr lang="en-US" sz="2000" dirty="0"/>
+              <a:t>Removed State and County because that information was provided in different columns.</a:t>
+            </a:r>
+          </a:p>
+          <a:p>
+            <a:pPr lvl="1"/>
+            <a:r>
+              <a:rPr lang="en-US" sz="2000" dirty="0"/>
+              <a:t>We have left the only columns we needed to graph our plots such as Population, County/City, State, and Year.</a:t>
+            </a:r>
+          </a:p>
+          <a:p>
+            <a:r>
+              <a:rPr lang="en-US" sz="2000" dirty="0"/>
+              <a:t>Findings</a:t>
+            </a:r>
+          </a:p>
+          <a:p>
+            <a:pPr lvl="1"/>
+            <a:r>
+              <a:rPr lang="en-US" sz="2000" dirty="0"/>
+              <a:t>Galveston </a:t>
+            </a:r>
+          </a:p>
+          <a:p>
+            <a:pPr lvl="2"/>
+            <a:r>
+              <a:rPr lang="en-US" sz="1800" dirty="0"/>
+              <a:t>Population 2006 approx. 52,000</a:t>
+            </a:r>
+          </a:p>
+          <a:p>
+            <a:pPr lvl="2"/>
+            <a:r>
+              <a:rPr lang="en-US" sz="1800" dirty="0"/>
+              <a:t>Population in 2008 dropped to 48,500.</a:t>
+            </a:r>
+          </a:p>
+          <a:p>
+            <a:pPr lvl="2"/>
+            <a:r>
+              <a:rPr lang="en-US" sz="1800" dirty="0"/>
+              <a:t>By 2011, the population was approx. 47k and then in 2012 population began to regulate</a:t>
+            </a:r>
+          </a:p>
+          <a:p>
+            <a:pPr lvl="1"/>
+            <a:r>
+              <a:rPr lang="en-US" sz="2000" dirty="0"/>
+              <a:t>Virginia</a:t>
+            </a:r>
+          </a:p>
+          <a:p>
+            <a:pPr lvl="2"/>
+            <a:r>
+              <a:rPr lang="en-US" sz="1800" dirty="0"/>
+              <a:t>Population was unaffected and continued to rise although there seemed to be a slight plateau in 2011</a:t>
+            </a:r>
+          </a:p>
+          <a:p>
+            <a:pPr lvl="2"/>
+            <a:endParaRPr lang="en-US" sz="700" dirty="0"/>
+          </a:p>
+        </p:txBody>
+      </p:sp>
+      <p:sp>
+        <p:nvSpPr>
+          <p:cNvPr id="3" name="Slide Number Placeholder 2">
+            <a:extLst>
+              <a:ext uri="{FF2B5EF4-FFF2-40B4-BE49-F238E27FC236}">
+                <a16:creationId xmlns:a16="http://schemas.microsoft.com/office/drawing/2014/main" id="{E6E438A9-7A49-4873-87AA-B00C0DE2FD1C}"/>
+              </a:ext>
+            </a:extLst>
+          </p:cNvPr>
+          <p:cNvSpPr>
+            <a:spLocks noGrp="1"/>
+          </p:cNvSpPr>
+          <p:nvPr>
+            <p:ph type="sldNum" sz="quarter" idx="11"/>
+          </p:nvPr>
+        </p:nvSpPr>
+        <p:spPr/>
+        <p:txBody>
+          <a:bodyPr/>
+          <a:lstStyle/>
+          <a:p>
+            <a:fld id="{19B51A1E-902D-48AF-9020-955120F399B6}" type="slidenum">
+              <a:rPr lang="en-ZA" smtClean="0"/>
+              <a:pPr/>
+              <a:t>7</a:t>
+            </a:fld>
+            <a:endParaRPr lang="en-ZA" dirty="0"/>
+          </a:p>
+        </p:txBody>
+      </p:sp>
+      <p:sp>
+        <p:nvSpPr>
+          <p:cNvPr id="4" name="Footer Placeholder 3">
+            <a:extLst>
+              <a:ext uri="{FF2B5EF4-FFF2-40B4-BE49-F238E27FC236}">
+                <a16:creationId xmlns:a16="http://schemas.microsoft.com/office/drawing/2014/main" id="{50D6945F-BD17-45B9-989C-DD613DFA6427}"/>
+              </a:ext>
+            </a:extLst>
+          </p:cNvPr>
+          <p:cNvSpPr>
+            <a:spLocks noGrp="1"/>
+          </p:cNvSpPr>
+          <p:nvPr>
+            <p:ph type="ftr" sz="quarter" idx="12"/>
+          </p:nvPr>
+        </p:nvSpPr>
+        <p:spPr/>
+        <p:txBody>
+          <a:bodyPr/>
+          <a:lstStyle/>
+          <a:p>
+            <a:r>
+              <a:rPr lang="en-ZA"/>
+              <a:t>Add a footer</a:t>
+            </a:r>
+            <a:endParaRPr lang="en-ZA" dirty="0"/>
+          </a:p>
+        </p:txBody>
+      </p:sp>
+      <p:sp>
+        <p:nvSpPr>
+          <p:cNvPr id="5" name="Title 4">
+            <a:extLst>
+              <a:ext uri="{FF2B5EF4-FFF2-40B4-BE49-F238E27FC236}">
+                <a16:creationId xmlns:a16="http://schemas.microsoft.com/office/drawing/2014/main" id="{76A3CA81-7A6C-47BC-8D67-926B325F8336}"/>
+              </a:ext>
+            </a:extLst>
+          </p:cNvPr>
+          <p:cNvSpPr>
+            <a:spLocks noGrp="1"/>
+          </p:cNvSpPr>
+          <p:nvPr>
+            <p:ph type="title"/>
+          </p:nvPr>
+        </p:nvSpPr>
+        <p:spPr/>
+        <p:txBody>
+          <a:bodyPr/>
+          <a:lstStyle/>
+          <a:p>
+            <a:r>
+              <a:rPr lang="en-US" dirty="0"/>
+              <a:t>Population</a:t>
+            </a:r>
+          </a:p>
+        </p:txBody>
+      </p:sp>
       <p:pic>
         <p:nvPicPr>
-          <p:cNvPr id="8" name="Content Placeholder 7">
-            <a:extLst>
-              <a:ext uri="{FF2B5EF4-FFF2-40B4-BE49-F238E27FC236}">
-                <a16:creationId xmlns:a16="http://schemas.microsoft.com/office/drawing/2014/main" id="{6181E524-5F6A-4F13-ACCB-F854AE78BB97}"/>
+          <p:cNvPr id="8" name="Picture 7">
+            <a:extLst>
+              <a:ext uri="{FF2B5EF4-FFF2-40B4-BE49-F238E27FC236}">
+                <a16:creationId xmlns:a16="http://schemas.microsoft.com/office/drawing/2014/main" id="{7EBF4F51-D861-4439-9334-CED5B64AD649}"/>
               </a:ext>
             </a:extLst>
           </p:cNvPr>
           <p:cNvPicPr>
-            <a:picLocks noGrp="1" noChangeAspect="1"/>
+            <a:picLocks noChangeAspect="1"/>
           </p:cNvPicPr>
-          <p:nvPr>
-            <p:ph idx="1"/>
-          </p:nvPr>
+          <p:nvPr/>
         </p:nvPicPr>
         <p:blipFill>
           <a:blip r:embed="rId3"/>
@@ -25242,122 +28234,8 @@
         </p:blipFill>
         <p:spPr>
           <a:xfrm>
-            <a:off x="432000" y="882598"/>
-            <a:ext cx="7629525" cy="5548746"/>
-          </a:xfrm>
-        </p:spPr>
-      </p:pic>
-      <p:sp>
-        <p:nvSpPr>
-          <p:cNvPr id="3" name="Slide Number Placeholder 2">
-            <a:extLst>
-              <a:ext uri="{FF2B5EF4-FFF2-40B4-BE49-F238E27FC236}">
-                <a16:creationId xmlns:a16="http://schemas.microsoft.com/office/drawing/2014/main" id="{E6E438A9-7A49-4873-87AA-B00C0DE2FD1C}"/>
-              </a:ext>
-            </a:extLst>
-          </p:cNvPr>
-          <p:cNvSpPr>
-            <a:spLocks noGrp="1"/>
-          </p:cNvSpPr>
-          <p:nvPr>
-            <p:ph type="sldNum" sz="quarter" idx="11"/>
-          </p:nvPr>
-        </p:nvSpPr>
-        <p:spPr/>
-        <p:txBody>
-          <a:bodyPr/>
-          <a:lstStyle/>
-          <a:p>
-            <a:fld id="{19B51A1E-902D-48AF-9020-955120F399B6}" type="slidenum">
-              <a:rPr lang="en-ZA" smtClean="0"/>
-              <a:pPr/>
-              <a:t>7</a:t>
-            </a:fld>
-            <a:endParaRPr lang="en-ZA" dirty="0"/>
-          </a:p>
-        </p:txBody>
-      </p:sp>
-      <p:sp>
-        <p:nvSpPr>
-          <p:cNvPr id="4" name="Footer Placeholder 3">
-            <a:extLst>
-              <a:ext uri="{FF2B5EF4-FFF2-40B4-BE49-F238E27FC236}">
-                <a16:creationId xmlns:a16="http://schemas.microsoft.com/office/drawing/2014/main" id="{50D6945F-BD17-45B9-989C-DD613DFA6427}"/>
-              </a:ext>
-            </a:extLst>
-          </p:cNvPr>
-          <p:cNvSpPr>
-            <a:spLocks noGrp="1"/>
-          </p:cNvSpPr>
-          <p:nvPr>
-            <p:ph type="ftr" sz="quarter" idx="12"/>
-          </p:nvPr>
-        </p:nvSpPr>
-        <p:spPr/>
-        <p:txBody>
-          <a:bodyPr/>
-          <a:lstStyle/>
-          <a:p>
-            <a:r>
-              <a:rPr lang="en-ZA"/>
-              <a:t>Add a footer</a:t>
-            </a:r>
-            <a:endParaRPr lang="en-ZA" dirty="0"/>
-          </a:p>
-        </p:txBody>
-      </p:sp>
-      <p:sp>
-        <p:nvSpPr>
-          <p:cNvPr id="5" name="Title 4">
-            <a:extLst>
-              <a:ext uri="{FF2B5EF4-FFF2-40B4-BE49-F238E27FC236}">
-                <a16:creationId xmlns:a16="http://schemas.microsoft.com/office/drawing/2014/main" id="{76A3CA81-7A6C-47BC-8D67-926B325F8336}"/>
-              </a:ext>
-            </a:extLst>
-          </p:cNvPr>
-          <p:cNvSpPr>
-            <a:spLocks noGrp="1"/>
-          </p:cNvSpPr>
-          <p:nvPr>
-            <p:ph type="title"/>
-          </p:nvPr>
-        </p:nvSpPr>
-        <p:spPr/>
-        <p:txBody>
-          <a:bodyPr/>
-          <a:lstStyle/>
-          <a:p>
-            <a:r>
-              <a:rPr lang="en-US" dirty="0"/>
-              <a:t>Galveston Crime Rates</a:t>
-            </a:r>
-          </a:p>
-        </p:txBody>
-      </p:sp>
-      <p:pic>
-        <p:nvPicPr>
-          <p:cNvPr id="6" name="Picture 5">
-            <a:extLst>
-              <a:ext uri="{FF2B5EF4-FFF2-40B4-BE49-F238E27FC236}">
-                <a16:creationId xmlns:a16="http://schemas.microsoft.com/office/drawing/2014/main" id="{FF17869B-501A-4130-8511-509CB67C1D5A}"/>
-              </a:ext>
-            </a:extLst>
-          </p:cNvPr>
-          <p:cNvPicPr>
-            <a:picLocks noChangeAspect="1"/>
-          </p:cNvPicPr>
-          <p:nvPr/>
-        </p:nvPicPr>
-        <p:blipFill>
-          <a:blip r:embed="rId4"/>
-          <a:stretch>
-            <a:fillRect/>
-          </a:stretch>
-        </p:blipFill>
-        <p:spPr>
-          <a:xfrm>
-            <a:off x="8061525" y="1272208"/>
-            <a:ext cx="3143250" cy="2933700"/>
+            <a:off x="8298618" y="0"/>
+            <a:ext cx="3648075" cy="1438275"/>
           </a:xfrm>
           <a:prstGeom prst="rect">
             <a:avLst/>
@@ -25367,7 +28245,7 @@
     </p:spTree>
     <p:extLst>
       <p:ext uri="{BB962C8B-B14F-4D97-AF65-F5344CB8AC3E}">
-        <p14:creationId xmlns:p14="http://schemas.microsoft.com/office/powerpoint/2010/main" val="86234117"/>
+        <p14:creationId xmlns:p14="http://schemas.microsoft.com/office/powerpoint/2010/main" val="2218590013"/>
       </p:ext>
     </p:extLst>
   </p:cSld>
@@ -25394,106 +28272,21 @@
           <a:chExt cx="0" cy="0"/>
         </a:xfrm>
       </p:grpSpPr>
-      <p:sp>
-        <p:nvSpPr>
-          <p:cNvPr id="3" name="Slide Number Placeholder 2">
-            <a:extLst>
-              <a:ext uri="{FF2B5EF4-FFF2-40B4-BE49-F238E27FC236}">
-                <a16:creationId xmlns:a16="http://schemas.microsoft.com/office/drawing/2014/main" id="{E6E438A9-7A49-4873-87AA-B00C0DE2FD1C}"/>
-              </a:ext>
-            </a:extLst>
-          </p:cNvPr>
-          <p:cNvSpPr>
-            <a:spLocks noGrp="1"/>
-          </p:cNvSpPr>
-          <p:nvPr>
-            <p:ph type="sldNum" sz="quarter" idx="11"/>
-          </p:nvPr>
-        </p:nvSpPr>
-        <p:spPr/>
-        <p:txBody>
-          <a:bodyPr/>
-          <a:lstStyle/>
-          <a:p>
-            <a:fld id="{19B51A1E-902D-48AF-9020-955120F399B6}" type="slidenum">
-              <a:rPr lang="en-ZA" smtClean="0"/>
-              <a:pPr/>
-              <a:t>8</a:t>
-            </a:fld>
-            <a:endParaRPr lang="en-ZA" dirty="0"/>
-          </a:p>
-        </p:txBody>
-      </p:sp>
-      <p:sp>
-        <p:nvSpPr>
-          <p:cNvPr id="4" name="Footer Placeholder 3">
-            <a:extLst>
-              <a:ext uri="{FF2B5EF4-FFF2-40B4-BE49-F238E27FC236}">
-                <a16:creationId xmlns:a16="http://schemas.microsoft.com/office/drawing/2014/main" id="{50D6945F-BD17-45B9-989C-DD613DFA6427}"/>
-              </a:ext>
-            </a:extLst>
-          </p:cNvPr>
-          <p:cNvSpPr>
-            <a:spLocks noGrp="1"/>
-          </p:cNvSpPr>
-          <p:nvPr>
-            <p:ph type="ftr" sz="quarter" idx="12"/>
-          </p:nvPr>
-        </p:nvSpPr>
-        <p:spPr/>
-        <p:txBody>
-          <a:bodyPr/>
-          <a:lstStyle/>
-          <a:p>
-            <a:r>
-              <a:rPr lang="en-ZA"/>
-              <a:t>Add a footer</a:t>
-            </a:r>
-            <a:endParaRPr lang="en-ZA" dirty="0"/>
-          </a:p>
-        </p:txBody>
-      </p:sp>
-      <p:sp>
-        <p:nvSpPr>
-          <p:cNvPr id="5" name="Title 4">
-            <a:extLst>
-              <a:ext uri="{FF2B5EF4-FFF2-40B4-BE49-F238E27FC236}">
-                <a16:creationId xmlns:a16="http://schemas.microsoft.com/office/drawing/2014/main" id="{76A3CA81-7A6C-47BC-8D67-926B325F8336}"/>
-              </a:ext>
-            </a:extLst>
-          </p:cNvPr>
-          <p:cNvSpPr>
-            <a:spLocks noGrp="1"/>
-          </p:cNvSpPr>
-          <p:nvPr>
-            <p:ph type="title"/>
-          </p:nvPr>
-        </p:nvSpPr>
-        <p:spPr/>
-        <p:txBody>
-          <a:bodyPr/>
-          <a:lstStyle/>
-          <a:p>
-            <a:r>
-              <a:rPr lang="en-US" dirty="0"/>
-              <a:t>Louisa Crime Rates</a:t>
-            </a:r>
-          </a:p>
-        </p:txBody>
-      </p:sp>
       <p:pic>
         <p:nvPicPr>
-          <p:cNvPr id="6" name="Picture 5">
-            <a:extLst>
-              <a:ext uri="{FF2B5EF4-FFF2-40B4-BE49-F238E27FC236}">
-                <a16:creationId xmlns:a16="http://schemas.microsoft.com/office/drawing/2014/main" id="{FF17869B-501A-4130-8511-509CB67C1D5A}"/>
+          <p:cNvPr id="8" name="Content Placeholder 7">
+            <a:extLst>
+              <a:ext uri="{FF2B5EF4-FFF2-40B4-BE49-F238E27FC236}">
+                <a16:creationId xmlns:a16="http://schemas.microsoft.com/office/drawing/2014/main" id="{6F512A9D-89DE-4721-9BD2-79480743D464}"/>
               </a:ext>
             </a:extLst>
           </p:cNvPr>
           <p:cNvPicPr>
-            <a:picLocks noChangeAspect="1"/>
+            <a:picLocks noGrp="1" noChangeAspect="1"/>
           </p:cNvPicPr>
-          <p:nvPr/>
+          <p:nvPr>
+            <p:ph idx="1"/>
+          </p:nvPr>
         </p:nvPicPr>
         <p:blipFill>
           <a:blip r:embed="rId3"/>
@@ -25503,29 +28296,111 @@
         </p:blipFill>
         <p:spPr>
           <a:xfrm>
-            <a:off x="8061525" y="1272208"/>
-            <a:ext cx="3143250" cy="2933700"/>
-          </a:xfrm>
-          <a:prstGeom prst="rect">
-            <a:avLst/>
-          </a:prstGeom>
+            <a:off x="6096000" y="1599783"/>
+            <a:ext cx="5487650" cy="3658433"/>
+          </a:xfrm>
         </p:spPr>
       </p:pic>
+      <p:sp>
+        <p:nvSpPr>
+          <p:cNvPr id="3" name="Slide Number Placeholder 2">
+            <a:extLst>
+              <a:ext uri="{FF2B5EF4-FFF2-40B4-BE49-F238E27FC236}">
+                <a16:creationId xmlns:a16="http://schemas.microsoft.com/office/drawing/2014/main" id="{E6E438A9-7A49-4873-87AA-B00C0DE2FD1C}"/>
+              </a:ext>
+            </a:extLst>
+          </p:cNvPr>
+          <p:cNvSpPr>
+            <a:spLocks noGrp="1"/>
+          </p:cNvSpPr>
+          <p:nvPr>
+            <p:ph type="sldNum" sz="quarter" idx="11"/>
+          </p:nvPr>
+        </p:nvSpPr>
+        <p:spPr/>
+        <p:txBody>
+          <a:bodyPr/>
+          <a:lstStyle/>
+          <a:p>
+            <a:fld id="{19B51A1E-902D-48AF-9020-955120F399B6}" type="slidenum">
+              <a:rPr lang="en-ZA" smtClean="0"/>
+              <a:pPr/>
+              <a:t>8</a:t>
+            </a:fld>
+            <a:endParaRPr lang="en-ZA" dirty="0"/>
+          </a:p>
+        </p:txBody>
+      </p:sp>
+      <p:sp>
+        <p:nvSpPr>
+          <p:cNvPr id="4" name="Footer Placeholder 3">
+            <a:extLst>
+              <a:ext uri="{FF2B5EF4-FFF2-40B4-BE49-F238E27FC236}">
+                <a16:creationId xmlns:a16="http://schemas.microsoft.com/office/drawing/2014/main" id="{50D6945F-BD17-45B9-989C-DD613DFA6427}"/>
+              </a:ext>
+            </a:extLst>
+          </p:cNvPr>
+          <p:cNvSpPr>
+            <a:spLocks noGrp="1"/>
+          </p:cNvSpPr>
+          <p:nvPr>
+            <p:ph type="ftr" sz="quarter" idx="12"/>
+          </p:nvPr>
+        </p:nvSpPr>
+        <p:spPr/>
+        <p:txBody>
+          <a:bodyPr/>
+          <a:lstStyle/>
+          <a:p>
+            <a:r>
+              <a:rPr lang="en-ZA"/>
+              <a:t>Add a footer</a:t>
+            </a:r>
+            <a:endParaRPr lang="en-ZA" dirty="0"/>
+          </a:p>
+        </p:txBody>
+      </p:sp>
+      <p:sp>
+        <p:nvSpPr>
+          <p:cNvPr id="5" name="Title 4">
+            <a:extLst>
+              <a:ext uri="{FF2B5EF4-FFF2-40B4-BE49-F238E27FC236}">
+                <a16:creationId xmlns:a16="http://schemas.microsoft.com/office/drawing/2014/main" id="{76A3CA81-7A6C-47BC-8D67-926B325F8336}"/>
+              </a:ext>
+            </a:extLst>
+          </p:cNvPr>
+          <p:cNvSpPr>
+            <a:spLocks noGrp="1"/>
+          </p:cNvSpPr>
+          <p:nvPr>
+            <p:ph type="title"/>
+          </p:nvPr>
+        </p:nvSpPr>
+        <p:spPr/>
+        <p:txBody>
+          <a:bodyPr/>
+          <a:lstStyle/>
+          <a:p>
+            <a:r>
+              <a:rPr lang="en-US" dirty="0"/>
+              <a:t>Population Changes 2004 - 2015</a:t>
+            </a:r>
+          </a:p>
+        </p:txBody>
+      </p:sp>
       <p:pic>
         <p:nvPicPr>
-          <p:cNvPr id="11" name="Content Placeholder 10">
-            <a:extLst>
-              <a:ext uri="{FF2B5EF4-FFF2-40B4-BE49-F238E27FC236}">
-                <a16:creationId xmlns:a16="http://schemas.microsoft.com/office/drawing/2014/main" id="{58619784-AB9C-4C57-ABF1-F5D033AFBBBF}"/>
+          <p:cNvPr id="10" name="Picture 9">
+            <a:extLst>
+              <a:ext uri="{FF2B5EF4-FFF2-40B4-BE49-F238E27FC236}">
+                <a16:creationId xmlns:a16="http://schemas.microsoft.com/office/drawing/2014/main" id="{013F1C41-7B34-4773-8AD5-36F14417DCF3}"/>
               </a:ext>
             </a:extLst>
           </p:cNvPr>
           <p:cNvPicPr>
-            <a:picLocks noGrp="1" noChangeAspect="1"/>
+            <a:picLocks noChangeAspect="1"/>
           </p:cNvPicPr>
-          <p:nvPr>
-            <p:ph idx="1"/>
-          </p:nvPr>
+          <p:nvPr/>
         </p:nvPicPr>
         <p:blipFill>
           <a:blip r:embed="rId4"/>
@@ -25535,15 +28410,48 @@
         </p:blipFill>
         <p:spPr>
           <a:xfrm>
-            <a:off x="432000" y="863999"/>
-            <a:ext cx="7270475" cy="5287619"/>
-          </a:xfrm>
+            <a:off x="608350" y="1599783"/>
+            <a:ext cx="5487650" cy="3658433"/>
+          </a:xfrm>
+          <a:prstGeom prst="rect">
+            <a:avLst/>
+          </a:prstGeom>
+        </p:spPr>
+      </p:pic>
+      <p:pic>
+        <p:nvPicPr>
+          <p:cNvPr id="12" name="Picture 11">
+            <a:extLst>
+              <a:ext uri="{FF2B5EF4-FFF2-40B4-BE49-F238E27FC236}">
+                <a16:creationId xmlns:a16="http://schemas.microsoft.com/office/drawing/2014/main" id="{66ACE0A7-7116-4683-92EA-AEB7FE1C0EBE}"/>
+              </a:ext>
+            </a:extLst>
+          </p:cNvPr>
+          <p:cNvPicPr>
+            <a:picLocks noChangeAspect="1"/>
+          </p:cNvPicPr>
+          <p:nvPr/>
+        </p:nvPicPr>
+        <p:blipFill>
+          <a:blip r:embed="rId5"/>
+          <a:stretch>
+            <a:fillRect/>
+          </a:stretch>
+        </p:blipFill>
+        <p:spPr>
+          <a:xfrm>
+            <a:off x="608350" y="5049722"/>
+            <a:ext cx="3648075" cy="1438275"/>
+          </a:xfrm>
+          <a:prstGeom prst="rect">
+            <a:avLst/>
+          </a:prstGeom>
         </p:spPr>
       </p:pic>
     </p:spTree>
     <p:extLst>
       <p:ext uri="{BB962C8B-B14F-4D97-AF65-F5344CB8AC3E}">
-        <p14:creationId xmlns:p14="http://schemas.microsoft.com/office/powerpoint/2010/main" val="4084030416"/>
+        <p14:creationId xmlns:p14="http://schemas.microsoft.com/office/powerpoint/2010/main" val="2150049938"/>
       </p:ext>
     </p:extLst>
   </p:cSld>
@@ -25586,12 +28494,7 @@
             <p:ph idx="1"/>
           </p:nvPr>
         </p:nvSpPr>
-        <p:spPr>
-          <a:xfrm>
-            <a:off x="432000" y="1345907"/>
-            <a:ext cx="11218532" cy="5232839"/>
-          </a:xfrm>
-        </p:spPr>
+        <p:spPr/>
         <p:txBody>
           <a:bodyPr/>
           <a:lstStyle/>
@@ -25605,7 +28508,7 @@
             <a:pPr lvl="1"/>
             <a:r>
               <a:rPr lang="en-US" sz="2000" dirty="0"/>
-              <a:t>Census Data API.</a:t>
+              <a:t>Census data website using an API key.</a:t>
             </a:r>
           </a:p>
           <a:p>
@@ -25618,21 +28521,14 @@
             <a:pPr lvl="1"/>
             <a:r>
               <a:rPr lang="en-US" sz="2000" dirty="0"/>
-              <a:t>API pulls were specific to exact needs</a:t>
+              <a:t>Accessed data on the county, state, dates, median household income and median household income margins of error.</a:t>
             </a:r>
           </a:p>
           <a:p>
             <a:pPr lvl="1"/>
             <a:r>
               <a:rPr lang="en-US" sz="2000" dirty="0"/>
-              <a:t>Removed State and County because that information was provided in different columns.</a:t>
-            </a:r>
-          </a:p>
-          <a:p>
-            <a:pPr lvl="1"/>
-            <a:r>
-              <a:rPr lang="en-US" sz="2000" dirty="0"/>
-              <a:t>We have left the only columns we needed to graph our plots such as Population, County/City, State, and Year.</a:t>
+              <a:t>State and County were removed as that was already located on the chart, leaving only the incomes, dates, and location.</a:t>
             </a:r>
           </a:p>
           <a:p>
@@ -25642,50 +28538,11 @@
             </a:r>
           </a:p>
           <a:p>
-            <a:pPr lvl="1"/>
-            <a:r>
-              <a:rPr lang="en-US" sz="2000" dirty="0"/>
-              <a:t>Galveston </a:t>
-            </a:r>
-          </a:p>
-          <a:p>
-            <a:pPr lvl="2"/>
-            <a:r>
-              <a:rPr lang="en-US" sz="1800" dirty="0"/>
-              <a:t>Population 2006 approx. 52,000</a:t>
-            </a:r>
-          </a:p>
-          <a:p>
-            <a:pPr lvl="2"/>
-            <a:r>
-              <a:rPr lang="en-US" sz="1800" dirty="0"/>
-              <a:t>Population in 2008 dropped to 48,500.</a:t>
-            </a:r>
-          </a:p>
-          <a:p>
-            <a:pPr lvl="2"/>
-            <a:r>
-              <a:rPr lang="en-US" sz="1800" dirty="0"/>
-              <a:t>By 2011, the population was approx. 47k and then in 2012 population began to regulate</a:t>
-            </a:r>
-          </a:p>
-          <a:p>
-            <a:pPr lvl="1"/>
-            <a:r>
-              <a:rPr lang="en-US" sz="2000" dirty="0"/>
-              <a:t>Virginia</a:t>
-            </a:r>
-          </a:p>
-          <a:p>
-            <a:pPr lvl="2"/>
-            <a:r>
-              <a:rPr lang="en-US" sz="1800" dirty="0"/>
-              <a:t>Population was unaffected and continued to rise although there seemed to be a slight plateau in 2011</a:t>
-            </a:r>
-          </a:p>
-          <a:p>
-            <a:pPr lvl="2"/>
-            <a:endParaRPr lang="en-US" sz="700" dirty="0"/>
+            <a:r>
+              <a:rPr lang="en-US" sz="2400" dirty="0"/>
+              <a:t>The median household income in Galveston, Texas following Hurricane Ike went well above the expected trend for the following years up until 2015. As For Louisa County, VA the median household income stayed relatively stagnant in the year following and increased slightly until 2015.as for*</a:t>
+            </a:r>
+            <a:endParaRPr lang="en-US" sz="1050" dirty="0"/>
           </a:p>
         </p:txBody>
       </p:sp>
@@ -25771,17 +28628,17 @@
           <a:p>
             <a:r>
               <a:rPr lang="en-US" dirty="0"/>
-              <a:t>Population</a:t>
+              <a:t>Median Household Income</a:t>
             </a:r>
           </a:p>
         </p:txBody>
       </p:sp>
       <p:pic>
         <p:nvPicPr>
-          <p:cNvPr id="8" name="Picture 7">
-            <a:extLst>
-              <a:ext uri="{FF2B5EF4-FFF2-40B4-BE49-F238E27FC236}">
-                <a16:creationId xmlns:a16="http://schemas.microsoft.com/office/drawing/2014/main" id="{7EBF4F51-D861-4439-9334-CED5B64AD649}"/>
+          <p:cNvPr id="6" name="Picture 5">
+            <a:extLst>
+              <a:ext uri="{FF2B5EF4-FFF2-40B4-BE49-F238E27FC236}">
+                <a16:creationId xmlns:a16="http://schemas.microsoft.com/office/drawing/2014/main" id="{6A60BB85-AFAC-40A7-9CDF-A0706FF9F652}"/>
               </a:ext>
             </a:extLst>
           </p:cNvPr>
@@ -25798,7 +28655,7 @@
         </p:blipFill>
         <p:spPr>
           <a:xfrm>
-            <a:off x="8298618" y="0"/>
+            <a:off x="8029987" y="275268"/>
             <a:ext cx="3648075" cy="1438275"/>
           </a:xfrm>
           <a:prstGeom prst="rect">
@@ -25809,7 +28666,7 @@
     </p:spTree>
     <p:extLst>
       <p:ext uri="{BB962C8B-B14F-4D97-AF65-F5344CB8AC3E}">
-        <p14:creationId xmlns:p14="http://schemas.microsoft.com/office/powerpoint/2010/main" val="2218590013"/>
+        <p14:creationId xmlns:p14="http://schemas.microsoft.com/office/powerpoint/2010/main" val="2594962577"/>
       </p:ext>
     </p:extLst>
   </p:cSld>
